--- a/S3T2_solve_ode/materials/ode-solvers-overview.pptx
+++ b/S3T2_solve_ode/materials/ode-solvers-overview.pptx
@@ -6,10 +6,12 @@
   </p:sldMasterIdLst>
   <p:sldIdLst>
     <p:sldId id="256" r:id="rId2"/>
-    <p:sldId id="257" r:id="rId3"/>
-    <p:sldId id="258" r:id="rId4"/>
-    <p:sldId id="259" r:id="rId5"/>
-    <p:sldId id="260" r:id="rId6"/>
+    <p:sldId id="261" r:id="rId3"/>
+    <p:sldId id="257" r:id="rId4"/>
+    <p:sldId id="258" r:id="rId5"/>
+    <p:sldId id="259" r:id="rId6"/>
+    <p:sldId id="260" r:id="rId7"/>
+    <p:sldId id="262" r:id="rId8"/>
   </p:sldIdLst>
   <p:sldSz cx="12192000" cy="6858000"/>
   <p:notesSz cx="6858000" cy="9144000"/>
@@ -247,7 +249,7 @@
           <a:p>
             <a:fld id="{E8D71E4C-F0B0-4FC6-B5B0-72A110BB9D77}" type="datetimeFigureOut">
               <a:rPr lang="en-US" smtClean="0"/>
-              <a:t>2020-02-19</a:t>
+              <a:t>2021-02-26</a:t>
             </a:fld>
             <a:endParaRPr lang="en-US"/>
           </a:p>
@@ -417,7 +419,7 @@
           <a:p>
             <a:fld id="{E8D71E4C-F0B0-4FC6-B5B0-72A110BB9D77}" type="datetimeFigureOut">
               <a:rPr lang="en-US" smtClean="0"/>
-              <a:t>2020-02-19</a:t>
+              <a:t>2021-02-26</a:t>
             </a:fld>
             <a:endParaRPr lang="en-US"/>
           </a:p>
@@ -597,7 +599,7 @@
           <a:p>
             <a:fld id="{E8D71E4C-F0B0-4FC6-B5B0-72A110BB9D77}" type="datetimeFigureOut">
               <a:rPr lang="en-US" smtClean="0"/>
-              <a:t>2020-02-19</a:t>
+              <a:t>2021-02-26</a:t>
             </a:fld>
             <a:endParaRPr lang="en-US"/>
           </a:p>
@@ -767,7 +769,7 @@
           <a:p>
             <a:fld id="{E8D71E4C-F0B0-4FC6-B5B0-72A110BB9D77}" type="datetimeFigureOut">
               <a:rPr lang="en-US" smtClean="0"/>
-              <a:t>2020-02-19</a:t>
+              <a:t>2021-02-26</a:t>
             </a:fld>
             <a:endParaRPr lang="en-US"/>
           </a:p>
@@ -1013,7 +1015,7 @@
           <a:p>
             <a:fld id="{E8D71E4C-F0B0-4FC6-B5B0-72A110BB9D77}" type="datetimeFigureOut">
               <a:rPr lang="en-US" smtClean="0"/>
-              <a:t>2020-02-19</a:t>
+              <a:t>2021-02-26</a:t>
             </a:fld>
             <a:endParaRPr lang="en-US"/>
           </a:p>
@@ -1245,7 +1247,7 @@
           <a:p>
             <a:fld id="{E8D71E4C-F0B0-4FC6-B5B0-72A110BB9D77}" type="datetimeFigureOut">
               <a:rPr lang="en-US" smtClean="0"/>
-              <a:t>2020-02-19</a:t>
+              <a:t>2021-02-26</a:t>
             </a:fld>
             <a:endParaRPr lang="en-US"/>
           </a:p>
@@ -1612,7 +1614,7 @@
           <a:p>
             <a:fld id="{E8D71E4C-F0B0-4FC6-B5B0-72A110BB9D77}" type="datetimeFigureOut">
               <a:rPr lang="en-US" smtClean="0"/>
-              <a:t>2020-02-19</a:t>
+              <a:t>2021-02-26</a:t>
             </a:fld>
             <a:endParaRPr lang="en-US"/>
           </a:p>
@@ -1730,7 +1732,7 @@
           <a:p>
             <a:fld id="{E8D71E4C-F0B0-4FC6-B5B0-72A110BB9D77}" type="datetimeFigureOut">
               <a:rPr lang="en-US" smtClean="0"/>
-              <a:t>2020-02-19</a:t>
+              <a:t>2021-02-26</a:t>
             </a:fld>
             <a:endParaRPr lang="en-US"/>
           </a:p>
@@ -1825,7 +1827,7 @@
           <a:p>
             <a:fld id="{E8D71E4C-F0B0-4FC6-B5B0-72A110BB9D77}" type="datetimeFigureOut">
               <a:rPr lang="en-US" smtClean="0"/>
-              <a:t>2020-02-19</a:t>
+              <a:t>2021-02-26</a:t>
             </a:fld>
             <a:endParaRPr lang="en-US"/>
           </a:p>
@@ -2102,7 +2104,7 @@
           <a:p>
             <a:fld id="{E8D71E4C-F0B0-4FC6-B5B0-72A110BB9D77}" type="datetimeFigureOut">
               <a:rPr lang="en-US" smtClean="0"/>
-              <a:t>2020-02-19</a:t>
+              <a:t>2021-02-26</a:t>
             </a:fld>
             <a:endParaRPr lang="en-US"/>
           </a:p>
@@ -2355,7 +2357,7 @@
           <a:p>
             <a:fld id="{E8D71E4C-F0B0-4FC6-B5B0-72A110BB9D77}" type="datetimeFigureOut">
               <a:rPr lang="en-US" smtClean="0"/>
-              <a:t>2020-02-19</a:t>
+              <a:t>2021-02-26</a:t>
             </a:fld>
             <a:endParaRPr lang="en-US"/>
           </a:p>
@@ -2568,7 +2570,7 @@
           <a:p>
             <a:fld id="{E8D71E4C-F0B0-4FC6-B5B0-72A110BB9D77}" type="datetimeFigureOut">
               <a:rPr lang="en-US" smtClean="0"/>
-              <a:t>2020-02-19</a:t>
+              <a:t>2021-02-26</a:t>
             </a:fld>
             <a:endParaRPr lang="en-US"/>
           </a:p>
@@ -3042,8 +3044,8 @@
           <a:lstStyle/>
           <a:p>
             <a:r>
-              <a:rPr lang="en-US" dirty="0" smtClean="0"/>
-              <a:t>MATLAB</a:t>
+              <a:rPr lang="ru-RU" dirty="0" smtClean="0"/>
+              <a:t>Классификация</a:t>
             </a:r>
             <a:endParaRPr lang="en-US" dirty="0"/>
           </a:p>
@@ -3051,762 +3053,2043 @@
       </p:sp>
       <p:sp>
         <p:nvSpPr>
-          <p:cNvPr id="3" name="Content Placeholder 2"/>
-          <p:cNvSpPr>
-            <a:spLocks noGrp="1"/>
-          </p:cNvSpPr>
-          <p:nvPr>
-            <p:ph idx="1"/>
-          </p:nvPr>
+          <p:cNvPr id="4" name="Rectangle 3"/>
+          <p:cNvSpPr/>
+          <p:nvPr/>
         </p:nvSpPr>
         <p:spPr>
           <a:xfrm>
-            <a:off x="838200" y="5691884"/>
-            <a:ext cx="10459948" cy="500490"/>
+            <a:off x="4473111" y="1690688"/>
+            <a:ext cx="3245778" cy="343595"/>
           </a:xfrm>
+          <a:prstGeom prst="rect">
+            <a:avLst/>
+          </a:prstGeom>
         </p:spPr>
+        <p:style>
+          <a:lnRef idx="2">
+            <a:schemeClr val="dk1"/>
+          </a:lnRef>
+          <a:fillRef idx="1">
+            <a:schemeClr val="lt1"/>
+          </a:fillRef>
+          <a:effectRef idx="0">
+            <a:schemeClr val="dk1"/>
+          </a:effectRef>
+          <a:fontRef idx="minor">
+            <a:schemeClr val="dk1"/>
+          </a:fontRef>
+        </p:style>
         <p:txBody>
-          <a:bodyPr>
-            <a:normAutofit/>
-          </a:bodyPr>
+          <a:bodyPr rtlCol="0" anchor="ctr"/>
           <a:lstStyle/>
           <a:p>
-            <a:pPr marL="0" indent="0">
-              <a:buNone/>
-            </a:pPr>
-            <a:r>
-              <a:rPr lang="ru-RU" sz="2000" dirty="0" smtClean="0"/>
-              <a:t>Источник:  </a:t>
-            </a:r>
-            <a:r>
-              <a:rPr lang="en-US" sz="2000" dirty="0" smtClean="0">
-                <a:hlinkClick r:id="rId2"/>
-              </a:rPr>
-              <a:t>https://www.mathworks.com/help/matlab/math/choose-an-ode-solver.html</a:t>
-            </a:r>
-            <a:r>
-              <a:rPr lang="ru-RU" sz="2000" dirty="0" smtClean="0"/>
-              <a:t> </a:t>
-            </a:r>
-            <a:endParaRPr lang="en-US" sz="2000" dirty="0" smtClean="0"/>
+            <a:pPr algn="ctr"/>
+            <a:r>
+              <a:rPr lang="ru-RU" dirty="0" smtClean="0"/>
+              <a:t>Методы решения задачи Коши</a:t>
+            </a:r>
+            <a:endParaRPr lang="en-US" dirty="0"/>
           </a:p>
         </p:txBody>
       </p:sp>
-      <p:graphicFrame>
-        <p:nvGraphicFramePr>
-          <p:cNvPr id="4" name="Table 3"/>
-          <p:cNvGraphicFramePr>
-            <a:graphicFrameLocks noGrp="1"/>
-          </p:cNvGraphicFramePr>
-          <p:nvPr>
-            <p:extLst>
-              <p:ext uri="{D42A27DB-BD31-4B8C-83A1-F6EECF244321}">
-                <p14:modId xmlns:p14="http://schemas.microsoft.com/office/powerpoint/2010/main" val="875364363"/>
-              </p:ext>
-            </p:extLst>
-          </p:nvPr>
-        </p:nvGraphicFramePr>
-        <p:xfrm>
-          <a:off x="838200" y="1464541"/>
-          <a:ext cx="10002039" cy="4014975"/>
-        </p:xfrm>
-        <a:graphic>
-          <a:graphicData uri="http://schemas.openxmlformats.org/drawingml/2006/table">
-            <a:tbl>
-              <a:tblPr firstRow="1" bandRow="1">
-                <a:tableStyleId>{5C22544A-7EE6-4342-B048-85BDC9FD1C3A}</a:tableStyleId>
-              </a:tblPr>
-              <a:tblGrid>
-                <a:gridCol w="1019493"/>
-                <a:gridCol w="4713478"/>
-                <a:gridCol w="1104583"/>
-                <a:gridCol w="3164485"/>
-              </a:tblGrid>
-              <a:tr h="298585">
-                <a:tc>
-                  <a:txBody>
-                    <a:bodyPr/>
-                    <a:lstStyle/>
-                    <a:p>
-                      <a:r>
-                        <a:rPr lang="ru-RU" dirty="0" smtClean="0"/>
-                        <a:t>Метод</a:t>
-                      </a:r>
-                      <a:endParaRPr lang="en-US" dirty="0"/>
-                    </a:p>
-                  </a:txBody>
-                  <a:tcPr/>
-                </a:tc>
-                <a:tc>
-                  <a:txBody>
-                    <a:bodyPr/>
-                    <a:lstStyle/>
-                    <a:p>
-                      <a:r>
-                        <a:rPr lang="ru-RU" dirty="0" smtClean="0"/>
-                        <a:t>Суть</a:t>
-                      </a:r>
-                      <a:endParaRPr lang="en-US" dirty="0"/>
-                    </a:p>
-                  </a:txBody>
-                  <a:tcPr/>
-                </a:tc>
-                <a:tc>
-                  <a:txBody>
-                    <a:bodyPr/>
-                    <a:lstStyle/>
-                    <a:p>
-                      <a:r>
-                        <a:rPr lang="ru-RU" dirty="0" smtClean="0"/>
-                        <a:t>Порядок</a:t>
-                      </a:r>
-                      <a:endParaRPr lang="en-US" dirty="0"/>
-                    </a:p>
-                  </a:txBody>
-                  <a:tcPr/>
-                </a:tc>
-                <a:tc>
-                  <a:txBody>
-                    <a:bodyPr/>
-                    <a:lstStyle/>
-                    <a:p>
-                      <a:r>
-                        <a:rPr lang="ru-RU" dirty="0" smtClean="0"/>
-                        <a:t>Примечание</a:t>
-                      </a:r>
-                      <a:endParaRPr lang="en-US" dirty="0"/>
-                    </a:p>
-                  </a:txBody>
-                  <a:tcPr/>
-                </a:tc>
-              </a:tr>
-              <a:tr h="515365">
-                <a:tc>
-                  <a:txBody>
-                    <a:bodyPr/>
-                    <a:lstStyle/>
-                    <a:p>
-                      <a:pPr marL="0" indent="0">
-                        <a:buNone/>
-                      </a:pPr>
-                      <a:r>
-                        <a:rPr lang="en-US" sz="1800" dirty="0" smtClean="0"/>
-                        <a:t>ode45</a:t>
-                      </a:r>
-                    </a:p>
-                  </a:txBody>
-                  <a:tcPr/>
-                </a:tc>
-                <a:tc>
-                  <a:txBody>
-                    <a:bodyPr/>
-                    <a:lstStyle/>
-                    <a:p>
-                      <a:r>
-                        <a:rPr lang="ru-RU" dirty="0" smtClean="0"/>
-                        <a:t>Явный метод Рунге-Кутты</a:t>
-                      </a:r>
-                      <a:r>
-                        <a:rPr lang="ru-RU" baseline="0" dirty="0" smtClean="0"/>
-                        <a:t> (Дорманда-Принса)</a:t>
-                      </a:r>
-                      <a:endParaRPr lang="en-US" dirty="0"/>
-                    </a:p>
-                  </a:txBody>
-                  <a:tcPr/>
-                </a:tc>
-                <a:tc>
-                  <a:txBody>
-                    <a:bodyPr/>
-                    <a:lstStyle/>
-                    <a:p>
-                      <a:r>
-                        <a:rPr lang="en-US" baseline="0" dirty="0" smtClean="0"/>
-                        <a:t>5(4)</a:t>
-                      </a:r>
-                      <a:endParaRPr lang="en-US" dirty="0"/>
-                    </a:p>
-                  </a:txBody>
-                  <a:tcPr/>
-                </a:tc>
-                <a:tc>
-                  <a:txBody>
-                    <a:bodyPr/>
-                    <a:lstStyle/>
-                    <a:p>
-                      <a:r>
-                        <a:rPr lang="en-US" sz="1800" b="0" i="0" kern="1200" dirty="0" smtClean="0">
-                          <a:solidFill>
-                            <a:schemeClr val="dk1"/>
-                          </a:solidFill>
-                          <a:effectLst/>
-                          <a:latin typeface="+mn-lt"/>
-                          <a:ea typeface="+mn-ea"/>
-                          <a:cs typeface="+mn-cs"/>
-                        </a:rPr>
-                        <a:t>“… the first solver you should try for most problems”</a:t>
-                      </a:r>
-                      <a:endParaRPr lang="en-US" dirty="0"/>
-                    </a:p>
-                  </a:txBody>
-                  <a:tcPr/>
-                </a:tc>
-              </a:tr>
-              <a:tr h="515365">
-                <a:tc>
-                  <a:txBody>
-                    <a:bodyPr/>
-                    <a:lstStyle/>
-                    <a:p>
-                      <a:pPr marL="0" indent="0">
-                        <a:buNone/>
-                      </a:pPr>
-                      <a:r>
-                        <a:rPr lang="en-US" sz="1800" dirty="0" smtClean="0"/>
-                        <a:t>ode23</a:t>
-                      </a:r>
-                    </a:p>
-                  </a:txBody>
-                  <a:tcPr/>
-                </a:tc>
-                <a:tc>
-                  <a:txBody>
-                    <a:bodyPr/>
-                    <a:lstStyle/>
-                    <a:p>
-                      <a:r>
-                        <a:rPr lang="ru-RU" dirty="0" smtClean="0"/>
-                        <a:t>Явный</a:t>
-                      </a:r>
-                      <a:r>
-                        <a:rPr lang="ru-RU" baseline="0" dirty="0" smtClean="0"/>
-                        <a:t> метод Рунге-Кутты (Богацки-Шампина)</a:t>
-                      </a:r>
-                      <a:endParaRPr lang="en-US" dirty="0"/>
-                    </a:p>
-                  </a:txBody>
-                  <a:tcPr/>
-                </a:tc>
-                <a:tc>
-                  <a:txBody>
-                    <a:bodyPr/>
-                    <a:lstStyle/>
-                    <a:p>
-                      <a:r>
-                        <a:rPr lang="en-US" baseline="0" dirty="0" smtClean="0"/>
-                        <a:t>3(2)</a:t>
-                      </a:r>
-                      <a:r>
-                        <a:rPr lang="ru-RU" baseline="0" dirty="0" smtClean="0"/>
-                        <a:t> </a:t>
-                      </a:r>
-                      <a:endParaRPr lang="en-US" dirty="0"/>
-                    </a:p>
-                  </a:txBody>
-                  <a:tcPr/>
-                </a:tc>
-                <a:tc>
-                  <a:txBody>
-                    <a:bodyPr/>
-                    <a:lstStyle/>
-                    <a:p>
-                      <a:endParaRPr lang="en-US"/>
-                    </a:p>
-                  </a:txBody>
-                  <a:tcPr/>
-                </a:tc>
-              </a:tr>
-              <a:tr h="515365">
-                <a:tc>
-                  <a:txBody>
-                    <a:bodyPr/>
-                    <a:lstStyle/>
-                    <a:p>
-                      <a:pPr marL="0" indent="0">
-                        <a:buNone/>
-                      </a:pPr>
-                      <a:r>
-                        <a:rPr lang="en-US" sz="1800" dirty="0" smtClean="0"/>
-                        <a:t>ode113</a:t>
-                      </a:r>
-                    </a:p>
-                  </a:txBody>
-                  <a:tcPr/>
-                </a:tc>
-                <a:tc>
-                  <a:txBody>
-                    <a:bodyPr/>
-                    <a:lstStyle/>
-                    <a:p>
-                      <a:pPr marL="0" marR="0" lvl="0" indent="0" algn="l" defTabSz="914400" rtl="0" eaLnBrk="1" fontAlgn="auto" latinLnBrk="0" hangingPunct="1">
-                        <a:lnSpc>
-                          <a:spcPct val="100000"/>
-                        </a:lnSpc>
-                        <a:spcBef>
-                          <a:spcPts val="0"/>
-                        </a:spcBef>
-                        <a:spcAft>
-                          <a:spcPts val="0"/>
-                        </a:spcAft>
-                        <a:buClrTx/>
-                        <a:buSzTx/>
-                        <a:buFontTx/>
-                        <a:buNone/>
-                        <a:tabLst/>
-                        <a:defRPr/>
-                      </a:pPr>
-                      <a:r>
-                        <a:rPr lang="ru-RU" dirty="0" smtClean="0"/>
-                        <a:t>Метод</a:t>
-                      </a:r>
-                      <a:r>
-                        <a:rPr lang="ru-RU" baseline="0" dirty="0" smtClean="0"/>
-                        <a:t>ы Адамса(-</a:t>
-                      </a:r>
-                      <a:r>
-                        <a:rPr lang="ru-RU" sz="1800" b="0" i="0" kern="1200" dirty="0" smtClean="0">
-                          <a:solidFill>
-                            <a:schemeClr val="dk1"/>
-                          </a:solidFill>
-                          <a:effectLst/>
-                          <a:latin typeface="+mn-lt"/>
-                          <a:ea typeface="+mn-ea"/>
-                          <a:cs typeface="+mn-cs"/>
-                        </a:rPr>
-                        <a:t>Башфорта-Мультона</a:t>
-                      </a:r>
-                      <a:r>
-                        <a:rPr lang="ru-RU" baseline="0" dirty="0" smtClean="0"/>
-                        <a:t>)</a:t>
-                      </a:r>
-                      <a:endParaRPr lang="en-US" dirty="0"/>
-                    </a:p>
-                  </a:txBody>
-                  <a:tcPr/>
-                </a:tc>
-                <a:tc>
-                  <a:txBody>
-                    <a:bodyPr/>
-                    <a:lstStyle/>
-                    <a:p>
-                      <a:pPr marL="0" marR="0" lvl="0" indent="0" algn="l" defTabSz="914400" rtl="0" eaLnBrk="1" fontAlgn="auto" latinLnBrk="0" hangingPunct="1">
-                        <a:lnSpc>
-                          <a:spcPct val="100000"/>
-                        </a:lnSpc>
-                        <a:spcBef>
-                          <a:spcPts val="0"/>
-                        </a:spcBef>
-                        <a:spcAft>
-                          <a:spcPts val="0"/>
-                        </a:spcAft>
-                        <a:buClrTx/>
-                        <a:buSzTx/>
-                        <a:buFontTx/>
-                        <a:buNone/>
-                        <a:tabLst/>
-                        <a:defRPr/>
-                      </a:pPr>
-                      <a:r>
-                        <a:rPr lang="ru-RU" baseline="0" dirty="0" smtClean="0"/>
-                        <a:t>1-12(13)</a:t>
-                      </a:r>
-                      <a:endParaRPr lang="en-US" dirty="0"/>
-                    </a:p>
-                  </a:txBody>
-                  <a:tcPr/>
-                </a:tc>
-                <a:tc>
-                  <a:txBody>
-                    <a:bodyPr/>
-                    <a:lstStyle/>
-                    <a:p>
-                      <a:r>
-                        <a:rPr lang="ru-RU" dirty="0" smtClean="0"/>
-                        <a:t>Переменный</a:t>
-                      </a:r>
-                      <a:r>
-                        <a:rPr lang="ru-RU" baseline="0" dirty="0" smtClean="0"/>
-                        <a:t> порядок</a:t>
-                      </a:r>
-                      <a:endParaRPr lang="en-US" dirty="0"/>
-                    </a:p>
-                  </a:txBody>
-                  <a:tcPr/>
-                </a:tc>
-              </a:tr>
-              <a:tr h="298585">
-                <a:tc>
-                  <a:txBody>
-                    <a:bodyPr/>
-                    <a:lstStyle/>
-                    <a:p>
-                      <a:pPr marL="0" indent="0">
-                        <a:buNone/>
-                      </a:pPr>
-                      <a:r>
-                        <a:rPr lang="en-US" sz="1800" dirty="0" smtClean="0"/>
-                        <a:t>ode15s</a:t>
-                      </a:r>
-                    </a:p>
-                  </a:txBody>
-                  <a:tcPr/>
-                </a:tc>
-                <a:tc>
-                  <a:txBody>
-                    <a:bodyPr/>
-                    <a:lstStyle/>
-                    <a:p>
-                      <a:r>
-                        <a:rPr lang="ru-RU" dirty="0" smtClean="0"/>
-                        <a:t>Формулы дифференцирования назад (</a:t>
-                      </a:r>
-                      <a:r>
-                        <a:rPr lang="en-US" dirty="0" smtClean="0"/>
-                        <a:t>BDF</a:t>
-                      </a:r>
-                      <a:r>
-                        <a:rPr lang="ru-RU" dirty="0" smtClean="0"/>
-                        <a:t>)</a:t>
-                      </a:r>
-                      <a:endParaRPr lang="en-US" dirty="0"/>
-                    </a:p>
-                  </a:txBody>
-                  <a:tcPr/>
-                </a:tc>
-                <a:tc>
-                  <a:txBody>
-                    <a:bodyPr/>
-                    <a:lstStyle/>
-                    <a:p>
-                      <a:r>
-                        <a:rPr lang="ru-RU" dirty="0" smtClean="0"/>
-                        <a:t>1-5</a:t>
-                      </a:r>
-                      <a:endParaRPr lang="en-US" dirty="0"/>
-                    </a:p>
-                  </a:txBody>
-                  <a:tcPr/>
-                </a:tc>
-                <a:tc>
-                  <a:txBody>
-                    <a:bodyPr/>
-                    <a:lstStyle/>
-                    <a:p>
-                      <a:endParaRPr lang="en-US" dirty="0"/>
-                    </a:p>
-                  </a:txBody>
-                  <a:tcPr/>
-                </a:tc>
-              </a:tr>
-              <a:tr h="298585">
-                <a:tc>
-                  <a:txBody>
-                    <a:bodyPr/>
-                    <a:lstStyle/>
-                    <a:p>
-                      <a:pPr marL="0" indent="0">
-                        <a:buNone/>
-                      </a:pPr>
-                      <a:r>
-                        <a:rPr lang="en-US" sz="1800" dirty="0" smtClean="0"/>
-                        <a:t>ode23s</a:t>
-                      </a:r>
-                      <a:endParaRPr lang="en-US" dirty="0"/>
-                    </a:p>
-                  </a:txBody>
-                  <a:tcPr/>
-                </a:tc>
-                <a:tc>
-                  <a:txBody>
-                    <a:bodyPr/>
-                    <a:lstStyle/>
-                    <a:p>
-                      <a:r>
-                        <a:rPr lang="ru-RU" dirty="0" smtClean="0"/>
-                        <a:t>Метод</a:t>
-                      </a:r>
-                      <a:r>
-                        <a:rPr lang="ru-RU" baseline="0" dirty="0" smtClean="0"/>
-                        <a:t> Розенброка</a:t>
-                      </a:r>
-                      <a:endParaRPr lang="en-US" dirty="0"/>
-                    </a:p>
-                  </a:txBody>
-                  <a:tcPr/>
-                </a:tc>
-                <a:tc>
-                  <a:txBody>
-                    <a:bodyPr/>
-                    <a:lstStyle/>
-                    <a:p>
-                      <a:r>
-                        <a:rPr lang="ru-RU" dirty="0" smtClean="0"/>
-                        <a:t>2(3)</a:t>
-                      </a:r>
-                      <a:endParaRPr lang="en-US" dirty="0"/>
-                    </a:p>
-                  </a:txBody>
-                  <a:tcPr/>
-                </a:tc>
-                <a:tc>
-                  <a:txBody>
-                    <a:bodyPr/>
-                    <a:lstStyle/>
-                    <a:p>
-                      <a:r>
-                        <a:rPr lang="ru-RU" dirty="0" smtClean="0"/>
-                        <a:t>Как неявный,</a:t>
-                      </a:r>
-                      <a:r>
-                        <a:rPr lang="ru-RU" baseline="0" dirty="0" smtClean="0"/>
-                        <a:t> только явный</a:t>
-                      </a:r>
-                      <a:endParaRPr lang="en-US" dirty="0"/>
-                    </a:p>
-                  </a:txBody>
-                  <a:tcPr/>
-                </a:tc>
-              </a:tr>
-              <a:tr h="515365">
-                <a:tc>
-                  <a:txBody>
-                    <a:bodyPr/>
-                    <a:lstStyle/>
-                    <a:p>
-                      <a:pPr marL="0" indent="0">
-                        <a:buNone/>
-                      </a:pPr>
-                      <a:r>
-                        <a:rPr lang="en-US" sz="1800" dirty="0" smtClean="0"/>
-                        <a:t>ode23t</a:t>
-                      </a:r>
-                    </a:p>
-                  </a:txBody>
-                  <a:tcPr/>
-                </a:tc>
-                <a:tc>
-                  <a:txBody>
-                    <a:bodyPr/>
-                    <a:lstStyle/>
-                    <a:p>
-                      <a:r>
-                        <a:rPr lang="ru-RU" dirty="0" smtClean="0"/>
-                        <a:t>Неявный метод Рунге-Кутты</a:t>
-                      </a:r>
-                      <a:r>
-                        <a:rPr lang="ru-RU" baseline="0" dirty="0" smtClean="0"/>
-                        <a:t> (метод трапеций)</a:t>
-                      </a:r>
-                      <a:endParaRPr lang="en-US" dirty="0"/>
-                    </a:p>
-                  </a:txBody>
-                  <a:tcPr/>
-                </a:tc>
-                <a:tc>
-                  <a:txBody>
-                    <a:bodyPr/>
-                    <a:lstStyle/>
-                    <a:p>
-                      <a:r>
-                        <a:rPr lang="ru-RU" dirty="0" smtClean="0"/>
-                        <a:t>2(3)</a:t>
-                      </a:r>
-                      <a:endParaRPr lang="en-US" dirty="0"/>
-                    </a:p>
-                  </a:txBody>
-                  <a:tcPr/>
-                </a:tc>
-                <a:tc>
-                  <a:txBody>
-                    <a:bodyPr/>
-                    <a:lstStyle/>
-                    <a:p>
-                      <a:endParaRPr lang="en-US"/>
-                    </a:p>
-                  </a:txBody>
-                  <a:tcPr/>
-                </a:tc>
-              </a:tr>
-              <a:tr h="298585">
-                <a:tc>
-                  <a:txBody>
-                    <a:bodyPr/>
-                    <a:lstStyle/>
-                    <a:p>
-                      <a:pPr marL="0" indent="0">
-                        <a:buNone/>
-                      </a:pPr>
-                      <a:r>
-                        <a:rPr lang="en-US" sz="1800" dirty="0" smtClean="0"/>
-                        <a:t>ode23tb</a:t>
-                      </a:r>
-                    </a:p>
-                  </a:txBody>
-                  <a:tcPr/>
-                </a:tc>
-                <a:tc>
-                  <a:txBody>
-                    <a:bodyPr/>
-                    <a:lstStyle/>
-                    <a:p>
-                      <a:r>
-                        <a:rPr lang="en-US" sz="1800" b="0" i="0" kern="1200" dirty="0" smtClean="0">
-                          <a:solidFill>
-                            <a:schemeClr val="dk1"/>
-                          </a:solidFill>
-                          <a:effectLst/>
-                          <a:latin typeface="+mn-lt"/>
-                          <a:ea typeface="+mn-ea"/>
-                          <a:cs typeface="+mn-cs"/>
-                        </a:rPr>
-                        <a:t>TR-BDF2</a:t>
-                      </a:r>
-                      <a:r>
-                        <a:rPr lang="ru-RU" sz="1800" b="0" i="0" kern="1200" dirty="0" smtClean="0">
-                          <a:solidFill>
-                            <a:schemeClr val="dk1"/>
-                          </a:solidFill>
-                          <a:effectLst/>
-                          <a:latin typeface="+mn-lt"/>
-                          <a:ea typeface="+mn-ea"/>
-                          <a:cs typeface="+mn-cs"/>
-                        </a:rPr>
-                        <a:t> (метод</a:t>
-                      </a:r>
-                      <a:r>
-                        <a:rPr lang="ru-RU" sz="1800" b="0" i="0" kern="1200" baseline="0" dirty="0" smtClean="0">
-                          <a:solidFill>
-                            <a:schemeClr val="dk1"/>
-                          </a:solidFill>
-                          <a:effectLst/>
-                          <a:latin typeface="+mn-lt"/>
-                          <a:ea typeface="+mn-ea"/>
-                          <a:cs typeface="+mn-cs"/>
-                        </a:rPr>
-                        <a:t> трапеций + </a:t>
-                      </a:r>
-                      <a:r>
-                        <a:rPr lang="en-US" sz="1800" b="0" i="0" kern="1200" baseline="0" dirty="0" smtClean="0">
-                          <a:solidFill>
-                            <a:schemeClr val="dk1"/>
-                          </a:solidFill>
-                          <a:effectLst/>
-                          <a:latin typeface="+mn-lt"/>
-                          <a:ea typeface="+mn-ea"/>
-                          <a:cs typeface="+mn-cs"/>
-                        </a:rPr>
-                        <a:t>BDF</a:t>
-                      </a:r>
-                      <a:r>
-                        <a:rPr lang="ru-RU" sz="1800" b="0" i="0" kern="1200" dirty="0" smtClean="0">
-                          <a:solidFill>
-                            <a:schemeClr val="dk1"/>
-                          </a:solidFill>
-                          <a:effectLst/>
-                          <a:latin typeface="+mn-lt"/>
-                          <a:ea typeface="+mn-ea"/>
-                          <a:cs typeface="+mn-cs"/>
-                        </a:rPr>
-                        <a:t>)</a:t>
-                      </a:r>
-                      <a:endParaRPr lang="en-US" dirty="0"/>
-                    </a:p>
-                  </a:txBody>
-                  <a:tcPr/>
-                </a:tc>
-                <a:tc>
-                  <a:txBody>
-                    <a:bodyPr/>
-                    <a:lstStyle/>
-                    <a:p>
-                      <a:r>
-                        <a:rPr lang="en-US" dirty="0" smtClean="0"/>
-                        <a:t>2(3)</a:t>
-                      </a:r>
-                      <a:endParaRPr lang="en-US" dirty="0"/>
-                    </a:p>
-                  </a:txBody>
-                  <a:tcPr/>
-                </a:tc>
-                <a:tc>
-                  <a:txBody>
-                    <a:bodyPr/>
-                    <a:lstStyle/>
-                    <a:p>
-                      <a:endParaRPr lang="en-US" dirty="0"/>
-                    </a:p>
-                  </a:txBody>
-                  <a:tcPr/>
-                </a:tc>
-              </a:tr>
-              <a:tr h="298585">
-                <a:tc>
-                  <a:txBody>
-                    <a:bodyPr/>
-                    <a:lstStyle/>
-                    <a:p>
-                      <a:pPr marL="0" indent="0">
-                        <a:buNone/>
-                      </a:pPr>
-                      <a:r>
-                        <a:rPr lang="en-US" sz="1800" dirty="0" smtClean="0"/>
-                        <a:t>ode15i</a:t>
-                      </a:r>
-                    </a:p>
-                  </a:txBody>
-                  <a:tcPr/>
-                </a:tc>
-                <a:tc>
-                  <a:txBody>
-                    <a:bodyPr/>
-                    <a:lstStyle/>
-                    <a:p>
-                      <a:r>
-                        <a:rPr lang="en-US" dirty="0" smtClean="0"/>
-                        <a:t>BDF</a:t>
-                      </a:r>
-                      <a:r>
-                        <a:rPr lang="ru-RU" dirty="0" smtClean="0"/>
-                        <a:t> для неявно заданных СОДУ</a:t>
-                      </a:r>
-                      <a:endParaRPr lang="en-US" dirty="0"/>
-                    </a:p>
-                  </a:txBody>
-                  <a:tcPr/>
-                </a:tc>
-                <a:tc>
-                  <a:txBody>
-                    <a:bodyPr/>
-                    <a:lstStyle/>
-                    <a:p>
-                      <a:r>
-                        <a:rPr lang="en-US" dirty="0" smtClean="0"/>
-                        <a:t>1-5</a:t>
-                      </a:r>
-                      <a:endParaRPr lang="en-US" dirty="0"/>
-                    </a:p>
-                  </a:txBody>
-                  <a:tcPr/>
-                </a:tc>
-                <a:tc>
-                  <a:txBody>
-                    <a:bodyPr/>
-                    <a:lstStyle/>
-                    <a:p>
-                      <a:endParaRPr lang="en-US" dirty="0"/>
-                    </a:p>
-                  </a:txBody>
-                  <a:tcPr/>
-                </a:tc>
-              </a:tr>
-            </a:tbl>
-          </a:graphicData>
-        </a:graphic>
-      </p:graphicFrame>
+      <p:sp>
+        <p:nvSpPr>
+          <p:cNvPr id="5" name="Rectangle 4"/>
+          <p:cNvSpPr/>
+          <p:nvPr/>
+        </p:nvSpPr>
+        <p:spPr>
+          <a:xfrm>
+            <a:off x="2357881" y="2592763"/>
+            <a:ext cx="1675545" cy="343595"/>
+          </a:xfrm>
+          <a:prstGeom prst="rect">
+            <a:avLst/>
+          </a:prstGeom>
+        </p:spPr>
+        <p:style>
+          <a:lnRef idx="2">
+            <a:schemeClr val="dk1"/>
+          </a:lnRef>
+          <a:fillRef idx="1">
+            <a:schemeClr val="lt1"/>
+          </a:fillRef>
+          <a:effectRef idx="0">
+            <a:schemeClr val="dk1"/>
+          </a:effectRef>
+          <a:fontRef idx="minor">
+            <a:schemeClr val="dk1"/>
+          </a:fontRef>
+        </p:style>
+        <p:txBody>
+          <a:bodyPr rtlCol="0" anchor="ctr"/>
+          <a:lstStyle/>
+          <a:p>
+            <a:pPr algn="ctr"/>
+            <a:r>
+              <a:rPr lang="ru-RU" dirty="0" smtClean="0"/>
+              <a:t>Одношаговые</a:t>
+            </a:r>
+            <a:endParaRPr lang="en-US" dirty="0"/>
+          </a:p>
+        </p:txBody>
+      </p:sp>
+      <p:sp>
+        <p:nvSpPr>
+          <p:cNvPr id="6" name="Rectangle 5"/>
+          <p:cNvSpPr/>
+          <p:nvPr/>
+        </p:nvSpPr>
+        <p:spPr>
+          <a:xfrm>
+            <a:off x="7718889" y="2592764"/>
+            <a:ext cx="1675545" cy="343595"/>
+          </a:xfrm>
+          <a:prstGeom prst="rect">
+            <a:avLst/>
+          </a:prstGeom>
+        </p:spPr>
+        <p:style>
+          <a:lnRef idx="2">
+            <a:schemeClr val="dk1"/>
+          </a:lnRef>
+          <a:fillRef idx="1">
+            <a:schemeClr val="lt1"/>
+          </a:fillRef>
+          <a:effectRef idx="0">
+            <a:schemeClr val="dk1"/>
+          </a:effectRef>
+          <a:fontRef idx="minor">
+            <a:schemeClr val="dk1"/>
+          </a:fontRef>
+        </p:style>
+        <p:txBody>
+          <a:bodyPr rtlCol="0" anchor="ctr"/>
+          <a:lstStyle/>
+          <a:p>
+            <a:pPr algn="ctr"/>
+            <a:r>
+              <a:rPr lang="ru-RU" dirty="0" smtClean="0"/>
+              <a:t>Многошаговые</a:t>
+            </a:r>
+            <a:endParaRPr lang="en-US" dirty="0"/>
+          </a:p>
+        </p:txBody>
+      </p:sp>
+      <p:sp>
+        <p:nvSpPr>
+          <p:cNvPr id="9" name="Rectangle 8"/>
+          <p:cNvSpPr/>
+          <p:nvPr/>
+        </p:nvSpPr>
+        <p:spPr>
+          <a:xfrm>
+            <a:off x="5729223" y="3488707"/>
+            <a:ext cx="1388300" cy="343595"/>
+          </a:xfrm>
+          <a:prstGeom prst="rect">
+            <a:avLst/>
+          </a:prstGeom>
+        </p:spPr>
+        <p:style>
+          <a:lnRef idx="2">
+            <a:schemeClr val="dk1"/>
+          </a:lnRef>
+          <a:fillRef idx="1">
+            <a:schemeClr val="lt1"/>
+          </a:fillRef>
+          <a:effectRef idx="0">
+            <a:schemeClr val="dk1"/>
+          </a:effectRef>
+          <a:fontRef idx="minor">
+            <a:schemeClr val="dk1"/>
+          </a:fontRef>
+        </p:style>
+        <p:txBody>
+          <a:bodyPr rtlCol="0" anchor="ctr"/>
+          <a:lstStyle/>
+          <a:p>
+            <a:pPr algn="ctr"/>
+            <a:r>
+              <a:rPr lang="ru-RU" dirty="0" smtClean="0"/>
+              <a:t>Адамса-</a:t>
+            </a:r>
+            <a:endParaRPr lang="en-US" dirty="0"/>
+          </a:p>
+        </p:txBody>
+      </p:sp>
+      <p:cxnSp>
+        <p:nvCxnSpPr>
+          <p:cNvPr id="14" name="Straight Arrow Connector 13"/>
+          <p:cNvCxnSpPr>
+            <a:stCxn id="4" idx="2"/>
+            <a:endCxn id="5" idx="0"/>
+          </p:cNvCxnSpPr>
+          <p:nvPr/>
+        </p:nvCxnSpPr>
+        <p:spPr>
+          <a:xfrm flipH="1">
+            <a:off x="3195654" y="2034283"/>
+            <a:ext cx="2900346" cy="558480"/>
+          </a:xfrm>
+          <a:prstGeom prst="straightConnector1">
+            <a:avLst/>
+          </a:prstGeom>
+          <a:ln>
+            <a:tailEnd type="triangle"/>
+          </a:ln>
+        </p:spPr>
+        <p:style>
+          <a:lnRef idx="2">
+            <a:schemeClr val="dk1"/>
+          </a:lnRef>
+          <a:fillRef idx="1">
+            <a:schemeClr val="lt1"/>
+          </a:fillRef>
+          <a:effectRef idx="0">
+            <a:schemeClr val="dk1"/>
+          </a:effectRef>
+          <a:fontRef idx="minor">
+            <a:schemeClr val="dk1"/>
+          </a:fontRef>
+        </p:style>
+      </p:cxnSp>
+      <p:cxnSp>
+        <p:nvCxnSpPr>
+          <p:cNvPr id="16" name="Straight Arrow Connector 15"/>
+          <p:cNvCxnSpPr>
+            <a:stCxn id="4" idx="2"/>
+            <a:endCxn id="6" idx="0"/>
+          </p:cNvCxnSpPr>
+          <p:nvPr/>
+        </p:nvCxnSpPr>
+        <p:spPr>
+          <a:xfrm>
+            <a:off x="6096000" y="2034283"/>
+            <a:ext cx="2460662" cy="558481"/>
+          </a:xfrm>
+          <a:prstGeom prst="straightConnector1">
+            <a:avLst/>
+          </a:prstGeom>
+          <a:ln>
+            <a:tailEnd type="triangle"/>
+          </a:ln>
+        </p:spPr>
+        <p:style>
+          <a:lnRef idx="2">
+            <a:schemeClr val="dk1"/>
+          </a:lnRef>
+          <a:fillRef idx="1">
+            <a:schemeClr val="lt1"/>
+          </a:fillRef>
+          <a:effectRef idx="0">
+            <a:schemeClr val="dk1"/>
+          </a:effectRef>
+          <a:fontRef idx="minor">
+            <a:schemeClr val="dk1"/>
+          </a:fontRef>
+        </p:style>
+      </p:cxnSp>
+      <p:cxnSp>
+        <p:nvCxnSpPr>
+          <p:cNvPr id="18" name="Straight Arrow Connector 17"/>
+          <p:cNvCxnSpPr>
+            <a:stCxn id="6" idx="2"/>
+            <a:endCxn id="9" idx="0"/>
+          </p:cNvCxnSpPr>
+          <p:nvPr/>
+        </p:nvCxnSpPr>
+        <p:spPr>
+          <a:xfrm flipH="1">
+            <a:off x="6423373" y="2936359"/>
+            <a:ext cx="2133289" cy="552348"/>
+          </a:xfrm>
+          <a:prstGeom prst="straightConnector1">
+            <a:avLst/>
+          </a:prstGeom>
+          <a:ln>
+            <a:tailEnd type="triangle"/>
+          </a:ln>
+        </p:spPr>
+        <p:style>
+          <a:lnRef idx="2">
+            <a:schemeClr val="dk1"/>
+          </a:lnRef>
+          <a:fillRef idx="1">
+            <a:schemeClr val="lt1"/>
+          </a:fillRef>
+          <a:effectRef idx="0">
+            <a:schemeClr val="dk1"/>
+          </a:effectRef>
+          <a:fontRef idx="minor">
+            <a:schemeClr val="dk1"/>
+          </a:fontRef>
+        </p:style>
+      </p:cxnSp>
+      <p:cxnSp>
+        <p:nvCxnSpPr>
+          <p:cNvPr id="20" name="Straight Arrow Connector 19"/>
+          <p:cNvCxnSpPr>
+            <a:stCxn id="9" idx="2"/>
+            <a:endCxn id="10" idx="0"/>
+          </p:cNvCxnSpPr>
+          <p:nvPr/>
+        </p:nvCxnSpPr>
+        <p:spPr>
+          <a:xfrm flipH="1">
+            <a:off x="5285373" y="3832302"/>
+            <a:ext cx="1138000" cy="552413"/>
+          </a:xfrm>
+          <a:prstGeom prst="straightConnector1">
+            <a:avLst/>
+          </a:prstGeom>
+          <a:ln>
+            <a:tailEnd type="triangle"/>
+          </a:ln>
+        </p:spPr>
+        <p:style>
+          <a:lnRef idx="2">
+            <a:schemeClr val="dk1"/>
+          </a:lnRef>
+          <a:fillRef idx="1">
+            <a:schemeClr val="lt1"/>
+          </a:fillRef>
+          <a:effectRef idx="0">
+            <a:schemeClr val="dk1"/>
+          </a:effectRef>
+          <a:fontRef idx="minor">
+            <a:schemeClr val="dk1"/>
+          </a:fontRef>
+        </p:style>
+      </p:cxnSp>
+      <p:cxnSp>
+        <p:nvCxnSpPr>
+          <p:cNvPr id="22" name="Straight Arrow Connector 21"/>
+          <p:cNvCxnSpPr>
+            <a:stCxn id="9" idx="2"/>
+            <a:endCxn id="11" idx="0"/>
+          </p:cNvCxnSpPr>
+          <p:nvPr/>
+        </p:nvCxnSpPr>
+        <p:spPr>
+          <a:xfrm>
+            <a:off x="6423373" y="3832302"/>
+            <a:ext cx="1370536" cy="552413"/>
+          </a:xfrm>
+          <a:prstGeom prst="straightConnector1">
+            <a:avLst/>
+          </a:prstGeom>
+          <a:ln>
+            <a:tailEnd type="triangle"/>
+          </a:ln>
+        </p:spPr>
+        <p:style>
+          <a:lnRef idx="2">
+            <a:schemeClr val="dk1"/>
+          </a:lnRef>
+          <a:fillRef idx="1">
+            <a:schemeClr val="lt1"/>
+          </a:fillRef>
+          <a:effectRef idx="0">
+            <a:schemeClr val="dk1"/>
+          </a:effectRef>
+          <a:fontRef idx="minor">
+            <a:schemeClr val="dk1"/>
+          </a:fontRef>
+        </p:style>
+      </p:cxnSp>
+      <p:cxnSp>
+        <p:nvCxnSpPr>
+          <p:cNvPr id="24" name="Straight Arrow Connector 23"/>
+          <p:cNvCxnSpPr>
+            <a:stCxn id="6" idx="2"/>
+            <a:endCxn id="12" idx="0"/>
+          </p:cNvCxnSpPr>
+          <p:nvPr/>
+        </p:nvCxnSpPr>
+        <p:spPr>
+          <a:xfrm>
+            <a:off x="8556662" y="2936359"/>
+            <a:ext cx="1794224" cy="1448356"/>
+          </a:xfrm>
+          <a:prstGeom prst="straightConnector1">
+            <a:avLst/>
+          </a:prstGeom>
+          <a:ln>
+            <a:tailEnd type="triangle"/>
+          </a:ln>
+        </p:spPr>
+        <p:style>
+          <a:lnRef idx="2">
+            <a:schemeClr val="dk1"/>
+          </a:lnRef>
+          <a:fillRef idx="1">
+            <a:schemeClr val="lt1"/>
+          </a:fillRef>
+          <a:effectRef idx="0">
+            <a:schemeClr val="dk1"/>
+          </a:effectRef>
+          <a:fontRef idx="minor">
+            <a:schemeClr val="dk1"/>
+          </a:fontRef>
+        </p:style>
+      </p:cxnSp>
+      <p:sp>
+        <p:nvSpPr>
+          <p:cNvPr id="25" name="Rectangle 24"/>
+          <p:cNvSpPr/>
+          <p:nvPr/>
+        </p:nvSpPr>
+        <p:spPr>
+          <a:xfrm>
+            <a:off x="1487079" y="3490960"/>
+            <a:ext cx="1388300" cy="343595"/>
+          </a:xfrm>
+          <a:prstGeom prst="rect">
+            <a:avLst/>
+          </a:prstGeom>
+        </p:spPr>
+        <p:style>
+          <a:lnRef idx="2">
+            <a:schemeClr val="dk1"/>
+          </a:lnRef>
+          <a:fillRef idx="1">
+            <a:schemeClr val="lt1"/>
+          </a:fillRef>
+          <a:effectRef idx="0">
+            <a:schemeClr val="dk1"/>
+          </a:effectRef>
+          <a:fontRef idx="minor">
+            <a:schemeClr val="dk1"/>
+          </a:fontRef>
+        </p:style>
+        <p:txBody>
+          <a:bodyPr rtlCol="0" anchor="ctr"/>
+          <a:lstStyle/>
+          <a:p>
+            <a:pPr algn="ctr"/>
+            <a:r>
+              <a:rPr lang="ru-RU" dirty="0" smtClean="0"/>
+              <a:t>Рунге-Кутты</a:t>
+            </a:r>
+            <a:endParaRPr lang="en-US" dirty="0"/>
+          </a:p>
+        </p:txBody>
+      </p:sp>
+      <p:cxnSp>
+        <p:nvCxnSpPr>
+          <p:cNvPr id="27" name="Straight Arrow Connector 26"/>
+          <p:cNvCxnSpPr>
+            <a:stCxn id="5" idx="2"/>
+            <a:endCxn id="25" idx="0"/>
+          </p:cNvCxnSpPr>
+          <p:nvPr/>
+        </p:nvCxnSpPr>
+        <p:spPr>
+          <a:xfrm flipH="1">
+            <a:off x="2181229" y="2936358"/>
+            <a:ext cx="1014425" cy="554602"/>
+          </a:xfrm>
+          <a:prstGeom prst="straightConnector1">
+            <a:avLst/>
+          </a:prstGeom>
+          <a:ln>
+            <a:tailEnd type="triangle"/>
+          </a:ln>
+        </p:spPr>
+        <p:style>
+          <a:lnRef idx="2">
+            <a:schemeClr val="dk1"/>
+          </a:lnRef>
+          <a:fillRef idx="1">
+            <a:schemeClr val="lt1"/>
+          </a:fillRef>
+          <a:effectRef idx="0">
+            <a:schemeClr val="dk1"/>
+          </a:effectRef>
+          <a:fontRef idx="minor">
+            <a:schemeClr val="dk1"/>
+          </a:fontRef>
+        </p:style>
+      </p:cxnSp>
+      <p:cxnSp>
+        <p:nvCxnSpPr>
+          <p:cNvPr id="29" name="Straight Arrow Connector 28"/>
+          <p:cNvCxnSpPr>
+            <a:stCxn id="25" idx="2"/>
+            <a:endCxn id="7" idx="0"/>
+          </p:cNvCxnSpPr>
+          <p:nvPr/>
+        </p:nvCxnSpPr>
+        <p:spPr>
+          <a:xfrm flipH="1">
+            <a:off x="1328407" y="3834555"/>
+            <a:ext cx="852822" cy="550161"/>
+          </a:xfrm>
+          <a:prstGeom prst="straightConnector1">
+            <a:avLst/>
+          </a:prstGeom>
+          <a:ln>
+            <a:tailEnd type="triangle"/>
+          </a:ln>
+        </p:spPr>
+        <p:style>
+          <a:lnRef idx="2">
+            <a:schemeClr val="dk1"/>
+          </a:lnRef>
+          <a:fillRef idx="1">
+            <a:schemeClr val="lt1"/>
+          </a:fillRef>
+          <a:effectRef idx="0">
+            <a:schemeClr val="dk1"/>
+          </a:effectRef>
+          <a:fontRef idx="minor">
+            <a:schemeClr val="dk1"/>
+          </a:fontRef>
+        </p:style>
+      </p:cxnSp>
+      <p:cxnSp>
+        <p:nvCxnSpPr>
+          <p:cNvPr id="31" name="Straight Arrow Connector 30"/>
+          <p:cNvCxnSpPr>
+            <a:stCxn id="25" idx="2"/>
+            <a:endCxn id="8" idx="0"/>
+          </p:cNvCxnSpPr>
+          <p:nvPr/>
+        </p:nvCxnSpPr>
+        <p:spPr>
+          <a:xfrm>
+            <a:off x="2181229" y="3834555"/>
+            <a:ext cx="870802" cy="550161"/>
+          </a:xfrm>
+          <a:prstGeom prst="straightConnector1">
+            <a:avLst/>
+          </a:prstGeom>
+          <a:ln>
+            <a:tailEnd type="triangle"/>
+          </a:ln>
+        </p:spPr>
+        <p:style>
+          <a:lnRef idx="2">
+            <a:schemeClr val="dk1"/>
+          </a:lnRef>
+          <a:fillRef idx="1">
+            <a:schemeClr val="lt1"/>
+          </a:fillRef>
+          <a:effectRef idx="0">
+            <a:schemeClr val="dk1"/>
+          </a:effectRef>
+          <a:fontRef idx="minor">
+            <a:schemeClr val="dk1"/>
+          </a:fontRef>
+        </p:style>
+      </p:cxnSp>
+      <p:grpSp>
+        <p:nvGrpSpPr>
+          <p:cNvPr id="111" name="Group 110"/>
+          <p:cNvGrpSpPr/>
+          <p:nvPr/>
+        </p:nvGrpSpPr>
+        <p:grpSpPr>
+          <a:xfrm>
+            <a:off x="634257" y="4384716"/>
+            <a:ext cx="1388300" cy="587057"/>
+            <a:chOff x="634257" y="4384716"/>
+            <a:chExt cx="1388300" cy="587057"/>
+          </a:xfrm>
+        </p:grpSpPr>
+        <p:sp>
+          <p:nvSpPr>
+            <p:cNvPr id="7" name="Rectangle 6"/>
+            <p:cNvSpPr/>
+            <p:nvPr/>
+          </p:nvSpPr>
+          <p:spPr>
+            <a:xfrm>
+              <a:off x="634257" y="4384716"/>
+              <a:ext cx="1388300" cy="343595"/>
+            </a:xfrm>
+            <a:prstGeom prst="rect">
+              <a:avLst/>
+            </a:prstGeom>
+            <a:solidFill>
+              <a:schemeClr val="accent1">
+                <a:lumMod val="60000"/>
+                <a:lumOff val="40000"/>
+              </a:schemeClr>
+            </a:solidFill>
+          </p:spPr>
+          <p:style>
+            <a:lnRef idx="2">
+              <a:schemeClr val="dk1"/>
+            </a:lnRef>
+            <a:fillRef idx="1">
+              <a:schemeClr val="lt1"/>
+            </a:fillRef>
+            <a:effectRef idx="0">
+              <a:schemeClr val="dk1"/>
+            </a:effectRef>
+            <a:fontRef idx="minor">
+              <a:schemeClr val="dk1"/>
+            </a:fontRef>
+          </p:style>
+          <p:txBody>
+            <a:bodyPr rtlCol="0" anchor="ctr"/>
+            <a:lstStyle/>
+            <a:p>
+              <a:pPr algn="ctr"/>
+              <a:r>
+                <a:rPr lang="ru-RU" dirty="0" smtClean="0"/>
+                <a:t>ЯМРК</a:t>
+              </a:r>
+              <a:endParaRPr lang="en-US" dirty="0"/>
+            </a:p>
+          </p:txBody>
+        </p:sp>
+        <mc:AlternateContent xmlns:mc="http://schemas.openxmlformats.org/markup-compatibility/2006">
+          <mc:Choice xmlns:a14="http://schemas.microsoft.com/office/drawing/2010/main" Requires="a14">
+            <p:sp>
+              <p:nvSpPr>
+                <p:cNvPr id="85" name="TextBox 84"/>
+                <p:cNvSpPr txBox="1"/>
+                <p:nvPr/>
+              </p:nvSpPr>
+              <p:spPr>
+                <a:xfrm>
+                  <a:off x="716380" y="4787107"/>
+                  <a:ext cx="1224053" cy="184666"/>
+                </a:xfrm>
+                <a:prstGeom prst="rect">
+                  <a:avLst/>
+                </a:prstGeom>
+                <a:solidFill>
+                  <a:schemeClr val="bg2"/>
+                </a:solidFill>
+              </p:spPr>
+              <p:txBody>
+                <a:bodyPr wrap="none" lIns="0" tIns="0" rIns="0" bIns="0" rtlCol="0">
+                  <a:spAutoFit/>
+                </a:bodyPr>
+                <a:lstStyle/>
+                <a:p>
+                  <a14:m>
+                    <m:oMathPara xmlns:m="http://schemas.openxmlformats.org/officeDocument/2006/math">
+                      <m:oMathParaPr>
+                        <m:jc m:val="centerGroup"/>
+                      </m:oMathParaPr>
+                      <m:oMath xmlns:m="http://schemas.openxmlformats.org/officeDocument/2006/math">
+                        <m:sSub>
+                          <m:sSubPr>
+                            <m:ctrlPr>
+                              <a:rPr lang="en-US" sz="1200" i="1" smtClean="0">
+                                <a:latin typeface="Cambria Math" panose="02040503050406030204" pitchFamily="18" charset="0"/>
+                              </a:rPr>
+                            </m:ctrlPr>
+                          </m:sSubPr>
+                          <m:e>
+                            <m:r>
+                              <a:rPr lang="en-US" sz="1200" b="0" i="1" smtClean="0">
+                                <a:latin typeface="Cambria Math" panose="02040503050406030204" pitchFamily="18" charset="0"/>
+                              </a:rPr>
+                              <m:t>𝑦</m:t>
+                            </m:r>
+                          </m:e>
+                          <m:sub>
+                            <m:r>
+                              <a:rPr lang="en-US" sz="1200" b="0" i="1" smtClean="0">
+                                <a:latin typeface="Cambria Math" panose="02040503050406030204" pitchFamily="18" charset="0"/>
+                              </a:rPr>
+                              <m:t>𝑛</m:t>
+                            </m:r>
+                            <m:r>
+                              <a:rPr lang="en-US" sz="1200" b="0" i="1" smtClean="0">
+                                <a:latin typeface="Cambria Math" panose="02040503050406030204" pitchFamily="18" charset="0"/>
+                              </a:rPr>
+                              <m:t>+1</m:t>
+                            </m:r>
+                          </m:sub>
+                        </m:sSub>
+                        <m:r>
+                          <a:rPr lang="en-US" sz="1200" i="1" smtClean="0">
+                            <a:latin typeface="Cambria Math" panose="02040503050406030204" pitchFamily="18" charset="0"/>
+                          </a:rPr>
+                          <m:t>=</m:t>
+                        </m:r>
+                        <m:r>
+                          <a:rPr lang="en-US" sz="1200" b="0" i="1" smtClean="0">
+                            <a:latin typeface="Cambria Math" panose="02040503050406030204" pitchFamily="18" charset="0"/>
+                          </a:rPr>
+                          <m:t>𝐹</m:t>
+                        </m:r>
+                        <m:r>
+                          <a:rPr lang="en-US" sz="1200" b="0" i="1" smtClean="0">
+                            <a:latin typeface="Cambria Math" panose="02040503050406030204" pitchFamily="18" charset="0"/>
+                          </a:rPr>
+                          <m:t>(</m:t>
+                        </m:r>
+                        <m:r>
+                          <a:rPr lang="en-US" sz="1200" b="1" i="1" smtClean="0">
+                            <a:latin typeface="Cambria Math" panose="02040503050406030204" pitchFamily="18" charset="0"/>
+                          </a:rPr>
+                          <m:t>𝒇</m:t>
+                        </m:r>
+                        <m:r>
+                          <a:rPr lang="en-US" sz="1200" b="0" i="1" smtClean="0">
+                            <a:latin typeface="Cambria Math" panose="02040503050406030204" pitchFamily="18" charset="0"/>
+                          </a:rPr>
+                          <m:t>, </m:t>
+                        </m:r>
+                        <m:sSub>
+                          <m:sSubPr>
+                            <m:ctrlPr>
+                              <a:rPr lang="en-US" sz="1200" i="1">
+                                <a:latin typeface="Cambria Math" panose="02040503050406030204" pitchFamily="18" charset="0"/>
+                              </a:rPr>
+                            </m:ctrlPr>
+                          </m:sSubPr>
+                          <m:e>
+                            <m:r>
+                              <a:rPr lang="en-US" sz="1200" i="1">
+                                <a:latin typeface="Cambria Math" panose="02040503050406030204" pitchFamily="18" charset="0"/>
+                              </a:rPr>
+                              <m:t>𝑦</m:t>
+                            </m:r>
+                          </m:e>
+                          <m:sub>
+                            <m:r>
+                              <a:rPr lang="en-US" sz="1200" i="1">
+                                <a:latin typeface="Cambria Math" panose="02040503050406030204" pitchFamily="18" charset="0"/>
+                              </a:rPr>
+                              <m:t>𝑛</m:t>
+                            </m:r>
+                          </m:sub>
+                        </m:sSub>
+                        <m:r>
+                          <a:rPr lang="en-US" sz="1200" b="0" i="1" smtClean="0">
+                            <a:latin typeface="Cambria Math" panose="02040503050406030204" pitchFamily="18" charset="0"/>
+                          </a:rPr>
+                          <m:t>, </m:t>
+                        </m:r>
+                        <m:r>
+                          <a:rPr lang="en-US" sz="1200" b="0" i="1" smtClean="0">
+                            <a:latin typeface="Cambria Math" panose="02040503050406030204" pitchFamily="18" charset="0"/>
+                          </a:rPr>
+                          <m:t>h</m:t>
+                        </m:r>
+                        <m:r>
+                          <a:rPr lang="en-US" sz="1200" b="0" i="1" smtClean="0">
+                            <a:latin typeface="Cambria Math" panose="02040503050406030204" pitchFamily="18" charset="0"/>
+                          </a:rPr>
+                          <m:t>)</m:t>
+                        </m:r>
+                      </m:oMath>
+                    </m:oMathPara>
+                  </a14:m>
+                  <a:endParaRPr lang="en-US" sz="1600" dirty="0"/>
+                </a:p>
+              </p:txBody>
+            </p:sp>
+          </mc:Choice>
+          <mc:Fallback>
+            <p:sp>
+              <p:nvSpPr>
+                <p:cNvPr id="85" name="TextBox 84"/>
+                <p:cNvSpPr txBox="1">
+                  <a:spLocks noRot="1" noChangeAspect="1" noMove="1" noResize="1" noEditPoints="1" noAdjustHandles="1" noChangeArrowheads="1" noChangeShapeType="1" noTextEdit="1"/>
+                </p:cNvSpPr>
+                <p:nvPr/>
+              </p:nvSpPr>
+              <p:spPr>
+                <a:xfrm>
+                  <a:off x="716380" y="4787107"/>
+                  <a:ext cx="1224053" cy="184666"/>
+                </a:xfrm>
+                <a:prstGeom prst="rect">
+                  <a:avLst/>
+                </a:prstGeom>
+                <a:blipFill rotWithShape="0">
+                  <a:blip r:embed="rId2"/>
+                  <a:stretch>
+                    <a:fillRect l="-2500" t="-3226" r="-4000" b="-35484"/>
+                  </a:stretch>
+                </a:blipFill>
+              </p:spPr>
+              <p:txBody>
+                <a:bodyPr/>
+                <a:lstStyle/>
+                <a:p>
+                  <a:r>
+                    <a:rPr lang="en-US">
+                      <a:noFill/>
+                    </a:rPr>
+                    <a:t> </a:t>
+                  </a:r>
+                </a:p>
+              </p:txBody>
+            </p:sp>
+          </mc:Fallback>
+        </mc:AlternateContent>
+      </p:grpSp>
+      <p:grpSp>
+        <p:nvGrpSpPr>
+          <p:cNvPr id="112" name="Group 111"/>
+          <p:cNvGrpSpPr/>
+          <p:nvPr/>
+        </p:nvGrpSpPr>
+        <p:grpSpPr>
+          <a:xfrm>
+            <a:off x="2253543" y="4384716"/>
+            <a:ext cx="1593193" cy="587057"/>
+            <a:chOff x="2253543" y="4384716"/>
+            <a:chExt cx="1593193" cy="587057"/>
+          </a:xfrm>
+        </p:grpSpPr>
+        <p:sp>
+          <p:nvSpPr>
+            <p:cNvPr id="8" name="Rectangle 7"/>
+            <p:cNvSpPr/>
+            <p:nvPr/>
+          </p:nvSpPr>
+          <p:spPr>
+            <a:xfrm>
+              <a:off x="2357881" y="4384716"/>
+              <a:ext cx="1388300" cy="343595"/>
+            </a:xfrm>
+            <a:prstGeom prst="rect">
+              <a:avLst/>
+            </a:prstGeom>
+            <a:solidFill>
+              <a:schemeClr val="accent2">
+                <a:lumMod val="60000"/>
+                <a:lumOff val="40000"/>
+              </a:schemeClr>
+            </a:solidFill>
+          </p:spPr>
+          <p:style>
+            <a:lnRef idx="2">
+              <a:schemeClr val="dk1"/>
+            </a:lnRef>
+            <a:fillRef idx="1">
+              <a:schemeClr val="lt1"/>
+            </a:fillRef>
+            <a:effectRef idx="0">
+              <a:schemeClr val="dk1"/>
+            </a:effectRef>
+            <a:fontRef idx="minor">
+              <a:schemeClr val="dk1"/>
+            </a:fontRef>
+          </p:style>
+          <p:txBody>
+            <a:bodyPr rtlCol="0" anchor="ctr"/>
+            <a:lstStyle/>
+            <a:p>
+              <a:pPr algn="ctr"/>
+              <a:r>
+                <a:rPr lang="ru-RU" dirty="0" smtClean="0"/>
+                <a:t>НяМРК</a:t>
+              </a:r>
+              <a:endParaRPr lang="en-US" dirty="0"/>
+            </a:p>
+          </p:txBody>
+        </p:sp>
+        <mc:AlternateContent xmlns:mc="http://schemas.openxmlformats.org/markup-compatibility/2006">
+          <mc:Choice xmlns:a14="http://schemas.microsoft.com/office/drawing/2010/main" Requires="a14">
+            <p:sp>
+              <p:nvSpPr>
+                <p:cNvPr id="86" name="TextBox 85"/>
+                <p:cNvSpPr txBox="1"/>
+                <p:nvPr/>
+              </p:nvSpPr>
+              <p:spPr>
+                <a:xfrm>
+                  <a:off x="2253543" y="4787107"/>
+                  <a:ext cx="1593193" cy="184666"/>
+                </a:xfrm>
+                <a:prstGeom prst="rect">
+                  <a:avLst/>
+                </a:prstGeom>
+                <a:solidFill>
+                  <a:schemeClr val="bg2"/>
+                </a:solidFill>
+              </p:spPr>
+              <p:txBody>
+                <a:bodyPr wrap="none" lIns="0" tIns="0" rIns="0" bIns="0" rtlCol="0">
+                  <a:spAutoFit/>
+                </a:bodyPr>
+                <a:lstStyle/>
+                <a:p>
+                  <a14:m>
+                    <m:oMathPara xmlns:m="http://schemas.openxmlformats.org/officeDocument/2006/math">
+                      <m:oMathParaPr>
+                        <m:jc m:val="centerGroup"/>
+                      </m:oMathParaPr>
+                      <m:oMath xmlns:m="http://schemas.openxmlformats.org/officeDocument/2006/math">
+                        <m:sSub>
+                          <m:sSubPr>
+                            <m:ctrlPr>
+                              <a:rPr lang="en-US" sz="1200" i="1" smtClean="0">
+                                <a:latin typeface="Cambria Math" panose="02040503050406030204" pitchFamily="18" charset="0"/>
+                              </a:rPr>
+                            </m:ctrlPr>
+                          </m:sSubPr>
+                          <m:e>
+                            <m:r>
+                              <a:rPr lang="en-US" sz="1200" b="0" i="1" smtClean="0">
+                                <a:latin typeface="Cambria Math" panose="02040503050406030204" pitchFamily="18" charset="0"/>
+                              </a:rPr>
+                              <m:t>𝑦</m:t>
+                            </m:r>
+                          </m:e>
+                          <m:sub>
+                            <m:r>
+                              <a:rPr lang="en-US" sz="1200" b="0" i="1" smtClean="0">
+                                <a:latin typeface="Cambria Math" panose="02040503050406030204" pitchFamily="18" charset="0"/>
+                              </a:rPr>
+                              <m:t>𝑛</m:t>
+                            </m:r>
+                            <m:r>
+                              <a:rPr lang="en-US" sz="1200" b="0" i="1" smtClean="0">
+                                <a:latin typeface="Cambria Math" panose="02040503050406030204" pitchFamily="18" charset="0"/>
+                              </a:rPr>
+                              <m:t>+1</m:t>
+                            </m:r>
+                          </m:sub>
+                        </m:sSub>
+                        <m:r>
+                          <a:rPr lang="en-US" sz="1200" i="1" smtClean="0">
+                            <a:latin typeface="Cambria Math" panose="02040503050406030204" pitchFamily="18" charset="0"/>
+                          </a:rPr>
+                          <m:t>=</m:t>
+                        </m:r>
+                        <m:r>
+                          <a:rPr lang="en-US" sz="1200" b="0" i="1" smtClean="0">
+                            <a:latin typeface="Cambria Math" panose="02040503050406030204" pitchFamily="18" charset="0"/>
+                          </a:rPr>
+                          <m:t>𝐹</m:t>
+                        </m:r>
+                        <m:r>
+                          <a:rPr lang="en-US" sz="1200" b="0" i="1" smtClean="0">
+                            <a:latin typeface="Cambria Math" panose="02040503050406030204" pitchFamily="18" charset="0"/>
+                          </a:rPr>
+                          <m:t>(</m:t>
+                        </m:r>
+                        <m:r>
+                          <a:rPr lang="en-US" sz="1200" b="1" i="1" smtClean="0">
+                            <a:latin typeface="Cambria Math" panose="02040503050406030204" pitchFamily="18" charset="0"/>
+                          </a:rPr>
+                          <m:t>𝒇</m:t>
+                        </m:r>
+                        <m:r>
+                          <a:rPr lang="en-US" sz="1200" b="0" i="1" smtClean="0">
+                            <a:latin typeface="Cambria Math" panose="02040503050406030204" pitchFamily="18" charset="0"/>
+                          </a:rPr>
+                          <m:t>, </m:t>
+                        </m:r>
+                        <m:sSub>
+                          <m:sSubPr>
+                            <m:ctrlPr>
+                              <a:rPr lang="en-US" sz="1200" i="1">
+                                <a:latin typeface="Cambria Math" panose="02040503050406030204" pitchFamily="18" charset="0"/>
+                              </a:rPr>
+                            </m:ctrlPr>
+                          </m:sSubPr>
+                          <m:e>
+                            <m:r>
+                              <a:rPr lang="en-US" sz="1200" i="1">
+                                <a:latin typeface="Cambria Math" panose="02040503050406030204" pitchFamily="18" charset="0"/>
+                              </a:rPr>
+                              <m:t>𝑦</m:t>
+                            </m:r>
+                          </m:e>
+                          <m:sub>
+                            <m:r>
+                              <a:rPr lang="en-US" sz="1200" i="1">
+                                <a:latin typeface="Cambria Math" panose="02040503050406030204" pitchFamily="18" charset="0"/>
+                              </a:rPr>
+                              <m:t>𝑛</m:t>
+                            </m:r>
+                          </m:sub>
+                        </m:sSub>
+                        <m:r>
+                          <a:rPr lang="en-US" sz="1200" b="0" i="1" smtClean="0">
+                            <a:latin typeface="Cambria Math" panose="02040503050406030204" pitchFamily="18" charset="0"/>
+                          </a:rPr>
+                          <m:t>,</m:t>
+                        </m:r>
+                        <m:sSub>
+                          <m:sSubPr>
+                            <m:ctrlPr>
+                              <a:rPr lang="en-US" sz="1200" i="1">
+                                <a:latin typeface="Cambria Math" panose="02040503050406030204" pitchFamily="18" charset="0"/>
+                              </a:rPr>
+                            </m:ctrlPr>
+                          </m:sSubPr>
+                          <m:e>
+                            <m:r>
+                              <a:rPr lang="en-US" sz="1200" i="1">
+                                <a:latin typeface="Cambria Math" panose="02040503050406030204" pitchFamily="18" charset="0"/>
+                              </a:rPr>
+                              <m:t>𝑦</m:t>
+                            </m:r>
+                          </m:e>
+                          <m:sub>
+                            <m:r>
+                              <a:rPr lang="en-US" sz="1200" i="1">
+                                <a:latin typeface="Cambria Math" panose="02040503050406030204" pitchFamily="18" charset="0"/>
+                              </a:rPr>
+                              <m:t>𝑛</m:t>
+                            </m:r>
+                            <m:r>
+                              <a:rPr lang="en-US" sz="1200" b="0" i="1" smtClean="0">
+                                <a:latin typeface="Cambria Math" panose="02040503050406030204" pitchFamily="18" charset="0"/>
+                              </a:rPr>
+                              <m:t>+1</m:t>
+                            </m:r>
+                          </m:sub>
+                        </m:sSub>
+                        <m:r>
+                          <a:rPr lang="en-US" sz="1200" i="1">
+                            <a:latin typeface="Cambria Math" panose="02040503050406030204" pitchFamily="18" charset="0"/>
+                          </a:rPr>
+                          <m:t>,</m:t>
+                        </m:r>
+                        <m:r>
+                          <a:rPr lang="en-US" sz="1200" b="0" i="1" smtClean="0">
+                            <a:latin typeface="Cambria Math" panose="02040503050406030204" pitchFamily="18" charset="0"/>
+                          </a:rPr>
+                          <m:t>h</m:t>
+                        </m:r>
+                        <m:r>
+                          <a:rPr lang="en-US" sz="1200" b="0" i="1" smtClean="0">
+                            <a:latin typeface="Cambria Math" panose="02040503050406030204" pitchFamily="18" charset="0"/>
+                          </a:rPr>
+                          <m:t>)</m:t>
+                        </m:r>
+                      </m:oMath>
+                    </m:oMathPara>
+                  </a14:m>
+                  <a:endParaRPr lang="en-US" sz="1600" dirty="0"/>
+                </a:p>
+              </p:txBody>
+            </p:sp>
+          </mc:Choice>
+          <mc:Fallback>
+            <p:sp>
+              <p:nvSpPr>
+                <p:cNvPr id="86" name="TextBox 85"/>
+                <p:cNvSpPr txBox="1">
+                  <a:spLocks noRot="1" noChangeAspect="1" noMove="1" noResize="1" noEditPoints="1" noAdjustHandles="1" noChangeArrowheads="1" noChangeShapeType="1" noTextEdit="1"/>
+                </p:cNvSpPr>
+                <p:nvPr/>
+              </p:nvSpPr>
+              <p:spPr>
+                <a:xfrm>
+                  <a:off x="2253543" y="4787107"/>
+                  <a:ext cx="1593193" cy="184666"/>
+                </a:xfrm>
+                <a:prstGeom prst="rect">
+                  <a:avLst/>
+                </a:prstGeom>
+                <a:blipFill rotWithShape="0">
+                  <a:blip r:embed="rId3"/>
+                  <a:stretch>
+                    <a:fillRect l="-1916" t="-3226" r="-2682" b="-35484"/>
+                  </a:stretch>
+                </a:blipFill>
+              </p:spPr>
+              <p:txBody>
+                <a:bodyPr/>
+                <a:lstStyle/>
+                <a:p>
+                  <a:r>
+                    <a:rPr lang="en-US">
+                      <a:noFill/>
+                    </a:rPr>
+                    <a:t> </a:t>
+                  </a:r>
+                </a:p>
+              </p:txBody>
+            </p:sp>
+          </mc:Fallback>
+        </mc:AlternateContent>
+      </p:grpSp>
+      <p:grpSp>
+        <p:nvGrpSpPr>
+          <p:cNvPr id="113" name="Group 112"/>
+          <p:cNvGrpSpPr/>
+          <p:nvPr/>
+        </p:nvGrpSpPr>
+        <p:grpSpPr>
+          <a:xfrm>
+            <a:off x="4315973" y="4384715"/>
+            <a:ext cx="1938800" cy="587058"/>
+            <a:chOff x="4315973" y="4384715"/>
+            <a:chExt cx="1938800" cy="587058"/>
+          </a:xfrm>
+        </p:grpSpPr>
+        <p:sp>
+          <p:nvSpPr>
+            <p:cNvPr id="10" name="Rectangle 9"/>
+            <p:cNvSpPr/>
+            <p:nvPr/>
+          </p:nvSpPr>
+          <p:spPr>
+            <a:xfrm>
+              <a:off x="4591223" y="4384715"/>
+              <a:ext cx="1388300" cy="343595"/>
+            </a:xfrm>
+            <a:prstGeom prst="rect">
+              <a:avLst/>
+            </a:prstGeom>
+            <a:solidFill>
+              <a:schemeClr val="accent1">
+                <a:lumMod val="60000"/>
+                <a:lumOff val="40000"/>
+              </a:schemeClr>
+            </a:solidFill>
+          </p:spPr>
+          <p:style>
+            <a:lnRef idx="2">
+              <a:schemeClr val="dk1"/>
+            </a:lnRef>
+            <a:fillRef idx="1">
+              <a:schemeClr val="lt1"/>
+            </a:fillRef>
+            <a:effectRef idx="0">
+              <a:schemeClr val="dk1"/>
+            </a:effectRef>
+            <a:fontRef idx="minor">
+              <a:schemeClr val="dk1"/>
+            </a:fontRef>
+          </p:style>
+          <p:txBody>
+            <a:bodyPr rtlCol="0" anchor="ctr"/>
+            <a:lstStyle/>
+            <a:p>
+              <a:pPr algn="ctr"/>
+              <a:r>
+                <a:rPr lang="ru-RU" dirty="0" smtClean="0"/>
+                <a:t>-Башфорта</a:t>
+              </a:r>
+              <a:endParaRPr lang="en-US" dirty="0"/>
+            </a:p>
+          </p:txBody>
+        </p:sp>
+        <mc:AlternateContent xmlns:mc="http://schemas.openxmlformats.org/markup-compatibility/2006">
+          <mc:Choice xmlns:a14="http://schemas.microsoft.com/office/drawing/2010/main" Requires="a14">
+            <p:sp>
+              <p:nvSpPr>
+                <p:cNvPr id="92" name="TextBox 91"/>
+                <p:cNvSpPr txBox="1"/>
+                <p:nvPr/>
+              </p:nvSpPr>
+              <p:spPr>
+                <a:xfrm>
+                  <a:off x="4315973" y="4787107"/>
+                  <a:ext cx="1938800" cy="184666"/>
+                </a:xfrm>
+                <a:prstGeom prst="rect">
+                  <a:avLst/>
+                </a:prstGeom>
+                <a:solidFill>
+                  <a:schemeClr val="bg2"/>
+                </a:solidFill>
+              </p:spPr>
+              <p:txBody>
+                <a:bodyPr wrap="none" lIns="0" tIns="0" rIns="0" bIns="0" rtlCol="0">
+                  <a:spAutoFit/>
+                </a:bodyPr>
+                <a:lstStyle/>
+                <a:p>
+                  <a14:m>
+                    <m:oMathPara xmlns:m="http://schemas.openxmlformats.org/officeDocument/2006/math">
+                      <m:oMathParaPr>
+                        <m:jc m:val="centerGroup"/>
+                      </m:oMathParaPr>
+                      <m:oMath xmlns:m="http://schemas.openxmlformats.org/officeDocument/2006/math">
+                        <m:sSub>
+                          <m:sSubPr>
+                            <m:ctrlPr>
+                              <a:rPr lang="en-US" sz="1200" i="1" smtClean="0">
+                                <a:latin typeface="Cambria Math" panose="02040503050406030204" pitchFamily="18" charset="0"/>
+                              </a:rPr>
+                            </m:ctrlPr>
+                          </m:sSubPr>
+                          <m:e>
+                            <m:r>
+                              <a:rPr lang="en-US" sz="1200" b="0" i="1" smtClean="0">
+                                <a:latin typeface="Cambria Math" panose="02040503050406030204" pitchFamily="18" charset="0"/>
+                              </a:rPr>
+                              <m:t>𝑦</m:t>
+                            </m:r>
+                          </m:e>
+                          <m:sub>
+                            <m:r>
+                              <a:rPr lang="en-US" sz="1200" b="0" i="1" smtClean="0">
+                                <a:latin typeface="Cambria Math" panose="02040503050406030204" pitchFamily="18" charset="0"/>
+                              </a:rPr>
+                              <m:t>𝑛</m:t>
+                            </m:r>
+                            <m:r>
+                              <a:rPr lang="en-US" sz="1200" b="0" i="1" smtClean="0">
+                                <a:latin typeface="Cambria Math" panose="02040503050406030204" pitchFamily="18" charset="0"/>
+                              </a:rPr>
+                              <m:t>+1</m:t>
+                            </m:r>
+                          </m:sub>
+                        </m:sSub>
+                        <m:r>
+                          <a:rPr lang="en-US" sz="1200" i="1" smtClean="0">
+                            <a:latin typeface="Cambria Math" panose="02040503050406030204" pitchFamily="18" charset="0"/>
+                          </a:rPr>
+                          <m:t>=</m:t>
+                        </m:r>
+                        <m:r>
+                          <a:rPr lang="en-US" sz="1200" b="0" i="1" smtClean="0">
+                            <a:latin typeface="Cambria Math" panose="02040503050406030204" pitchFamily="18" charset="0"/>
+                          </a:rPr>
+                          <m:t>𝐹</m:t>
+                        </m:r>
+                        <m:r>
+                          <a:rPr lang="en-US" sz="1200" b="0" i="1" smtClean="0">
+                            <a:latin typeface="Cambria Math" panose="02040503050406030204" pitchFamily="18" charset="0"/>
+                          </a:rPr>
+                          <m:t>(</m:t>
+                        </m:r>
+                        <m:sSub>
+                          <m:sSubPr>
+                            <m:ctrlPr>
+                              <a:rPr lang="en-US" sz="1200" i="1">
+                                <a:latin typeface="Cambria Math" panose="02040503050406030204" pitchFamily="18" charset="0"/>
+                              </a:rPr>
+                            </m:ctrlPr>
+                          </m:sSubPr>
+                          <m:e>
+                            <m:r>
+                              <a:rPr lang="en-US" sz="1200" i="1">
+                                <a:latin typeface="Cambria Math" panose="02040503050406030204" pitchFamily="18" charset="0"/>
+                              </a:rPr>
+                              <m:t>𝑦</m:t>
+                            </m:r>
+                          </m:e>
+                          <m:sub>
+                            <m:r>
+                              <a:rPr lang="en-US" sz="1200" i="1">
+                                <a:latin typeface="Cambria Math" panose="02040503050406030204" pitchFamily="18" charset="0"/>
+                              </a:rPr>
+                              <m:t>𝑛</m:t>
+                            </m:r>
+                          </m:sub>
+                        </m:sSub>
+                        <m:r>
+                          <a:rPr lang="en-US" sz="1200" b="0" i="1" smtClean="0">
+                            <a:latin typeface="Cambria Math" panose="02040503050406030204" pitchFamily="18" charset="0"/>
+                          </a:rPr>
+                          <m:t>,</m:t>
+                        </m:r>
+                        <m:sSub>
+                          <m:sSubPr>
+                            <m:ctrlPr>
+                              <a:rPr lang="en-US" sz="1200" i="1">
+                                <a:latin typeface="Cambria Math" panose="02040503050406030204" pitchFamily="18" charset="0"/>
+                              </a:rPr>
+                            </m:ctrlPr>
+                          </m:sSubPr>
+                          <m:e>
+                            <m:r>
+                              <a:rPr lang="en-US" sz="1200" b="0" i="1" smtClean="0">
+                                <a:latin typeface="Cambria Math" panose="02040503050406030204" pitchFamily="18" charset="0"/>
+                              </a:rPr>
+                              <m:t>𝑓</m:t>
+                            </m:r>
+                          </m:e>
+                          <m:sub>
+                            <m:r>
+                              <a:rPr lang="en-US" sz="1200" i="1">
+                                <a:latin typeface="Cambria Math" panose="02040503050406030204" pitchFamily="18" charset="0"/>
+                              </a:rPr>
+                              <m:t>𝑛</m:t>
+                            </m:r>
+                          </m:sub>
+                        </m:sSub>
+                        <m:r>
+                          <a:rPr lang="en-US" sz="1200" b="0" i="1" smtClean="0">
+                            <a:latin typeface="Cambria Math" panose="02040503050406030204" pitchFamily="18" charset="0"/>
+                          </a:rPr>
+                          <m:t>,</m:t>
+                        </m:r>
+                        <m:sSub>
+                          <m:sSubPr>
+                            <m:ctrlPr>
+                              <a:rPr lang="en-US" sz="1200" i="1">
+                                <a:latin typeface="Cambria Math" panose="02040503050406030204" pitchFamily="18" charset="0"/>
+                              </a:rPr>
+                            </m:ctrlPr>
+                          </m:sSubPr>
+                          <m:e>
+                            <m:r>
+                              <a:rPr lang="en-US" sz="1200" b="0" i="1" smtClean="0">
+                                <a:latin typeface="Cambria Math" panose="02040503050406030204" pitchFamily="18" charset="0"/>
+                              </a:rPr>
+                              <m:t>…</m:t>
+                            </m:r>
+                            <m:r>
+                              <a:rPr lang="en-US" sz="1200" b="0" i="1" smtClean="0">
+                                <a:latin typeface="Cambria Math" panose="02040503050406030204" pitchFamily="18" charset="0"/>
+                              </a:rPr>
+                              <m:t>𝑓</m:t>
+                            </m:r>
+                          </m:e>
+                          <m:sub>
+                            <m:r>
+                              <a:rPr lang="en-US" sz="1200" i="1">
+                                <a:latin typeface="Cambria Math" panose="02040503050406030204" pitchFamily="18" charset="0"/>
+                              </a:rPr>
+                              <m:t>𝑛</m:t>
+                            </m:r>
+                            <m:r>
+                              <a:rPr lang="en-US" sz="1200" b="0" i="1" smtClean="0">
+                                <a:latin typeface="Cambria Math" panose="02040503050406030204" pitchFamily="18" charset="0"/>
+                              </a:rPr>
+                              <m:t>−</m:t>
+                            </m:r>
+                            <m:r>
+                              <a:rPr lang="en-US" sz="1200" b="0" i="1" smtClean="0">
+                                <a:latin typeface="Cambria Math" panose="02040503050406030204" pitchFamily="18" charset="0"/>
+                              </a:rPr>
+                              <m:t>𝑘</m:t>
+                            </m:r>
+                            <m:r>
+                              <a:rPr lang="en-US" sz="1200" b="0" i="1" smtClean="0">
+                                <a:latin typeface="Cambria Math" panose="02040503050406030204" pitchFamily="18" charset="0"/>
+                              </a:rPr>
+                              <m:t>+1</m:t>
+                            </m:r>
+                          </m:sub>
+                        </m:sSub>
+                        <m:r>
+                          <a:rPr lang="en-US" sz="1200" i="1">
+                            <a:latin typeface="Cambria Math" panose="02040503050406030204" pitchFamily="18" charset="0"/>
+                          </a:rPr>
+                          <m:t>,</m:t>
+                        </m:r>
+                        <m:r>
+                          <a:rPr lang="en-US" sz="1200" b="0" i="1" smtClean="0">
+                            <a:latin typeface="Cambria Math" panose="02040503050406030204" pitchFamily="18" charset="0"/>
+                          </a:rPr>
+                          <m:t>h</m:t>
+                        </m:r>
+                        <m:r>
+                          <a:rPr lang="en-US" sz="1200" b="0" i="1" smtClean="0">
+                            <a:latin typeface="Cambria Math" panose="02040503050406030204" pitchFamily="18" charset="0"/>
+                          </a:rPr>
+                          <m:t>)</m:t>
+                        </m:r>
+                      </m:oMath>
+                    </m:oMathPara>
+                  </a14:m>
+                  <a:endParaRPr lang="en-US" sz="1600" dirty="0"/>
+                </a:p>
+              </p:txBody>
+            </p:sp>
+          </mc:Choice>
+          <mc:Fallback>
+            <p:sp>
+              <p:nvSpPr>
+                <p:cNvPr id="92" name="TextBox 91"/>
+                <p:cNvSpPr txBox="1">
+                  <a:spLocks noRot="1" noChangeAspect="1" noMove="1" noResize="1" noEditPoints="1" noAdjustHandles="1" noChangeArrowheads="1" noChangeShapeType="1" noTextEdit="1"/>
+                </p:cNvSpPr>
+                <p:nvPr/>
+              </p:nvSpPr>
+              <p:spPr>
+                <a:xfrm>
+                  <a:off x="4315973" y="4787107"/>
+                  <a:ext cx="1938800" cy="184666"/>
+                </a:xfrm>
+                <a:prstGeom prst="rect">
+                  <a:avLst/>
+                </a:prstGeom>
+                <a:blipFill rotWithShape="0">
+                  <a:blip r:embed="rId4"/>
+                  <a:stretch>
+                    <a:fillRect l="-1572" t="-3226" r="-2201" b="-35484"/>
+                  </a:stretch>
+                </a:blipFill>
+              </p:spPr>
+              <p:txBody>
+                <a:bodyPr/>
+                <a:lstStyle/>
+                <a:p>
+                  <a:r>
+                    <a:rPr lang="en-US">
+                      <a:noFill/>
+                    </a:rPr>
+                    <a:t> </a:t>
+                  </a:r>
+                </a:p>
+              </p:txBody>
+            </p:sp>
+          </mc:Fallback>
+        </mc:AlternateContent>
+      </p:grpSp>
+      <p:grpSp>
+        <p:nvGrpSpPr>
+          <p:cNvPr id="114" name="Group 113"/>
+          <p:cNvGrpSpPr/>
+          <p:nvPr/>
+        </p:nvGrpSpPr>
+        <p:grpSpPr>
+          <a:xfrm>
+            <a:off x="6747757" y="4384715"/>
+            <a:ext cx="2092303" cy="587058"/>
+            <a:chOff x="6747757" y="4384715"/>
+            <a:chExt cx="2092303" cy="587058"/>
+          </a:xfrm>
+        </p:grpSpPr>
+        <p:sp>
+          <p:nvSpPr>
+            <p:cNvPr id="11" name="Rectangle 10"/>
+            <p:cNvSpPr/>
+            <p:nvPr/>
+          </p:nvSpPr>
+          <p:spPr>
+            <a:xfrm>
+              <a:off x="7099759" y="4384715"/>
+              <a:ext cx="1388300" cy="343595"/>
+            </a:xfrm>
+            <a:prstGeom prst="rect">
+              <a:avLst/>
+            </a:prstGeom>
+            <a:solidFill>
+              <a:schemeClr val="accent2">
+                <a:lumMod val="60000"/>
+                <a:lumOff val="40000"/>
+              </a:schemeClr>
+            </a:solidFill>
+          </p:spPr>
+          <p:style>
+            <a:lnRef idx="2">
+              <a:schemeClr val="dk1"/>
+            </a:lnRef>
+            <a:fillRef idx="1">
+              <a:schemeClr val="lt1"/>
+            </a:fillRef>
+            <a:effectRef idx="0">
+              <a:schemeClr val="dk1"/>
+            </a:effectRef>
+            <a:fontRef idx="minor">
+              <a:schemeClr val="dk1"/>
+            </a:fontRef>
+          </p:style>
+          <p:txBody>
+            <a:bodyPr rtlCol="0" anchor="ctr"/>
+            <a:lstStyle/>
+            <a:p>
+              <a:pPr algn="ctr"/>
+              <a:r>
+                <a:rPr lang="ru-RU" dirty="0" smtClean="0"/>
+                <a:t>-Мультона</a:t>
+              </a:r>
+              <a:endParaRPr lang="en-US" dirty="0"/>
+            </a:p>
+          </p:txBody>
+        </p:sp>
+        <mc:AlternateContent xmlns:mc="http://schemas.openxmlformats.org/markup-compatibility/2006">
+          <mc:Choice xmlns:a14="http://schemas.microsoft.com/office/drawing/2010/main" Requires="a14">
+            <p:sp>
+              <p:nvSpPr>
+                <p:cNvPr id="93" name="TextBox 92"/>
+                <p:cNvSpPr txBox="1"/>
+                <p:nvPr/>
+              </p:nvSpPr>
+              <p:spPr>
+                <a:xfrm>
+                  <a:off x="6747757" y="4787107"/>
+                  <a:ext cx="2092303" cy="184666"/>
+                </a:xfrm>
+                <a:prstGeom prst="rect">
+                  <a:avLst/>
+                </a:prstGeom>
+                <a:solidFill>
+                  <a:schemeClr val="bg2"/>
+                </a:solidFill>
+              </p:spPr>
+              <p:txBody>
+                <a:bodyPr wrap="none" lIns="0" tIns="0" rIns="0" bIns="0" rtlCol="0">
+                  <a:spAutoFit/>
+                </a:bodyPr>
+                <a:lstStyle/>
+                <a:p>
+                  <a14:m>
+                    <m:oMathPara xmlns:m="http://schemas.openxmlformats.org/officeDocument/2006/math">
+                      <m:oMathParaPr>
+                        <m:jc m:val="centerGroup"/>
+                      </m:oMathParaPr>
+                      <m:oMath xmlns:m="http://schemas.openxmlformats.org/officeDocument/2006/math">
+                        <m:sSub>
+                          <m:sSubPr>
+                            <m:ctrlPr>
+                              <a:rPr lang="en-US" sz="1200" i="1" smtClean="0">
+                                <a:latin typeface="Cambria Math" panose="02040503050406030204" pitchFamily="18" charset="0"/>
+                              </a:rPr>
+                            </m:ctrlPr>
+                          </m:sSubPr>
+                          <m:e>
+                            <m:r>
+                              <a:rPr lang="en-US" sz="1200" b="0" i="1" smtClean="0">
+                                <a:latin typeface="Cambria Math" panose="02040503050406030204" pitchFamily="18" charset="0"/>
+                              </a:rPr>
+                              <m:t>𝑦</m:t>
+                            </m:r>
+                          </m:e>
+                          <m:sub>
+                            <m:r>
+                              <a:rPr lang="en-US" sz="1200" b="0" i="1" smtClean="0">
+                                <a:latin typeface="Cambria Math" panose="02040503050406030204" pitchFamily="18" charset="0"/>
+                              </a:rPr>
+                              <m:t>𝑛</m:t>
+                            </m:r>
+                            <m:r>
+                              <a:rPr lang="en-US" sz="1200" b="0" i="1" smtClean="0">
+                                <a:latin typeface="Cambria Math" panose="02040503050406030204" pitchFamily="18" charset="0"/>
+                              </a:rPr>
+                              <m:t>+1</m:t>
+                            </m:r>
+                          </m:sub>
+                        </m:sSub>
+                        <m:r>
+                          <a:rPr lang="en-US" sz="1200" i="1" smtClean="0">
+                            <a:latin typeface="Cambria Math" panose="02040503050406030204" pitchFamily="18" charset="0"/>
+                          </a:rPr>
+                          <m:t>=</m:t>
+                        </m:r>
+                        <m:r>
+                          <a:rPr lang="en-US" sz="1200" b="0" i="1" smtClean="0">
+                            <a:latin typeface="Cambria Math" panose="02040503050406030204" pitchFamily="18" charset="0"/>
+                          </a:rPr>
+                          <m:t>𝐹</m:t>
+                        </m:r>
+                        <m:r>
+                          <a:rPr lang="en-US" sz="1200" b="0" i="1" smtClean="0">
+                            <a:latin typeface="Cambria Math" panose="02040503050406030204" pitchFamily="18" charset="0"/>
+                          </a:rPr>
+                          <m:t>(</m:t>
+                        </m:r>
+                        <m:sSub>
+                          <m:sSubPr>
+                            <m:ctrlPr>
+                              <a:rPr lang="en-US" sz="1200" i="1">
+                                <a:latin typeface="Cambria Math" panose="02040503050406030204" pitchFamily="18" charset="0"/>
+                              </a:rPr>
+                            </m:ctrlPr>
+                          </m:sSubPr>
+                          <m:e>
+                            <m:r>
+                              <a:rPr lang="en-US" sz="1200" i="1">
+                                <a:latin typeface="Cambria Math" panose="02040503050406030204" pitchFamily="18" charset="0"/>
+                              </a:rPr>
+                              <m:t>𝑦</m:t>
+                            </m:r>
+                          </m:e>
+                          <m:sub>
+                            <m:r>
+                              <a:rPr lang="en-US" sz="1200" i="1">
+                                <a:latin typeface="Cambria Math" panose="02040503050406030204" pitchFamily="18" charset="0"/>
+                              </a:rPr>
+                              <m:t>𝑛</m:t>
+                            </m:r>
+                          </m:sub>
+                        </m:sSub>
+                        <m:r>
+                          <a:rPr lang="en-US" sz="1200" b="0" i="1" smtClean="0">
+                            <a:latin typeface="Cambria Math" panose="02040503050406030204" pitchFamily="18" charset="0"/>
+                          </a:rPr>
+                          <m:t>,</m:t>
+                        </m:r>
+                        <m:sSub>
+                          <m:sSubPr>
+                            <m:ctrlPr>
+                              <a:rPr lang="en-US" sz="1200" i="1">
+                                <a:latin typeface="Cambria Math" panose="02040503050406030204" pitchFamily="18" charset="0"/>
+                              </a:rPr>
+                            </m:ctrlPr>
+                          </m:sSubPr>
+                          <m:e>
+                            <m:r>
+                              <a:rPr lang="en-US" sz="1200" b="0" i="1" smtClean="0">
+                                <a:latin typeface="Cambria Math" panose="02040503050406030204" pitchFamily="18" charset="0"/>
+                              </a:rPr>
+                              <m:t>𝑓</m:t>
+                            </m:r>
+                          </m:e>
+                          <m:sub>
+                            <m:r>
+                              <a:rPr lang="en-US" sz="1200" i="1">
+                                <a:latin typeface="Cambria Math" panose="02040503050406030204" pitchFamily="18" charset="0"/>
+                              </a:rPr>
+                              <m:t>𝑛</m:t>
+                            </m:r>
+                            <m:r>
+                              <a:rPr lang="en-US" sz="1200" b="0" i="1" smtClean="0">
+                                <a:latin typeface="Cambria Math" panose="02040503050406030204" pitchFamily="18" charset="0"/>
+                              </a:rPr>
+                              <m:t>+1</m:t>
+                            </m:r>
+                          </m:sub>
+                        </m:sSub>
+                        <m:r>
+                          <a:rPr lang="en-US" sz="1200" b="0" i="1" smtClean="0">
+                            <a:latin typeface="Cambria Math" panose="02040503050406030204" pitchFamily="18" charset="0"/>
+                          </a:rPr>
+                          <m:t>,</m:t>
+                        </m:r>
+                        <m:sSub>
+                          <m:sSubPr>
+                            <m:ctrlPr>
+                              <a:rPr lang="en-US" sz="1200" i="1">
+                                <a:latin typeface="Cambria Math" panose="02040503050406030204" pitchFamily="18" charset="0"/>
+                              </a:rPr>
+                            </m:ctrlPr>
+                          </m:sSubPr>
+                          <m:e>
+                            <m:r>
+                              <a:rPr lang="en-US" sz="1200" b="0" i="1" smtClean="0">
+                                <a:latin typeface="Cambria Math" panose="02040503050406030204" pitchFamily="18" charset="0"/>
+                              </a:rPr>
+                              <m:t>…</m:t>
+                            </m:r>
+                            <m:r>
+                              <a:rPr lang="en-US" sz="1200" b="0" i="1" smtClean="0">
+                                <a:latin typeface="Cambria Math" panose="02040503050406030204" pitchFamily="18" charset="0"/>
+                              </a:rPr>
+                              <m:t>𝑓</m:t>
+                            </m:r>
+                          </m:e>
+                          <m:sub>
+                            <m:r>
+                              <a:rPr lang="en-US" sz="1200" i="1">
+                                <a:latin typeface="Cambria Math" panose="02040503050406030204" pitchFamily="18" charset="0"/>
+                              </a:rPr>
+                              <m:t>𝑛</m:t>
+                            </m:r>
+                            <m:r>
+                              <a:rPr lang="en-US" sz="1200" b="0" i="1" smtClean="0">
+                                <a:latin typeface="Cambria Math" panose="02040503050406030204" pitchFamily="18" charset="0"/>
+                              </a:rPr>
+                              <m:t>−</m:t>
+                            </m:r>
+                            <m:r>
+                              <a:rPr lang="en-US" sz="1200" b="0" i="1" smtClean="0">
+                                <a:latin typeface="Cambria Math" panose="02040503050406030204" pitchFamily="18" charset="0"/>
+                              </a:rPr>
+                              <m:t>𝑘</m:t>
+                            </m:r>
+                            <m:r>
+                              <a:rPr lang="en-US" sz="1200" b="0" i="1" smtClean="0">
+                                <a:latin typeface="Cambria Math" panose="02040503050406030204" pitchFamily="18" charset="0"/>
+                              </a:rPr>
+                              <m:t>+1</m:t>
+                            </m:r>
+                          </m:sub>
+                        </m:sSub>
+                        <m:r>
+                          <a:rPr lang="en-US" sz="1200" i="1">
+                            <a:latin typeface="Cambria Math" panose="02040503050406030204" pitchFamily="18" charset="0"/>
+                          </a:rPr>
+                          <m:t>,</m:t>
+                        </m:r>
+                        <m:r>
+                          <a:rPr lang="en-US" sz="1200" b="0" i="1" smtClean="0">
+                            <a:latin typeface="Cambria Math" panose="02040503050406030204" pitchFamily="18" charset="0"/>
+                          </a:rPr>
+                          <m:t>h</m:t>
+                        </m:r>
+                        <m:r>
+                          <a:rPr lang="en-US" sz="1200" b="0" i="1" smtClean="0">
+                            <a:latin typeface="Cambria Math" panose="02040503050406030204" pitchFamily="18" charset="0"/>
+                          </a:rPr>
+                          <m:t>)</m:t>
+                        </m:r>
+                      </m:oMath>
+                    </m:oMathPara>
+                  </a14:m>
+                  <a:endParaRPr lang="en-US" sz="1600" dirty="0"/>
+                </a:p>
+              </p:txBody>
+            </p:sp>
+          </mc:Choice>
+          <mc:Fallback>
+            <p:sp>
+              <p:nvSpPr>
+                <p:cNvPr id="93" name="TextBox 92"/>
+                <p:cNvSpPr txBox="1">
+                  <a:spLocks noRot="1" noChangeAspect="1" noMove="1" noResize="1" noEditPoints="1" noAdjustHandles="1" noChangeArrowheads="1" noChangeShapeType="1" noTextEdit="1"/>
+                </p:cNvSpPr>
+                <p:nvPr/>
+              </p:nvSpPr>
+              <p:spPr>
+                <a:xfrm>
+                  <a:off x="6747757" y="4787107"/>
+                  <a:ext cx="2092303" cy="184666"/>
+                </a:xfrm>
+                <a:prstGeom prst="rect">
+                  <a:avLst/>
+                </a:prstGeom>
+                <a:blipFill rotWithShape="0">
+                  <a:blip r:embed="rId5"/>
+                  <a:stretch>
+                    <a:fillRect l="-1458" t="-3226" r="-2041" b="-35484"/>
+                  </a:stretch>
+                </a:blipFill>
+              </p:spPr>
+              <p:txBody>
+                <a:bodyPr/>
+                <a:lstStyle/>
+                <a:p>
+                  <a:r>
+                    <a:rPr lang="en-US">
+                      <a:noFill/>
+                    </a:rPr>
+                    <a:t> </a:t>
+                  </a:r>
+                </a:p>
+              </p:txBody>
+            </p:sp>
+          </mc:Fallback>
+        </mc:AlternateContent>
+      </p:grpSp>
+      <p:grpSp>
+        <p:nvGrpSpPr>
+          <p:cNvPr id="115" name="Group 114"/>
+          <p:cNvGrpSpPr/>
+          <p:nvPr/>
+        </p:nvGrpSpPr>
+        <p:grpSpPr>
+          <a:xfrm>
+            <a:off x="9294250" y="4384715"/>
+            <a:ext cx="2113271" cy="587058"/>
+            <a:chOff x="9294250" y="4384715"/>
+            <a:chExt cx="2113271" cy="587058"/>
+          </a:xfrm>
+        </p:grpSpPr>
+        <p:sp>
+          <p:nvSpPr>
+            <p:cNvPr id="12" name="Rectangle 11"/>
+            <p:cNvSpPr/>
+            <p:nvPr/>
+          </p:nvSpPr>
+          <p:spPr>
+            <a:xfrm>
+              <a:off x="9656736" y="4384715"/>
+              <a:ext cx="1388300" cy="343595"/>
+            </a:xfrm>
+            <a:prstGeom prst="rect">
+              <a:avLst/>
+            </a:prstGeom>
+            <a:solidFill>
+              <a:schemeClr val="accent2">
+                <a:lumMod val="60000"/>
+                <a:lumOff val="40000"/>
+              </a:schemeClr>
+            </a:solidFill>
+          </p:spPr>
+          <p:style>
+            <a:lnRef idx="2">
+              <a:schemeClr val="dk1"/>
+            </a:lnRef>
+            <a:fillRef idx="1">
+              <a:schemeClr val="lt1"/>
+            </a:fillRef>
+            <a:effectRef idx="0">
+              <a:schemeClr val="dk1"/>
+            </a:effectRef>
+            <a:fontRef idx="minor">
+              <a:schemeClr val="dk1"/>
+            </a:fontRef>
+          </p:style>
+          <p:txBody>
+            <a:bodyPr rtlCol="0" anchor="ctr"/>
+            <a:lstStyle/>
+            <a:p>
+              <a:pPr algn="ctr"/>
+              <a:r>
+                <a:rPr lang="en-US" dirty="0" smtClean="0"/>
+                <a:t>BDF</a:t>
+              </a:r>
+              <a:endParaRPr lang="en-US" dirty="0"/>
+            </a:p>
+          </p:txBody>
+        </p:sp>
+        <mc:AlternateContent xmlns:mc="http://schemas.openxmlformats.org/markup-compatibility/2006">
+          <mc:Choice xmlns:a14="http://schemas.microsoft.com/office/drawing/2010/main" Requires="a14">
+            <p:sp>
+              <p:nvSpPr>
+                <p:cNvPr id="94" name="TextBox 93"/>
+                <p:cNvSpPr txBox="1"/>
+                <p:nvPr/>
+              </p:nvSpPr>
+              <p:spPr>
+                <a:xfrm>
+                  <a:off x="9294250" y="4787107"/>
+                  <a:ext cx="2113271" cy="184666"/>
+                </a:xfrm>
+                <a:prstGeom prst="rect">
+                  <a:avLst/>
+                </a:prstGeom>
+                <a:solidFill>
+                  <a:schemeClr val="bg2"/>
+                </a:solidFill>
+              </p:spPr>
+              <p:txBody>
+                <a:bodyPr wrap="none" lIns="0" tIns="0" rIns="0" bIns="0" rtlCol="0">
+                  <a:spAutoFit/>
+                </a:bodyPr>
+                <a:lstStyle/>
+                <a:p>
+                  <a14:m>
+                    <m:oMathPara xmlns:m="http://schemas.openxmlformats.org/officeDocument/2006/math">
+                      <m:oMathParaPr>
+                        <m:jc m:val="centerGroup"/>
+                      </m:oMathParaPr>
+                      <m:oMath xmlns:m="http://schemas.openxmlformats.org/officeDocument/2006/math">
+                        <m:sSub>
+                          <m:sSubPr>
+                            <m:ctrlPr>
+                              <a:rPr lang="en-US" sz="1200" i="1" smtClean="0">
+                                <a:latin typeface="Cambria Math" panose="02040503050406030204" pitchFamily="18" charset="0"/>
+                              </a:rPr>
+                            </m:ctrlPr>
+                          </m:sSubPr>
+                          <m:e>
+                            <m:r>
+                              <a:rPr lang="en-US" sz="1200" b="0" i="1" smtClean="0">
+                                <a:latin typeface="Cambria Math" panose="02040503050406030204" pitchFamily="18" charset="0"/>
+                              </a:rPr>
+                              <m:t>𝑦</m:t>
+                            </m:r>
+                          </m:e>
+                          <m:sub>
+                            <m:r>
+                              <a:rPr lang="en-US" sz="1200" b="0" i="1" smtClean="0">
+                                <a:latin typeface="Cambria Math" panose="02040503050406030204" pitchFamily="18" charset="0"/>
+                              </a:rPr>
+                              <m:t>𝑛</m:t>
+                            </m:r>
+                            <m:r>
+                              <a:rPr lang="en-US" sz="1200" b="0" i="1" smtClean="0">
+                                <a:latin typeface="Cambria Math" panose="02040503050406030204" pitchFamily="18" charset="0"/>
+                              </a:rPr>
+                              <m:t>+1</m:t>
+                            </m:r>
+                          </m:sub>
+                        </m:sSub>
+                        <m:r>
+                          <a:rPr lang="en-US" sz="1200" i="1" smtClean="0">
+                            <a:latin typeface="Cambria Math" panose="02040503050406030204" pitchFamily="18" charset="0"/>
+                          </a:rPr>
+                          <m:t>=</m:t>
+                        </m:r>
+                        <m:r>
+                          <a:rPr lang="en-US" sz="1200" b="0" i="1" smtClean="0">
+                            <a:latin typeface="Cambria Math" panose="02040503050406030204" pitchFamily="18" charset="0"/>
+                          </a:rPr>
+                          <m:t>𝐹</m:t>
+                        </m:r>
+                        <m:r>
+                          <a:rPr lang="en-US" sz="1200" b="0" i="1" smtClean="0">
+                            <a:latin typeface="Cambria Math" panose="02040503050406030204" pitchFamily="18" charset="0"/>
+                          </a:rPr>
+                          <m:t>(</m:t>
+                        </m:r>
+                        <m:sSub>
+                          <m:sSubPr>
+                            <m:ctrlPr>
+                              <a:rPr lang="en-US" sz="1200" i="1">
+                                <a:latin typeface="Cambria Math" panose="02040503050406030204" pitchFamily="18" charset="0"/>
+                              </a:rPr>
+                            </m:ctrlPr>
+                          </m:sSubPr>
+                          <m:e>
+                            <m:r>
+                              <a:rPr lang="en-US" sz="1200" i="1">
+                                <a:latin typeface="Cambria Math" panose="02040503050406030204" pitchFamily="18" charset="0"/>
+                              </a:rPr>
+                              <m:t>𝑦</m:t>
+                            </m:r>
+                          </m:e>
+                          <m:sub>
+                            <m:r>
+                              <a:rPr lang="en-US" sz="1200" i="1">
+                                <a:latin typeface="Cambria Math" panose="02040503050406030204" pitchFamily="18" charset="0"/>
+                              </a:rPr>
+                              <m:t>𝑛</m:t>
+                            </m:r>
+                          </m:sub>
+                        </m:sSub>
+                        <m:r>
+                          <a:rPr lang="en-US" sz="1200" b="0" i="1" smtClean="0">
+                            <a:latin typeface="Cambria Math" panose="02040503050406030204" pitchFamily="18" charset="0"/>
+                          </a:rPr>
+                          <m:t>,</m:t>
+                        </m:r>
+                        <m:sSub>
+                          <m:sSubPr>
+                            <m:ctrlPr>
+                              <a:rPr lang="en-US" sz="1200" i="1">
+                                <a:latin typeface="Cambria Math" panose="02040503050406030204" pitchFamily="18" charset="0"/>
+                              </a:rPr>
+                            </m:ctrlPr>
+                          </m:sSubPr>
+                          <m:e>
+                            <m:r>
+                              <a:rPr lang="en-US" sz="1200" b="0" i="1" smtClean="0">
+                                <a:latin typeface="Cambria Math" panose="02040503050406030204" pitchFamily="18" charset="0"/>
+                              </a:rPr>
+                              <m:t>…</m:t>
+                            </m:r>
+                            <m:r>
+                              <a:rPr lang="en-US" sz="1200" b="0" i="1" smtClean="0">
+                                <a:latin typeface="Cambria Math" panose="02040503050406030204" pitchFamily="18" charset="0"/>
+                              </a:rPr>
+                              <m:t>𝑦</m:t>
+                            </m:r>
+                          </m:e>
+                          <m:sub>
+                            <m:r>
+                              <a:rPr lang="en-US" sz="1200" i="1">
+                                <a:latin typeface="Cambria Math" panose="02040503050406030204" pitchFamily="18" charset="0"/>
+                              </a:rPr>
+                              <m:t>𝑛</m:t>
+                            </m:r>
+                            <m:r>
+                              <a:rPr lang="en-US" sz="1200" b="0" i="1" smtClean="0">
+                                <a:latin typeface="Cambria Math" panose="02040503050406030204" pitchFamily="18" charset="0"/>
+                              </a:rPr>
+                              <m:t>−</m:t>
+                            </m:r>
+                            <m:r>
+                              <a:rPr lang="en-US" sz="1200" b="0" i="1" smtClean="0">
+                                <a:latin typeface="Cambria Math" panose="02040503050406030204" pitchFamily="18" charset="0"/>
+                              </a:rPr>
+                              <m:t>𝑘</m:t>
+                            </m:r>
+                            <m:r>
+                              <a:rPr lang="en-US" sz="1200" b="0" i="1" smtClean="0">
+                                <a:latin typeface="Cambria Math" panose="02040503050406030204" pitchFamily="18" charset="0"/>
+                              </a:rPr>
+                              <m:t>+1</m:t>
+                            </m:r>
+                          </m:sub>
+                        </m:sSub>
+                        <m:r>
+                          <a:rPr lang="en-US" sz="1200" i="1">
+                            <a:latin typeface="Cambria Math" panose="02040503050406030204" pitchFamily="18" charset="0"/>
+                          </a:rPr>
+                          <m:t>,</m:t>
+                        </m:r>
+                        <m:sSub>
+                          <m:sSubPr>
+                            <m:ctrlPr>
+                              <a:rPr lang="en-US" sz="1200" i="1">
+                                <a:latin typeface="Cambria Math" panose="02040503050406030204" pitchFamily="18" charset="0"/>
+                              </a:rPr>
+                            </m:ctrlPr>
+                          </m:sSubPr>
+                          <m:e>
+                            <m:r>
+                              <a:rPr lang="en-US" sz="1200" i="1">
+                                <a:latin typeface="Cambria Math" panose="02040503050406030204" pitchFamily="18" charset="0"/>
+                              </a:rPr>
+                              <m:t>𝑓</m:t>
+                            </m:r>
+                          </m:e>
+                          <m:sub>
+                            <m:r>
+                              <a:rPr lang="en-US" sz="1200" i="1">
+                                <a:latin typeface="Cambria Math" panose="02040503050406030204" pitchFamily="18" charset="0"/>
+                              </a:rPr>
+                              <m:t>𝑛</m:t>
+                            </m:r>
+                            <m:r>
+                              <a:rPr lang="en-US" sz="1200" i="1">
+                                <a:latin typeface="Cambria Math" panose="02040503050406030204" pitchFamily="18" charset="0"/>
+                              </a:rPr>
+                              <m:t>+1</m:t>
+                            </m:r>
+                          </m:sub>
+                        </m:sSub>
+                        <m:r>
+                          <a:rPr lang="en-US" sz="1200" b="0" i="1" smtClean="0">
+                            <a:latin typeface="Cambria Math" panose="02040503050406030204" pitchFamily="18" charset="0"/>
+                          </a:rPr>
+                          <m:t>, </m:t>
+                        </m:r>
+                        <m:r>
+                          <a:rPr lang="en-US" sz="1200" b="0" i="1" smtClean="0">
+                            <a:latin typeface="Cambria Math" panose="02040503050406030204" pitchFamily="18" charset="0"/>
+                          </a:rPr>
+                          <m:t>h</m:t>
+                        </m:r>
+                        <m:r>
+                          <a:rPr lang="en-US" sz="1200" b="0" i="1" smtClean="0">
+                            <a:latin typeface="Cambria Math" panose="02040503050406030204" pitchFamily="18" charset="0"/>
+                          </a:rPr>
+                          <m:t>)</m:t>
+                        </m:r>
+                      </m:oMath>
+                    </m:oMathPara>
+                  </a14:m>
+                  <a:endParaRPr lang="en-US" sz="1600" dirty="0"/>
+                </a:p>
+              </p:txBody>
+            </p:sp>
+          </mc:Choice>
+          <mc:Fallback>
+            <p:sp>
+              <p:nvSpPr>
+                <p:cNvPr id="94" name="TextBox 93"/>
+                <p:cNvSpPr txBox="1">
+                  <a:spLocks noRot="1" noChangeAspect="1" noMove="1" noResize="1" noEditPoints="1" noAdjustHandles="1" noChangeArrowheads="1" noChangeShapeType="1" noTextEdit="1"/>
+                </p:cNvSpPr>
+                <p:nvPr/>
+              </p:nvSpPr>
+              <p:spPr>
+                <a:xfrm>
+                  <a:off x="9294250" y="4787107"/>
+                  <a:ext cx="2113271" cy="184666"/>
+                </a:xfrm>
+                <a:prstGeom prst="rect">
+                  <a:avLst/>
+                </a:prstGeom>
+                <a:blipFill rotWithShape="0">
+                  <a:blip r:embed="rId6"/>
+                  <a:stretch>
+                    <a:fillRect l="-1156" t="-3226" r="-2312" b="-35484"/>
+                  </a:stretch>
+                </a:blipFill>
+              </p:spPr>
+              <p:txBody>
+                <a:bodyPr/>
+                <a:lstStyle/>
+                <a:p>
+                  <a:r>
+                    <a:rPr lang="en-US">
+                      <a:noFill/>
+                    </a:rPr>
+                    <a:t> </a:t>
+                  </a:r>
+                </a:p>
+              </p:txBody>
+            </p:sp>
+          </mc:Fallback>
+        </mc:AlternateContent>
+      </p:grpSp>
     </p:spTree>
     <p:extLst>
       <p:ext uri="{BB962C8B-B14F-4D97-AF65-F5344CB8AC3E}">
-        <p14:creationId xmlns:p14="http://schemas.microsoft.com/office/powerpoint/2010/main" val="110562284"/>
+        <p14:creationId xmlns:p14="http://schemas.microsoft.com/office/powerpoint/2010/main" val="1092196290"/>
       </p:ext>
     </p:extLst>
   </p:cSld>
@@ -3849,8 +5132,8 @@
           <a:lstStyle/>
           <a:p>
             <a:r>
-              <a:rPr lang="en-US" dirty="0" err="1" smtClean="0"/>
-              <a:t>SciPy</a:t>
+              <a:rPr lang="en-US" dirty="0" smtClean="0"/>
+              <a:t>MATLAB</a:t>
             </a:r>
             <a:endParaRPr lang="en-US" dirty="0"/>
           </a:p>
@@ -3886,16 +5169,14 @@
               <a:t>Источник:  </a:t>
             </a:r>
             <a:r>
-              <a:rPr lang="en-US" sz="2000" dirty="0">
-                <a:hlinkClick r:id="rId2"/>
-              </a:rPr>
-              <a:t>https://</a:t>
-            </a:r>
-            <a:r>
               <a:rPr lang="en-US" sz="2000" dirty="0" smtClean="0">
                 <a:hlinkClick r:id="rId2"/>
               </a:rPr>
-              <a:t>docs.scipy.org/doc/scipy/reference/generated/scipy.integrate.solve_ivp.html</a:t>
+              <a:t>https://www.mathworks.com/help/matlab/math/choose-an-ode-solver.html</a:t>
+            </a:r>
+            <a:r>
+              <a:rPr lang="ru-RU" sz="2000" dirty="0" smtClean="0"/>
+              <a:t> </a:t>
             </a:r>
             <a:endParaRPr lang="en-US" sz="2000" dirty="0" smtClean="0"/>
           </a:p>
@@ -3910,14 +5191,14 @@
           <p:nvPr>
             <p:extLst>
               <p:ext uri="{D42A27DB-BD31-4B8C-83A1-F6EECF244321}">
-                <p14:modId xmlns:p14="http://schemas.microsoft.com/office/powerpoint/2010/main" val="1246367493"/>
+                <p14:modId xmlns:p14="http://schemas.microsoft.com/office/powerpoint/2010/main" val="2843433514"/>
               </p:ext>
             </p:extLst>
           </p:nvPr>
         </p:nvGraphicFramePr>
         <p:xfrm>
           <a:off x="838200" y="1464541"/>
-          <a:ext cx="10002039" cy="3557775"/>
+          <a:ext cx="10002039" cy="3566160"/>
         </p:xfrm>
         <a:graphic>
           <a:graphicData uri="http://schemas.openxmlformats.org/drawingml/2006/table">
@@ -3931,7 +5212,7 @@
                 <a:gridCol w="1104583"/>
                 <a:gridCol w="3164485"/>
               </a:tblGrid>
-              <a:tr h="298585">
+              <a:tr h="250327">
                 <a:tc>
                   <a:txBody>
                     <a:bodyPr/>
@@ -3989,7 +5270,7 @@
                   <a:tcPr/>
                 </a:tc>
               </a:tr>
-              <a:tr h="515365">
+              <a:tr h="438073">
                 <a:tc>
                   <a:txBody>
                     <a:bodyPr/>
@@ -3998,6 +5279,51 @@
                       <a:pPr marL="0" indent="0">
                         <a:buNone/>
                       </a:pPr>
+                      <a:r>
+                        <a:rPr lang="en-US" sz="1800" dirty="0" smtClean="0"/>
+                        <a:t>ode45</a:t>
+                      </a:r>
+                    </a:p>
+                  </a:txBody>
+                  <a:tcPr/>
+                </a:tc>
+                <a:tc>
+                  <a:txBody>
+                    <a:bodyPr/>
+                    <a:lstStyle/>
+                    <a:p>
+                      <a:r>
+                        <a:rPr lang="ru-RU" dirty="0" smtClean="0"/>
+                        <a:t>Явный метод Рунге-Кутты</a:t>
+                      </a:r>
+                      <a:r>
+                        <a:rPr lang="ru-RU" baseline="0" dirty="0" smtClean="0"/>
+                        <a:t> (Дорманда-Принса)</a:t>
+                      </a:r>
+                      <a:endParaRPr lang="en-US" dirty="0"/>
+                    </a:p>
+                  </a:txBody>
+                  <a:tcPr/>
+                </a:tc>
+                <a:tc>
+                  <a:txBody>
+                    <a:bodyPr/>
+                    <a:lstStyle/>
+                    <a:p>
+                      <a:r>
+                        <a:rPr lang="en-US" baseline="0" dirty="0" smtClean="0"/>
+                        <a:t>5(4)</a:t>
+                      </a:r>
+                      <a:endParaRPr lang="en-US" dirty="0"/>
+                    </a:p>
+                  </a:txBody>
+                  <a:tcPr/>
+                </a:tc>
+                <a:tc>
+                  <a:txBody>
+                    <a:bodyPr/>
+                    <a:lstStyle/>
+                    <a:p>
                       <a:r>
                         <a:rPr lang="en-US" sz="1800" b="0" i="0" kern="1200" dirty="0" smtClean="0">
                           <a:solidFill>
@@ -4008,61 +5334,7 @@
                           <a:ea typeface="+mn-ea"/>
                           <a:cs typeface="+mn-cs"/>
                         </a:rPr>
-                        <a:t>RK45</a:t>
-                      </a:r>
-                      <a:endParaRPr lang="en-US" sz="1800" dirty="0" smtClean="0"/>
-                    </a:p>
-                  </a:txBody>
-                  <a:tcPr/>
-                </a:tc>
-                <a:tc>
-                  <a:txBody>
-                    <a:bodyPr/>
-                    <a:lstStyle/>
-                    <a:p>
-                      <a:r>
-                        <a:rPr lang="ru-RU" dirty="0" smtClean="0"/>
-                        <a:t>Явный метод Рунге-Кутты</a:t>
-                      </a:r>
-                      <a:r>
-                        <a:rPr lang="ru-RU" baseline="0" dirty="0" smtClean="0"/>
-                        <a:t> (Дорманда-Принса)</a:t>
-                      </a:r>
-                      <a:endParaRPr lang="en-US" dirty="0"/>
-                    </a:p>
-                  </a:txBody>
-                  <a:tcPr/>
-                </a:tc>
-                <a:tc>
-                  <a:txBody>
-                    <a:bodyPr/>
-                    <a:lstStyle/>
-                    <a:p>
-                      <a:r>
-                        <a:rPr lang="en-US" baseline="0" dirty="0" smtClean="0"/>
-                        <a:t>5(4)</a:t>
-                      </a:r>
-                      <a:endParaRPr lang="en-US" dirty="0"/>
-                    </a:p>
-                  </a:txBody>
-                  <a:tcPr/>
-                </a:tc>
-                <a:tc>
-                  <a:txBody>
-                    <a:bodyPr/>
-                    <a:lstStyle/>
-                    <a:p>
-                      <a:r>
-                        <a:rPr lang="en-US" sz="1800" b="0" i="0" kern="1200" dirty="0" smtClean="0">
-                          <a:solidFill>
-                            <a:schemeClr val="dk1"/>
-                          </a:solidFill>
-                          <a:effectLst/>
-                          <a:latin typeface="+mn-lt"/>
-                          <a:ea typeface="+mn-ea"/>
-                          <a:cs typeface="+mn-cs"/>
-                        </a:rPr>
-                        <a:t>“If not sure, first try to run ‘RK45’”</a:t>
+                        <a:t>“… the first solver you should try for most problems”</a:t>
                       </a:r>
                       <a:endParaRPr lang="en-US" dirty="0"/>
                     </a:p>
@@ -4070,7 +5342,7 @@
                   <a:tcPr/>
                 </a:tc>
               </a:tr>
-              <a:tr h="515365">
+              <a:tr h="352718">
                 <a:tc>
                   <a:txBody>
                     <a:bodyPr/>
@@ -4080,18 +5352,9 @@
                         <a:buNone/>
                       </a:pPr>
                       <a:r>
-                        <a:rPr lang="en-US" sz="1800" b="0" i="0" kern="1200" dirty="0" smtClean="0">
-                          <a:solidFill>
-                            <a:schemeClr val="dk1"/>
-                          </a:solidFill>
-                          <a:effectLst/>
-                          <a:latin typeface="+mn-lt"/>
-                          <a:ea typeface="+mn-ea"/>
-                          <a:cs typeface="+mn-cs"/>
-                        </a:rPr>
-                        <a:t>RK23</a:t>
-                      </a:r>
-                      <a:endParaRPr lang="en-US" sz="1800" dirty="0" smtClean="0"/>
+                        <a:rPr lang="en-US" sz="1800" dirty="0" smtClean="0"/>
+                        <a:t>ode23</a:t>
+                      </a:r>
                     </a:p>
                   </a:txBody>
                   <a:tcPr/>
@@ -4123,6 +5386,10 @@
                         <a:rPr lang="en-US" baseline="0" dirty="0" smtClean="0"/>
                         <a:t>3(2)</a:t>
                       </a:r>
+                      <a:r>
+                        <a:rPr lang="ru-RU" baseline="0" dirty="0" smtClean="0"/>
+                        <a:t> </a:t>
+                      </a:r>
                       <a:endParaRPr lang="en-US" dirty="0"/>
                     </a:p>
                   </a:txBody>
@@ -4139,7 +5406,7 @@
                   <a:tcPr/>
                 </a:tc>
               </a:tr>
-              <a:tr h="515365">
+              <a:tr h="352718">
                 <a:tc>
                   <a:txBody>
                     <a:bodyPr/>
@@ -4149,18 +5416,9 @@
                         <a:buNone/>
                       </a:pPr>
                       <a:r>
-                        <a:rPr lang="en-US" sz="1800" b="0" i="0" kern="1200" dirty="0" smtClean="0">
-                          <a:solidFill>
-                            <a:schemeClr val="dk1"/>
-                          </a:solidFill>
-                          <a:effectLst/>
-                          <a:latin typeface="+mn-lt"/>
-                          <a:ea typeface="+mn-ea"/>
-                          <a:cs typeface="+mn-cs"/>
-                        </a:rPr>
-                        <a:t>DOP853</a:t>
-                      </a:r>
-                      <a:endParaRPr lang="en-US" sz="1800" dirty="0" smtClean="0"/>
+                        <a:rPr lang="en-US" sz="1800" dirty="0" smtClean="0"/>
+                        <a:t>ode113</a:t>
+                      </a:r>
                     </a:p>
                   </a:txBody>
                   <a:tcPr/>
@@ -4189,53 +5447,14 @@
                       </a:pPr>
                       <a:r>
                         <a:rPr lang="ru-RU" dirty="0" smtClean="0"/>
-                        <a:t>Явный метод Рунге-Кутты</a:t>
+                        <a:t>Метод</a:t>
                       </a:r>
                       <a:r>
                         <a:rPr lang="ru-RU" baseline="0" dirty="0" smtClean="0"/>
-                        <a:t> (Дорманда-Принса)</a:t>
-                      </a:r>
-                      <a:endParaRPr lang="en-US" dirty="0" smtClean="0"/>
-                    </a:p>
-                  </a:txBody>
-                  <a:tcPr/>
-                </a:tc>
-                <a:tc>
-                  <a:txBody>
-                    <a:bodyPr/>
-                    <a:lstStyle/>
-                    <a:p>
-                      <a:r>
-                        <a:rPr lang="ru-RU" dirty="0" smtClean="0"/>
-                        <a:t>8(5,3)</a:t>
-                      </a:r>
-                      <a:endParaRPr lang="en-US" dirty="0"/>
-                    </a:p>
-                  </a:txBody>
-                  <a:tcPr/>
-                </a:tc>
-                <a:tc>
-                  <a:txBody>
-                    <a:bodyPr/>
-                    <a:lstStyle/>
-                    <a:p>
-                      <a:endParaRPr lang="en-US" dirty="0"/>
-                    </a:p>
-                  </a:txBody>
-                  <a:tcPr/>
-                </a:tc>
-              </a:tr>
-              <a:tr h="515365">
-                <a:tc>
-                  <a:txBody>
-                    <a:bodyPr/>
-                    <a:lstStyle/>
-                    <a:p>
-                      <a:pPr marL="0" indent="0">
-                        <a:buNone/>
-                      </a:pPr>
-                      <a:r>
-                        <a:rPr lang="en-US" sz="1800" b="0" i="0" kern="1200" dirty="0" err="1" smtClean="0">
+                        <a:t>ы Адамса(-</a:t>
+                      </a:r>
+                      <a:r>
+                        <a:rPr lang="ru-RU" sz="1800" b="0" i="0" kern="1200" dirty="0" smtClean="0">
                           <a:solidFill>
                             <a:schemeClr val="dk1"/>
                           </a:solidFill>
@@ -4244,9 +5463,13 @@
                           <a:ea typeface="+mn-ea"/>
                           <a:cs typeface="+mn-cs"/>
                         </a:rPr>
-                        <a:t>Radau</a:t>
-                      </a:r>
-                      <a:endParaRPr lang="en-US" sz="1800" dirty="0" smtClean="0"/>
+                        <a:t>Башфорта-Мультона</a:t>
+                      </a:r>
+                      <a:r>
+                        <a:rPr lang="ru-RU" baseline="0" dirty="0" smtClean="0"/>
+                        <a:t>)</a:t>
+                      </a:r>
+                      <a:endParaRPr lang="en-US" dirty="0"/>
                     </a:p>
                   </a:txBody>
                   <a:tcPr/>
@@ -4274,65 +5497,34 @@
                         <a:defRPr/>
                       </a:pPr>
                       <a:r>
+                        <a:rPr lang="ru-RU" baseline="0" dirty="0" smtClean="0"/>
+                        <a:t>1-12(13)</a:t>
+                      </a:r>
+                      <a:endParaRPr lang="en-US" dirty="0"/>
+                    </a:p>
+                  </a:txBody>
+                  <a:tcPr/>
+                </a:tc>
+                <a:tc>
+                  <a:txBody>
+                    <a:bodyPr/>
+                    <a:lstStyle/>
+                    <a:p>
+                      <a:r>
                         <a:rPr lang="ru-RU" dirty="0" smtClean="0"/>
-                        <a:t>Неявный метод Рунге-Кутты (Радо </a:t>
-                      </a:r>
-                      <a:r>
-                        <a:rPr lang="en-US" dirty="0" smtClean="0"/>
-                        <a:t>IIA</a:t>
-                      </a:r>
-                      <a:r>
-                        <a:rPr lang="ru-RU" dirty="0" smtClean="0"/>
-                        <a:t>)</a:t>
-                      </a:r>
-                      <a:endParaRPr lang="en-US" dirty="0"/>
-                    </a:p>
-                  </a:txBody>
-                  <a:tcPr/>
-                </a:tc>
-                <a:tc>
-                  <a:txBody>
-                    <a:bodyPr/>
-                    <a:lstStyle/>
-                    <a:p>
-                      <a:pPr marL="0" marR="0" lvl="0" indent="0" algn="l" defTabSz="914400" rtl="0" eaLnBrk="1" fontAlgn="auto" latinLnBrk="0" hangingPunct="1">
-                        <a:lnSpc>
-                          <a:spcPct val="100000"/>
-                        </a:lnSpc>
-                        <a:spcBef>
-                          <a:spcPts val="0"/>
-                        </a:spcBef>
-                        <a:spcAft>
-                          <a:spcPts val="0"/>
-                        </a:spcAft>
-                        <a:buClrTx/>
-                        <a:buSzTx/>
-                        <a:buFontTx/>
-                        <a:buNone/>
-                        <a:tabLst/>
-                        <a:defRPr/>
-                      </a:pPr>
-                      <a:r>
-                        <a:rPr lang="en-US" baseline="0" dirty="0" smtClean="0"/>
-                        <a:t>5(3)</a:t>
-                      </a:r>
-                      <a:endParaRPr lang="en-US" dirty="0"/>
-                    </a:p>
-                  </a:txBody>
-                  <a:tcPr/>
-                </a:tc>
-                <a:tc>
-                  <a:txBody>
-                    <a:bodyPr/>
-                    <a:lstStyle/>
-                    <a:p>
+                        <a:t>Переменный</a:t>
+                      </a:r>
+                      <a:r>
+                        <a:rPr lang="ru-RU" baseline="0" dirty="0" smtClean="0"/>
+                        <a:t> порядок</a:t>
+                      </a:r>
                       <a:endParaRPr lang="en-US" dirty="0"/>
                     </a:p>
                   </a:txBody>
                   <a:tcPr/>
                 </a:tc>
               </a:tr>
-              <a:tr h="298585">
+              <a:tr h="250327">
                 <a:tc>
                   <a:txBody>
                     <a:bodyPr/>
@@ -4341,6 +5533,212 @@
                       <a:pPr marL="0" indent="0">
                         <a:buNone/>
                       </a:pPr>
+                      <a:r>
+                        <a:rPr lang="en-US" sz="1800" dirty="0" smtClean="0"/>
+                        <a:t>ode15s</a:t>
+                      </a:r>
+                    </a:p>
+                  </a:txBody>
+                  <a:tcPr/>
+                </a:tc>
+                <a:tc>
+                  <a:txBody>
+                    <a:bodyPr/>
+                    <a:lstStyle/>
+                    <a:p>
+                      <a:r>
+                        <a:rPr lang="ru-RU" dirty="0" smtClean="0"/>
+                        <a:t>Формулы дифференцирования назад (</a:t>
+                      </a:r>
+                      <a:r>
+                        <a:rPr lang="en-US" dirty="0" smtClean="0"/>
+                        <a:t>BDF</a:t>
+                      </a:r>
+                      <a:r>
+                        <a:rPr lang="ru-RU" dirty="0" smtClean="0"/>
+                        <a:t>)</a:t>
+                      </a:r>
+                      <a:endParaRPr lang="en-US" dirty="0"/>
+                    </a:p>
+                  </a:txBody>
+                  <a:tcPr/>
+                </a:tc>
+                <a:tc>
+                  <a:txBody>
+                    <a:bodyPr/>
+                    <a:lstStyle/>
+                    <a:p>
+                      <a:r>
+                        <a:rPr lang="ru-RU" dirty="0" smtClean="0"/>
+                        <a:t>1-5</a:t>
+                      </a:r>
+                      <a:endParaRPr lang="en-US" dirty="0"/>
+                    </a:p>
+                  </a:txBody>
+                  <a:tcPr/>
+                </a:tc>
+                <a:tc>
+                  <a:txBody>
+                    <a:bodyPr/>
+                    <a:lstStyle/>
+                    <a:p>
+                      <a:endParaRPr lang="en-US" dirty="0"/>
+                    </a:p>
+                  </a:txBody>
+                  <a:tcPr/>
+                </a:tc>
+              </a:tr>
+              <a:tr h="250327">
+                <a:tc>
+                  <a:txBody>
+                    <a:bodyPr/>
+                    <a:lstStyle/>
+                    <a:p>
+                      <a:pPr marL="0" indent="0">
+                        <a:buNone/>
+                      </a:pPr>
+                      <a:r>
+                        <a:rPr lang="en-US" sz="1800" dirty="0" smtClean="0"/>
+                        <a:t>ode23s</a:t>
+                      </a:r>
+                      <a:endParaRPr lang="en-US" dirty="0"/>
+                    </a:p>
+                  </a:txBody>
+                  <a:tcPr/>
+                </a:tc>
+                <a:tc>
+                  <a:txBody>
+                    <a:bodyPr/>
+                    <a:lstStyle/>
+                    <a:p>
+                      <a:r>
+                        <a:rPr lang="ru-RU" dirty="0" smtClean="0"/>
+                        <a:t>Метод</a:t>
+                      </a:r>
+                      <a:r>
+                        <a:rPr lang="ru-RU" baseline="0" dirty="0" smtClean="0"/>
+                        <a:t> Розенброка</a:t>
+                      </a:r>
+                      <a:endParaRPr lang="en-US" dirty="0"/>
+                    </a:p>
+                  </a:txBody>
+                  <a:tcPr/>
+                </a:tc>
+                <a:tc>
+                  <a:txBody>
+                    <a:bodyPr/>
+                    <a:lstStyle/>
+                    <a:p>
+                      <a:r>
+                        <a:rPr lang="ru-RU" dirty="0" smtClean="0"/>
+                        <a:t>2(3)</a:t>
+                      </a:r>
+                      <a:endParaRPr lang="en-US" dirty="0"/>
+                    </a:p>
+                  </a:txBody>
+                  <a:tcPr/>
+                </a:tc>
+                <a:tc>
+                  <a:txBody>
+                    <a:bodyPr/>
+                    <a:lstStyle/>
+                    <a:p>
+                      <a:r>
+                        <a:rPr lang="ru-RU" dirty="0" smtClean="0"/>
+                        <a:t>Как неявный,</a:t>
+                      </a:r>
+                      <a:r>
+                        <a:rPr lang="ru-RU" baseline="0" dirty="0" smtClean="0"/>
+                        <a:t> только явный</a:t>
+                      </a:r>
+                      <a:endParaRPr lang="en-US" dirty="0"/>
+                    </a:p>
+                  </a:txBody>
+                  <a:tcPr/>
+                </a:tc>
+              </a:tr>
+              <a:tr h="352718">
+                <a:tc>
+                  <a:txBody>
+                    <a:bodyPr/>
+                    <a:lstStyle/>
+                    <a:p>
+                      <a:pPr marL="0" indent="0">
+                        <a:buNone/>
+                      </a:pPr>
+                      <a:r>
+                        <a:rPr lang="en-US" sz="1800" dirty="0" smtClean="0"/>
+                        <a:t>ode23t</a:t>
+                      </a:r>
+                    </a:p>
+                  </a:txBody>
+                  <a:tcPr/>
+                </a:tc>
+                <a:tc>
+                  <a:txBody>
+                    <a:bodyPr/>
+                    <a:lstStyle/>
+                    <a:p>
+                      <a:r>
+                        <a:rPr lang="ru-RU" dirty="0" smtClean="0"/>
+                        <a:t>Неявный метод Рунге-Кутты</a:t>
+                      </a:r>
+                      <a:r>
+                        <a:rPr lang="ru-RU" baseline="0" dirty="0" smtClean="0"/>
+                        <a:t> (метод трапеций)</a:t>
+                      </a:r>
+                      <a:endParaRPr lang="en-US" dirty="0"/>
+                    </a:p>
+                  </a:txBody>
+                  <a:tcPr/>
+                </a:tc>
+                <a:tc>
+                  <a:txBody>
+                    <a:bodyPr/>
+                    <a:lstStyle/>
+                    <a:p>
+                      <a:r>
+                        <a:rPr lang="ru-RU" dirty="0" smtClean="0"/>
+                        <a:t>2(3)</a:t>
+                      </a:r>
+                      <a:endParaRPr lang="en-US" dirty="0"/>
+                    </a:p>
+                  </a:txBody>
+                  <a:tcPr/>
+                </a:tc>
+                <a:tc>
+                  <a:txBody>
+                    <a:bodyPr/>
+                    <a:lstStyle/>
+                    <a:p>
+                      <a:endParaRPr lang="en-US"/>
+                    </a:p>
+                  </a:txBody>
+                  <a:tcPr/>
+                </a:tc>
+              </a:tr>
+              <a:tr h="250327">
+                <a:tc>
+                  <a:txBody>
+                    <a:bodyPr/>
+                    <a:lstStyle/>
+                    <a:p>
+                      <a:pPr marL="0" indent="0">
+                        <a:buNone/>
+                      </a:pPr>
+                      <a:r>
+                        <a:rPr lang="en-US" sz="1800" dirty="0" smtClean="0"/>
+                        <a:t>ode23tb</a:t>
+                      </a:r>
+                    </a:p>
+                  </a:txBody>
+                  <a:tcPr/>
+                </a:tc>
+                <a:tc>
+                  <a:txBody>
+                    <a:bodyPr/>
+                    <a:lstStyle/>
+                    <a:p>
                       <a:r>
                         <a:rPr lang="en-US" sz="1800" b="0" i="0" kern="1200" dirty="0" smtClean="0">
                           <a:solidFill>
@@ -4351,96 +5749,10 @@
                           <a:ea typeface="+mn-ea"/>
                           <a:cs typeface="+mn-cs"/>
                         </a:rPr>
-                        <a:t>BDF</a:t>
-                      </a:r>
-                      <a:endParaRPr lang="en-US" sz="1800" dirty="0" smtClean="0"/>
-                    </a:p>
-                  </a:txBody>
-                  <a:tcPr/>
-                </a:tc>
-                <a:tc>
-                  <a:txBody>
-                    <a:bodyPr/>
-                    <a:lstStyle/>
-                    <a:p>
-                      <a:r>
-                        <a:rPr lang="ru-RU" dirty="0" smtClean="0"/>
-                        <a:t>Формулы дифференцирования назад (</a:t>
-                      </a:r>
-                      <a:r>
-                        <a:rPr lang="en-US" dirty="0" smtClean="0"/>
-                        <a:t>BDF</a:t>
-                      </a:r>
-                      <a:r>
-                        <a:rPr lang="ru-RU" dirty="0" smtClean="0"/>
-                        <a:t>)</a:t>
-                      </a:r>
-                      <a:endParaRPr lang="en-US" dirty="0"/>
-                    </a:p>
-                  </a:txBody>
-                  <a:tcPr/>
-                </a:tc>
-                <a:tc>
-                  <a:txBody>
-                    <a:bodyPr/>
-                    <a:lstStyle/>
-                    <a:p>
-                      <a:r>
-                        <a:rPr lang="ru-RU" dirty="0" smtClean="0"/>
-                        <a:t>1-5</a:t>
-                      </a:r>
-                      <a:endParaRPr lang="en-US" dirty="0"/>
-                    </a:p>
-                  </a:txBody>
-                  <a:tcPr/>
-                </a:tc>
-                <a:tc>
-                  <a:txBody>
-                    <a:bodyPr/>
-                    <a:lstStyle/>
-                    <a:p>
-                      <a:pPr marL="0" marR="0" lvl="0" indent="0" algn="l" defTabSz="914400" rtl="0" eaLnBrk="1" fontAlgn="auto" latinLnBrk="0" hangingPunct="1">
-                        <a:lnSpc>
-                          <a:spcPct val="100000"/>
-                        </a:lnSpc>
-                        <a:spcBef>
-                          <a:spcPts val="0"/>
-                        </a:spcBef>
-                        <a:spcAft>
-                          <a:spcPts val="0"/>
-                        </a:spcAft>
-                        <a:buClrTx/>
-                        <a:buSzTx/>
-                        <a:buFontTx/>
-                        <a:buNone/>
-                        <a:tabLst/>
-                        <a:defRPr/>
-                      </a:pPr>
-                      <a:r>
-                        <a:rPr lang="ru-RU" dirty="0" smtClean="0"/>
-                        <a:t>Переменный</a:t>
-                      </a:r>
-                      <a:r>
-                        <a:rPr lang="ru-RU" baseline="0" dirty="0" smtClean="0"/>
-                        <a:t> порядок</a:t>
-                      </a:r>
-                      <a:endParaRPr lang="en-US" dirty="0" smtClean="0"/>
-                    </a:p>
-                  </a:txBody>
-                  <a:tcPr/>
-                </a:tc>
-              </a:tr>
-              <a:tr h="298585">
-                <a:tc>
-                  <a:txBody>
-                    <a:bodyPr/>
-                    <a:lstStyle/>
-                    <a:p>
-                      <a:pPr marL="0" indent="0">
-                        <a:buNone/>
-                      </a:pPr>
-                      <a:r>
-                        <a:rPr lang="en-US" sz="1800" b="0" i="0" kern="1200" dirty="0" smtClean="0">
+                        <a:t>TR-BDF2</a:t>
+                      </a:r>
+                      <a:r>
+                        <a:rPr lang="ru-RU" sz="1800" b="0" i="0" kern="1200" dirty="0" smtClean="0">
                           <a:solidFill>
                             <a:schemeClr val="dk1"/>
                           </a:solidFill>
@@ -4449,29 +5761,103 @@
                           <a:ea typeface="+mn-ea"/>
                           <a:cs typeface="+mn-cs"/>
                         </a:rPr>
-                        <a:t>LSODA</a:t>
-                      </a:r>
-                      <a:endParaRPr lang="en-US" dirty="0"/>
-                    </a:p>
-                  </a:txBody>
-                  <a:tcPr/>
-                </a:tc>
-                <a:tc>
-                  <a:txBody>
-                    <a:bodyPr/>
-                    <a:lstStyle/>
-                    <a:p>
+                        <a:t> (метод</a:t>
+                      </a:r>
+                      <a:r>
+                        <a:rPr lang="ru-RU" sz="1800" b="0" i="0" kern="1200" baseline="0" dirty="0" smtClean="0">
+                          <a:solidFill>
+                            <a:schemeClr val="dk1"/>
+                          </a:solidFill>
+                          <a:effectLst/>
+                          <a:latin typeface="+mn-lt"/>
+                          <a:ea typeface="+mn-ea"/>
+                          <a:cs typeface="+mn-cs"/>
+                        </a:rPr>
+                        <a:t> трапеций + </a:t>
+                      </a:r>
+                      <a:r>
+                        <a:rPr lang="en-US" sz="1800" b="0" i="0" kern="1200" baseline="0" dirty="0" smtClean="0">
+                          <a:solidFill>
+                            <a:schemeClr val="dk1"/>
+                          </a:solidFill>
+                          <a:effectLst/>
+                          <a:latin typeface="+mn-lt"/>
+                          <a:ea typeface="+mn-ea"/>
+                          <a:cs typeface="+mn-cs"/>
+                        </a:rPr>
+                        <a:t>BDF</a:t>
+                      </a:r>
+                      <a:r>
+                        <a:rPr lang="ru-RU" sz="1800" b="0" i="0" kern="1200" dirty="0" smtClean="0">
+                          <a:solidFill>
+                            <a:schemeClr val="dk1"/>
+                          </a:solidFill>
+                          <a:effectLst/>
+                          <a:latin typeface="+mn-lt"/>
+                          <a:ea typeface="+mn-ea"/>
+                          <a:cs typeface="+mn-cs"/>
+                        </a:rPr>
+                        <a:t>)</a:t>
+                      </a:r>
+                      <a:endParaRPr lang="en-US" dirty="0"/>
+                    </a:p>
+                  </a:txBody>
+                  <a:tcPr/>
+                </a:tc>
+                <a:tc>
+                  <a:txBody>
+                    <a:bodyPr/>
+                    <a:lstStyle/>
+                    <a:p>
+                      <a:r>
+                        <a:rPr lang="en-US" dirty="0" smtClean="0"/>
+                        <a:t>2(3)</a:t>
+                      </a:r>
+                      <a:endParaRPr lang="en-US" dirty="0"/>
+                    </a:p>
+                  </a:txBody>
+                  <a:tcPr/>
+                </a:tc>
+                <a:tc>
+                  <a:txBody>
+                    <a:bodyPr/>
+                    <a:lstStyle/>
+                    <a:p>
+                      <a:endParaRPr lang="en-US" dirty="0"/>
+                    </a:p>
+                  </a:txBody>
+                  <a:tcPr/>
+                </a:tc>
+              </a:tr>
+              <a:tr h="250327">
+                <a:tc>
+                  <a:txBody>
+                    <a:bodyPr/>
+                    <a:lstStyle/>
+                    <a:p>
+                      <a:pPr marL="0" indent="0">
+                        <a:buNone/>
+                      </a:pPr>
+                      <a:r>
+                        <a:rPr lang="en-US" sz="1800" dirty="0" smtClean="0"/>
+                        <a:t>ode15i</a:t>
+                      </a:r>
+                    </a:p>
+                  </a:txBody>
+                  <a:tcPr/>
+                </a:tc>
+                <a:tc>
+                  <a:txBody>
+                    <a:bodyPr/>
+                    <a:lstStyle/>
+                    <a:p>
+                      <a:r>
+                        <a:rPr lang="en-US" dirty="0" smtClean="0"/>
+                        <a:t>BDF</a:t>
+                      </a:r>
                       <a:r>
                         <a:rPr lang="ru-RU" dirty="0" smtClean="0"/>
-                        <a:t>Метод</a:t>
-                      </a:r>
-                      <a:r>
-                        <a:rPr lang="ru-RU" baseline="0" dirty="0" smtClean="0"/>
-                        <a:t> Адамса</a:t>
-                      </a:r>
-                      <a:r>
-                        <a:rPr lang="en-US" baseline="0" dirty="0" smtClean="0"/>
-                        <a:t>/BDF</a:t>
+                        <a:t> для неявно заданных СОДУ</a:t>
                       </a:r>
                       <a:endParaRPr lang="en-US" dirty="0"/>
                     </a:p>
@@ -4485,26 +5871,18 @@
                     <a:p>
                       <a:r>
                         <a:rPr lang="en-US" dirty="0" smtClean="0"/>
-                        <a:t>1-5/12</a:t>
-                      </a:r>
-                      <a:endParaRPr lang="en-US" dirty="0"/>
-                    </a:p>
-                  </a:txBody>
-                  <a:tcPr/>
-                </a:tc>
-                <a:tc>
-                  <a:txBody>
-                    <a:bodyPr/>
-                    <a:lstStyle/>
-                    <a:p>
-                      <a:r>
-                        <a:rPr lang="ru-RU" dirty="0" smtClean="0"/>
-                        <a:t>Переменный</a:t>
-                      </a:r>
-                      <a:r>
-                        <a:rPr lang="ru-RU" baseline="0" dirty="0" smtClean="0"/>
-                        <a:t> порядок и выбор метода</a:t>
-                      </a:r>
+                        <a:t>1-5</a:t>
+                      </a:r>
+                      <a:endParaRPr lang="en-US" dirty="0"/>
+                    </a:p>
+                  </a:txBody>
+                  <a:tcPr/>
+                </a:tc>
+                <a:tc>
+                  <a:txBody>
+                    <a:bodyPr/>
+                    <a:lstStyle/>
+                    <a:p>
                       <a:endParaRPr lang="en-US" dirty="0"/>
                     </a:p>
                   </a:txBody>
@@ -4518,7 +5896,7 @@
     </p:spTree>
     <p:extLst>
       <p:ext uri="{BB962C8B-B14F-4D97-AF65-F5344CB8AC3E}">
-        <p14:creationId xmlns:p14="http://schemas.microsoft.com/office/powerpoint/2010/main" val="1636097865"/>
+        <p14:creationId xmlns:p14="http://schemas.microsoft.com/office/powerpoint/2010/main" val="110562284"/>
       </p:ext>
     </p:extLst>
   </p:cSld>
@@ -4561,8 +5939,8 @@
           <a:lstStyle/>
           <a:p>
             <a:r>
-              <a:rPr lang="en-US" dirty="0" smtClean="0"/>
-              <a:t>Maple</a:t>
+              <a:rPr lang="en-US" dirty="0" err="1" smtClean="0"/>
+              <a:t>SciPy</a:t>
             </a:r>
             <a:endParaRPr lang="en-US" dirty="0"/>
           </a:p>
@@ -4580,7 +5958,7 @@
         </p:nvSpPr>
         <p:spPr>
           <a:xfrm>
-            <a:off x="838200" y="5923052"/>
+            <a:off x="838200" y="5691884"/>
             <a:ext cx="10459948" cy="500490"/>
           </a:xfrm>
         </p:spPr>
@@ -4601,7 +5979,13 @@
               <a:rPr lang="en-US" sz="2000" dirty="0">
                 <a:hlinkClick r:id="rId2"/>
               </a:rPr>
-              <a:t>https://www.maplesoft.com/support/help/Maple/view.aspx?path=dsolve/numeric</a:t>
+              <a:t>https://</a:t>
+            </a:r>
+            <a:r>
+              <a:rPr lang="en-US" sz="2000" dirty="0" smtClean="0">
+                <a:hlinkClick r:id="rId2"/>
+              </a:rPr>
+              <a:t>docs.scipy.org/doc/scipy/reference/generated/scipy.integrate.solve_ivp.html</a:t>
             </a:r>
             <a:endParaRPr lang="en-US" sz="2000" dirty="0" smtClean="0"/>
           </a:p>
@@ -4616,14 +6000,14 @@
           <p:nvPr>
             <p:extLst>
               <p:ext uri="{D42A27DB-BD31-4B8C-83A1-F6EECF244321}">
-                <p14:modId xmlns:p14="http://schemas.microsoft.com/office/powerpoint/2010/main" val="4272799876"/>
+                <p14:modId xmlns:p14="http://schemas.microsoft.com/office/powerpoint/2010/main" val="1902918486"/>
               </p:ext>
             </p:extLst>
           </p:nvPr>
         </p:nvGraphicFramePr>
         <p:xfrm>
-          <a:off x="838200" y="1464541"/>
-          <a:ext cx="10255023" cy="4289295"/>
+          <a:off x="838200" y="1464542"/>
+          <a:ext cx="10836149" cy="2701086"/>
         </p:xfrm>
         <a:graphic>
           <a:graphicData uri="http://schemas.openxmlformats.org/drawingml/2006/table">
@@ -4632,12 +6016,12 @@
                 <a:tableStyleId>{5C22544A-7EE6-4342-B048-85BDC9FD1C3A}</a:tableStyleId>
               </a:tblPr>
               <a:tblGrid>
-                <a:gridCol w="1272477"/>
+                <a:gridCol w="1019493"/>
                 <a:gridCol w="4713478"/>
                 <a:gridCol w="1104583"/>
-                <a:gridCol w="3164485"/>
+                <a:gridCol w="3998595"/>
               </a:tblGrid>
-              <a:tr h="298585">
+              <a:tr h="249225">
                 <a:tc>
                   <a:txBody>
                     <a:bodyPr/>
@@ -4695,7 +6079,7 @@
                   <a:tcPr/>
                 </a:tc>
               </a:tr>
-              <a:tr h="515365">
+              <a:tr h="436143">
                 <a:tc>
                   <a:txBody>
                     <a:bodyPr/>
@@ -4704,51 +6088,6 @@
                       <a:pPr marL="0" indent="0">
                         <a:buNone/>
                       </a:pPr>
-                      <a:r>
-                        <a:rPr lang="en-US" sz="1800" dirty="0" smtClean="0"/>
-                        <a:t>rkf45</a:t>
-                      </a:r>
-                    </a:p>
-                  </a:txBody>
-                  <a:tcPr/>
-                </a:tc>
-                <a:tc>
-                  <a:txBody>
-                    <a:bodyPr/>
-                    <a:lstStyle/>
-                    <a:p>
-                      <a:r>
-                        <a:rPr lang="ru-RU" dirty="0" smtClean="0"/>
-                        <a:t>Явный метод Рунге-Кутты</a:t>
-                      </a:r>
-                      <a:r>
-                        <a:rPr lang="ru-RU" baseline="0" dirty="0" smtClean="0"/>
-                        <a:t> (Фельберга)</a:t>
-                      </a:r>
-                      <a:endParaRPr lang="en-US" dirty="0"/>
-                    </a:p>
-                  </a:txBody>
-                  <a:tcPr/>
-                </a:tc>
-                <a:tc>
-                  <a:txBody>
-                    <a:bodyPr/>
-                    <a:lstStyle/>
-                    <a:p>
-                      <a:r>
-                        <a:rPr lang="ru-RU" baseline="0" dirty="0" smtClean="0"/>
-                        <a:t>4(5)</a:t>
-                      </a:r>
-                      <a:endParaRPr lang="en-US" dirty="0"/>
-                    </a:p>
-                  </a:txBody>
-                  <a:tcPr/>
-                </a:tc>
-                <a:tc>
-                  <a:txBody>
-                    <a:bodyPr/>
-                    <a:lstStyle/>
-                    <a:p>
                       <a:r>
                         <a:rPr lang="en-US" sz="1800" b="0" i="0" kern="1200" dirty="0" smtClean="0">
                           <a:solidFill>
@@ -4759,7 +6098,61 @@
                           <a:ea typeface="+mn-ea"/>
                           <a:cs typeface="+mn-cs"/>
                         </a:rPr>
-                        <a:t>“This is the default method of the type=numeric solution ”</a:t>
+                        <a:t>RK45</a:t>
+                      </a:r>
+                      <a:endParaRPr lang="en-US" sz="1800" dirty="0" smtClean="0"/>
+                    </a:p>
+                  </a:txBody>
+                  <a:tcPr/>
+                </a:tc>
+                <a:tc>
+                  <a:txBody>
+                    <a:bodyPr/>
+                    <a:lstStyle/>
+                    <a:p>
+                      <a:r>
+                        <a:rPr lang="ru-RU" dirty="0" smtClean="0"/>
+                        <a:t>Явный метод Рунге-Кутты</a:t>
+                      </a:r>
+                      <a:r>
+                        <a:rPr lang="ru-RU" baseline="0" dirty="0" smtClean="0"/>
+                        <a:t> (Дорманда-Принса)</a:t>
+                      </a:r>
+                      <a:endParaRPr lang="en-US" dirty="0"/>
+                    </a:p>
+                  </a:txBody>
+                  <a:tcPr/>
+                </a:tc>
+                <a:tc>
+                  <a:txBody>
+                    <a:bodyPr/>
+                    <a:lstStyle/>
+                    <a:p>
+                      <a:r>
+                        <a:rPr lang="en-US" baseline="0" dirty="0" smtClean="0"/>
+                        <a:t>5(4)</a:t>
+                      </a:r>
+                      <a:endParaRPr lang="en-US" dirty="0"/>
+                    </a:p>
+                  </a:txBody>
+                  <a:tcPr/>
+                </a:tc>
+                <a:tc>
+                  <a:txBody>
+                    <a:bodyPr/>
+                    <a:lstStyle/>
+                    <a:p>
+                      <a:r>
+                        <a:rPr lang="en-US" sz="1800" b="0" i="0" kern="1200" dirty="0" smtClean="0">
+                          <a:solidFill>
+                            <a:schemeClr val="dk1"/>
+                          </a:solidFill>
+                          <a:effectLst/>
+                          <a:latin typeface="+mn-lt"/>
+                          <a:ea typeface="+mn-ea"/>
+                          <a:cs typeface="+mn-cs"/>
+                        </a:rPr>
+                        <a:t>“If not sure, first try to run ‘RK45’”</a:t>
                       </a:r>
                       <a:endParaRPr lang="en-US" dirty="0"/>
                     </a:p>
@@ -4767,7 +6160,7 @@
                   <a:tcPr/>
                 </a:tc>
               </a:tr>
-              <a:tr h="515365">
+              <a:tr h="351164">
                 <a:tc>
                   <a:txBody>
                     <a:bodyPr/>
@@ -4777,9 +6170,18 @@
                         <a:buNone/>
                       </a:pPr>
                       <a:r>
-                        <a:rPr lang="en-US" sz="1800" dirty="0" smtClean="0"/>
-                        <a:t>ck45</a:t>
-                      </a:r>
+                        <a:rPr lang="en-US" sz="1800" b="0" i="0" kern="1200" dirty="0" smtClean="0">
+                          <a:solidFill>
+                            <a:schemeClr val="dk1"/>
+                          </a:solidFill>
+                          <a:effectLst/>
+                          <a:latin typeface="+mn-lt"/>
+                          <a:ea typeface="+mn-ea"/>
+                          <a:cs typeface="+mn-cs"/>
+                        </a:rPr>
+                        <a:t>RK23</a:t>
+                      </a:r>
+                      <a:endParaRPr lang="en-US" sz="1800" dirty="0" smtClean="0"/>
                     </a:p>
                   </a:txBody>
                   <a:tcPr/>
@@ -4795,7 +6197,7 @@
                       </a:r>
                       <a:r>
                         <a:rPr lang="ru-RU" baseline="0" dirty="0" smtClean="0"/>
-                        <a:t> метод Рунге-Кутты (Кэша-Карпа)</a:t>
+                        <a:t> метод Рунге-Кутты (Богацки-Шампина)</a:t>
                       </a:r>
                       <a:endParaRPr lang="en-US" dirty="0"/>
                     </a:p>
@@ -4809,11 +6211,7 @@
                     <a:p>
                       <a:r>
                         <a:rPr lang="en-US" baseline="0" dirty="0" smtClean="0"/>
-                        <a:t>5(4)</a:t>
-                      </a:r>
-                      <a:r>
-                        <a:rPr lang="ru-RU" baseline="0" dirty="0" smtClean="0"/>
-                        <a:t> </a:t>
+                        <a:t>3(2)</a:t>
                       </a:r>
                       <a:endParaRPr lang="en-US" dirty="0"/>
                     </a:p>
@@ -4831,7 +6229,7 @@
                   <a:tcPr/>
                 </a:tc>
               </a:tr>
-              <a:tr h="515365">
+              <a:tr h="351164">
                 <a:tc>
                   <a:txBody>
                     <a:bodyPr/>
@@ -4841,28 +6239,18 @@
                         <a:buNone/>
                       </a:pPr>
                       <a:r>
-                        <a:rPr lang="en-US" sz="1800" dirty="0" err="1" smtClean="0"/>
-                        <a:t>rosenbrock</a:t>
+                        <a:rPr lang="en-US" sz="1800" b="0" i="0" kern="1200" dirty="0" smtClean="0">
+                          <a:solidFill>
+                            <a:schemeClr val="dk1"/>
+                          </a:solidFill>
+                          <a:effectLst/>
+                          <a:latin typeface="+mn-lt"/>
+                          <a:ea typeface="+mn-ea"/>
+                          <a:cs typeface="+mn-cs"/>
+                        </a:rPr>
+                        <a:t>DOP853</a:t>
                       </a:r>
                       <a:endParaRPr lang="en-US" sz="1800" dirty="0" smtClean="0"/>
-                    </a:p>
-                  </a:txBody>
-                  <a:tcPr/>
-                </a:tc>
-                <a:tc>
-                  <a:txBody>
-                    <a:bodyPr/>
-                    <a:lstStyle/>
-                    <a:p>
-                      <a:r>
-                        <a:rPr lang="ru-RU" dirty="0" smtClean="0"/>
-                        <a:t>Метод</a:t>
-                      </a:r>
-                      <a:r>
-                        <a:rPr lang="ru-RU" baseline="0" dirty="0" smtClean="0"/>
-                        <a:t> Розенброка</a:t>
-                      </a:r>
-                      <a:endParaRPr lang="en-US" dirty="0"/>
                     </a:p>
                   </a:txBody>
                   <a:tcPr/>
@@ -4890,34 +6278,44 @@
                         <a:defRPr/>
                       </a:pPr>
                       <a:r>
-                        <a:rPr lang="en-US" baseline="0" dirty="0" smtClean="0"/>
-                        <a:t>3(4)</a:t>
-                      </a:r>
-                      <a:endParaRPr lang="en-US" dirty="0"/>
-                    </a:p>
-                  </a:txBody>
-                  <a:tcPr/>
-                </a:tc>
-                <a:tc>
-                  <a:txBody>
-                    <a:bodyPr/>
-                    <a:lstStyle/>
-                    <a:p>
-                      <a:r>
                         <a:rPr lang="ru-RU" dirty="0" smtClean="0"/>
-                        <a:t>Как неявный,</a:t>
+                        <a:t>Явный метод Рунге-Кутты</a:t>
                       </a:r>
                       <a:r>
                         <a:rPr lang="ru-RU" baseline="0" dirty="0" smtClean="0"/>
-                        <a:t> только явный</a:t>
-                      </a:r>
+                        <a:t> (Дорманда-Принса)</a:t>
+                      </a:r>
+                      <a:endParaRPr lang="en-US" dirty="0" smtClean="0"/>
+                    </a:p>
+                  </a:txBody>
+                  <a:tcPr/>
+                </a:tc>
+                <a:tc>
+                  <a:txBody>
+                    <a:bodyPr/>
+                    <a:lstStyle/>
+                    <a:p>
+                      <a:r>
+                        <a:rPr lang="ru-RU" dirty="0" smtClean="0"/>
+                        <a:t>8(5,3)</a:t>
+                      </a:r>
+                      <a:endParaRPr lang="en-US" dirty="0"/>
+                    </a:p>
+                  </a:txBody>
+                  <a:tcPr/>
+                </a:tc>
+                <a:tc>
+                  <a:txBody>
+                    <a:bodyPr/>
+                    <a:lstStyle/>
+                    <a:p>
                       <a:endParaRPr lang="en-US" dirty="0"/>
                     </a:p>
                   </a:txBody>
                   <a:tcPr/>
                 </a:tc>
               </a:tr>
-              <a:tr h="298585">
+              <a:tr h="351164">
                 <a:tc>
                   <a:txBody>
                     <a:bodyPr/>
@@ -4927,214 +6325,7 @@
                         <a:buNone/>
                       </a:pPr>
                       <a:r>
-                        <a:rPr lang="en-US" sz="1800" dirty="0" smtClean="0"/>
-                        <a:t>dverk78</a:t>
-                      </a:r>
-                    </a:p>
-                  </a:txBody>
-                  <a:tcPr/>
-                </a:tc>
-                <a:tc>
-                  <a:txBody>
-                    <a:bodyPr/>
-                    <a:lstStyle/>
-                    <a:p>
-                      <a:r>
-                        <a:rPr lang="ru-RU" dirty="0" smtClean="0"/>
-                        <a:t>Явный метод Рунге-Кутты</a:t>
-                      </a:r>
-                      <a:r>
-                        <a:rPr lang="ru-RU" baseline="0" dirty="0" smtClean="0"/>
-                        <a:t> (Вернера)</a:t>
-                      </a:r>
-                      <a:endParaRPr lang="en-US" dirty="0"/>
-                    </a:p>
-                  </a:txBody>
-                  <a:tcPr/>
-                </a:tc>
-                <a:tc>
-                  <a:txBody>
-                    <a:bodyPr/>
-                    <a:lstStyle/>
-                    <a:p>
-                      <a:r>
-                        <a:rPr lang="ru-RU" dirty="0" smtClean="0"/>
-                        <a:t>7(8)</a:t>
-                      </a:r>
-                      <a:endParaRPr lang="en-US" dirty="0"/>
-                    </a:p>
-                  </a:txBody>
-                  <a:tcPr/>
-                </a:tc>
-                <a:tc>
-                  <a:txBody>
-                    <a:bodyPr/>
-                    <a:lstStyle/>
-                    <a:p>
-                      <a:endParaRPr lang="en-US" dirty="0"/>
-                    </a:p>
-                  </a:txBody>
-                  <a:tcPr/>
-                </a:tc>
-              </a:tr>
-              <a:tr h="298585">
-                <a:tc>
-                  <a:txBody>
-                    <a:bodyPr/>
-                    <a:lstStyle/>
-                    <a:p>
-                      <a:pPr marL="0" indent="0">
-                        <a:buNone/>
-                      </a:pPr>
-                      <a:r>
-                        <a:rPr lang="en-US" sz="1800" dirty="0" err="1" smtClean="0"/>
-                        <a:t>lsode</a:t>
-                      </a:r>
-                      <a:endParaRPr lang="en-US" dirty="0"/>
-                    </a:p>
-                  </a:txBody>
-                  <a:tcPr/>
-                </a:tc>
-                <a:tc>
-                  <a:txBody>
-                    <a:bodyPr/>
-                    <a:lstStyle/>
-                    <a:p>
-                      <a:r>
-                        <a:rPr lang="ru-RU" dirty="0" smtClean="0"/>
-                        <a:t>Метод</a:t>
-                      </a:r>
-                      <a:r>
-                        <a:rPr lang="ru-RU" baseline="0" dirty="0" smtClean="0"/>
-                        <a:t> Адамса</a:t>
-                      </a:r>
-                      <a:r>
-                        <a:rPr lang="en-US" baseline="0" dirty="0" smtClean="0"/>
-                        <a:t>/BDF</a:t>
-                      </a:r>
-                      <a:endParaRPr lang="en-US" dirty="0"/>
-                    </a:p>
-                  </a:txBody>
-                  <a:tcPr/>
-                </a:tc>
-                <a:tc>
-                  <a:txBody>
-                    <a:bodyPr/>
-                    <a:lstStyle/>
-                    <a:p>
-                      <a:r>
-                        <a:rPr lang="en-US" dirty="0" smtClean="0"/>
-                        <a:t>1-5/12</a:t>
-                      </a:r>
-                      <a:endParaRPr lang="en-US" dirty="0"/>
-                    </a:p>
-                  </a:txBody>
-                  <a:tcPr/>
-                </a:tc>
-                <a:tc>
-                  <a:txBody>
-                    <a:bodyPr/>
-                    <a:lstStyle/>
-                    <a:p>
-                      <a:r>
-                        <a:rPr lang="ru-RU" dirty="0" smtClean="0"/>
-                        <a:t>Переменный</a:t>
-                      </a:r>
-                      <a:r>
-                        <a:rPr lang="ru-RU" baseline="0" dirty="0" smtClean="0"/>
-                        <a:t> порядок и выбор метода</a:t>
-                      </a:r>
-                      <a:endParaRPr lang="en-US" dirty="0"/>
-                    </a:p>
-                  </a:txBody>
-                  <a:tcPr/>
-                </a:tc>
-              </a:tr>
-              <a:tr h="515365">
-                <a:tc>
-                  <a:txBody>
-                    <a:bodyPr/>
-                    <a:lstStyle/>
-                    <a:p>
-                      <a:pPr marL="0" indent="0">
-                        <a:buNone/>
-                      </a:pPr>
-                      <a:r>
-                        <a:rPr lang="en-US" sz="1800" dirty="0" smtClean="0"/>
-                        <a:t>gear</a:t>
-                      </a:r>
-                    </a:p>
-                  </a:txBody>
-                  <a:tcPr/>
-                </a:tc>
-                <a:tc>
-                  <a:txBody>
-                    <a:bodyPr/>
-                    <a:lstStyle/>
-                    <a:p>
-                      <a:r>
-                        <a:rPr lang="ru-RU" dirty="0" smtClean="0"/>
-                        <a:t>Метод Гира</a:t>
-                      </a:r>
-                      <a:endParaRPr lang="en-US" dirty="0"/>
-                    </a:p>
-                  </a:txBody>
-                  <a:tcPr/>
-                </a:tc>
-                <a:tc>
-                  <a:txBody>
-                    <a:bodyPr/>
-                    <a:lstStyle/>
-                    <a:p>
-                      <a:r>
-                        <a:rPr lang="en-US" dirty="0" smtClean="0"/>
-                        <a:t>4</a:t>
-                      </a:r>
-                      <a:endParaRPr lang="en-US" dirty="0"/>
-                    </a:p>
-                  </a:txBody>
-                  <a:tcPr/>
-                </a:tc>
-                <a:tc>
-                  <a:txBody>
-                    <a:bodyPr/>
-                    <a:lstStyle/>
-                    <a:p>
-                      <a:r>
-                        <a:rPr lang="ru-RU" dirty="0" smtClean="0"/>
-                        <a:t>ЯМРК+экстраполяция</a:t>
-                      </a:r>
-                      <a:endParaRPr lang="en-US" dirty="0"/>
-                    </a:p>
-                  </a:txBody>
-                  <a:tcPr/>
-                </a:tc>
-              </a:tr>
-              <a:tr h="298585">
-                <a:tc>
-                  <a:txBody>
-                    <a:bodyPr/>
-                    <a:lstStyle/>
-                    <a:p>
-                      <a:pPr marL="0" indent="0">
-                        <a:buNone/>
-                      </a:pPr>
-                      <a:r>
-                        <a:rPr lang="en-US" sz="1800" dirty="0" err="1" smtClean="0"/>
-                        <a:t>taylorseries</a:t>
-                      </a:r>
-                      <a:endParaRPr lang="en-US" sz="1800" dirty="0" smtClean="0"/>
-                    </a:p>
-                  </a:txBody>
-                  <a:tcPr/>
-                </a:tc>
-                <a:tc>
-                  <a:txBody>
-                    <a:bodyPr/>
-                    <a:lstStyle/>
-                    <a:p>
-                      <a:r>
-                        <a:rPr lang="ru-RU" sz="1800" b="0" i="0" kern="1200" dirty="0" smtClean="0">
+                        <a:rPr lang="en-US" sz="1800" b="0" i="0" kern="1200" dirty="0" err="1" smtClean="0">
                           <a:solidFill>
                             <a:schemeClr val="dk1"/>
                           </a:solidFill>
@@ -5143,47 +6334,95 @@
                           <a:ea typeface="+mn-ea"/>
                           <a:cs typeface="+mn-cs"/>
                         </a:rPr>
-                        <a:t>Метод рядов Тейлора</a:t>
-                      </a:r>
-                      <a:endParaRPr lang="en-US" dirty="0"/>
-                    </a:p>
-                  </a:txBody>
-                  <a:tcPr/>
-                </a:tc>
-                <a:tc>
-                  <a:txBody>
-                    <a:bodyPr/>
-                    <a:lstStyle/>
-                    <a:p>
+                        <a:t>Radau</a:t>
+                      </a:r>
+                      <a:endParaRPr lang="en-US" sz="1800" dirty="0" smtClean="0"/>
+                    </a:p>
+                  </a:txBody>
+                  <a:tcPr/>
+                </a:tc>
+                <a:tc>
+                  <a:txBody>
+                    <a:bodyPr/>
+                    <a:lstStyle/>
+                    <a:p>
+                      <a:pPr marL="0" marR="0" lvl="0" indent="0" algn="l" defTabSz="914400" rtl="0" eaLnBrk="1" fontAlgn="auto" latinLnBrk="0" hangingPunct="1">
+                        <a:lnSpc>
+                          <a:spcPct val="100000"/>
+                        </a:lnSpc>
+                        <a:spcBef>
+                          <a:spcPts val="0"/>
+                        </a:spcBef>
+                        <a:spcAft>
+                          <a:spcPts val="0"/>
+                        </a:spcAft>
+                        <a:buClrTx/>
+                        <a:buSzTx/>
+                        <a:buFontTx/>
+                        <a:buNone/>
+                        <a:tabLst/>
+                        <a:defRPr/>
+                      </a:pPr>
                       <a:r>
                         <a:rPr lang="ru-RU" dirty="0" smtClean="0"/>
-                        <a:t>до 22</a:t>
-                      </a:r>
-                      <a:endParaRPr lang="en-US" dirty="0"/>
-                    </a:p>
-                  </a:txBody>
-                  <a:tcPr/>
-                </a:tc>
-                <a:tc>
-                  <a:txBody>
-                    <a:bodyPr/>
-                    <a:lstStyle/>
-                    <a:p>
+                        <a:t>Неявный метод Рунге-Кутты (Радо </a:t>
+                      </a:r>
+                      <a:r>
+                        <a:rPr lang="en-US" dirty="0" smtClean="0"/>
+                        <a:t>IIA</a:t>
+                      </a:r>
                       <a:r>
                         <a:rPr lang="ru-RU" dirty="0" smtClean="0"/>
-                        <a:t>Считает</a:t>
-                      </a:r>
-                      <a:r>
-                        <a:rPr lang="ru-RU" baseline="0" dirty="0" smtClean="0"/>
-                        <a:t> производные</a:t>
-                      </a:r>
+                        <a:t>)</a:t>
+                      </a:r>
+                      <a:endParaRPr lang="en-US" dirty="0"/>
+                    </a:p>
+                  </a:txBody>
+                  <a:tcPr/>
+                </a:tc>
+                <a:tc>
+                  <a:txBody>
+                    <a:bodyPr/>
+                    <a:lstStyle/>
+                    <a:p>
+                      <a:pPr marL="0" marR="0" lvl="0" indent="0" algn="l" defTabSz="914400" rtl="0" eaLnBrk="1" fontAlgn="auto" latinLnBrk="0" hangingPunct="1">
+                        <a:lnSpc>
+                          <a:spcPct val="100000"/>
+                        </a:lnSpc>
+                        <a:spcBef>
+                          <a:spcPts val="0"/>
+                        </a:spcBef>
+                        <a:spcAft>
+                          <a:spcPts val="0"/>
+                        </a:spcAft>
+                        <a:buClrTx/>
+                        <a:buSzTx/>
+                        <a:buFontTx/>
+                        <a:buNone/>
+                        <a:tabLst/>
+                        <a:defRPr/>
+                      </a:pPr>
+                      <a:r>
+                        <a:rPr lang="en-US" baseline="0" dirty="0" smtClean="0"/>
+                        <a:t>5(3)</a:t>
+                      </a:r>
+                      <a:endParaRPr lang="en-US" dirty="0"/>
+                    </a:p>
+                  </a:txBody>
+                  <a:tcPr/>
+                </a:tc>
+                <a:tc>
+                  <a:txBody>
+                    <a:bodyPr/>
+                    <a:lstStyle/>
+                    <a:p>
                       <a:endParaRPr lang="en-US" dirty="0"/>
                     </a:p>
                   </a:txBody>
                   <a:tcPr/>
                 </a:tc>
               </a:tr>
-              <a:tr h="298585">
+              <a:tr h="249225">
                 <a:tc>
                   <a:txBody>
                     <a:bodyPr/>
@@ -5193,9 +6432,18 @@
                         <a:buNone/>
                       </a:pPr>
                       <a:r>
-                        <a:rPr lang="en-US" sz="1800" dirty="0" smtClean="0"/>
-                        <a:t>classical</a:t>
-                      </a:r>
+                        <a:rPr lang="en-US" sz="1800" b="0" i="0" kern="1200" dirty="0" smtClean="0">
+                          <a:solidFill>
+                            <a:schemeClr val="dk1"/>
+                          </a:solidFill>
+                          <a:effectLst/>
+                          <a:latin typeface="+mn-lt"/>
+                          <a:ea typeface="+mn-ea"/>
+                          <a:cs typeface="+mn-cs"/>
+                        </a:rPr>
+                        <a:t>BDF</a:t>
+                      </a:r>
+                      <a:endParaRPr lang="en-US" sz="1800" dirty="0" smtClean="0"/>
                     </a:p>
                   </a:txBody>
                   <a:tcPr/>
@@ -5207,22 +6455,92 @@
                     <a:p>
                       <a:r>
                         <a:rPr lang="ru-RU" dirty="0" smtClean="0"/>
-                        <a:t>ЯМРК,</a:t>
+                        <a:t>Формулы дифференцирования назад (</a:t>
+                      </a:r>
+                      <a:r>
+                        <a:rPr lang="en-US" dirty="0" smtClean="0"/>
+                        <a:t>BDF</a:t>
+                      </a:r>
+                      <a:r>
+                        <a:rPr lang="ru-RU" dirty="0" smtClean="0"/>
+                        <a:t>)</a:t>
+                      </a:r>
+                      <a:endParaRPr lang="en-US" dirty="0"/>
+                    </a:p>
+                  </a:txBody>
+                  <a:tcPr/>
+                </a:tc>
+                <a:tc>
+                  <a:txBody>
+                    <a:bodyPr/>
+                    <a:lstStyle/>
+                    <a:p>
+                      <a:r>
+                        <a:rPr lang="ru-RU" dirty="0" smtClean="0"/>
+                        <a:t>1-5</a:t>
+                      </a:r>
+                      <a:endParaRPr lang="en-US" dirty="0"/>
+                    </a:p>
+                  </a:txBody>
+                  <a:tcPr/>
+                </a:tc>
+                <a:tc>
+                  <a:txBody>
+                    <a:bodyPr/>
+                    <a:lstStyle/>
+                    <a:p>
+                      <a:pPr marL="0" marR="0" lvl="0" indent="0" algn="l" defTabSz="914400" rtl="0" eaLnBrk="1" fontAlgn="auto" latinLnBrk="0" hangingPunct="1">
+                        <a:lnSpc>
+                          <a:spcPct val="100000"/>
+                        </a:lnSpc>
+                        <a:spcBef>
+                          <a:spcPts val="0"/>
+                        </a:spcBef>
+                        <a:spcAft>
+                          <a:spcPts val="0"/>
+                        </a:spcAft>
+                        <a:buClrTx/>
+                        <a:buSzTx/>
+                        <a:buFontTx/>
+                        <a:buNone/>
+                        <a:tabLst/>
+                        <a:defRPr/>
+                      </a:pPr>
+                      <a:r>
+                        <a:rPr lang="ru-RU" dirty="0" smtClean="0"/>
+                        <a:t>Переменный</a:t>
                       </a:r>
                       <a:r>
                         <a:rPr lang="ru-RU" baseline="0" dirty="0" smtClean="0"/>
-                        <a:t> НМРК, Адамс</a:t>
-                      </a:r>
-                      <a:endParaRPr lang="en-US" dirty="0"/>
-                    </a:p>
-                  </a:txBody>
-                  <a:tcPr/>
-                </a:tc>
-                <a:tc>
-                  <a:txBody>
-                    <a:bodyPr/>
-                    <a:lstStyle/>
-                    <a:p>
+                        <a:t> порядок</a:t>
+                      </a:r>
+                      <a:endParaRPr lang="en-US" dirty="0" smtClean="0"/>
+                    </a:p>
+                  </a:txBody>
+                  <a:tcPr/>
+                </a:tc>
+              </a:tr>
+              <a:tr h="436143">
+                <a:tc>
+                  <a:txBody>
+                    <a:bodyPr/>
+                    <a:lstStyle/>
+                    <a:p>
+                      <a:pPr marL="0" indent="0">
+                        <a:buNone/>
+                      </a:pPr>
+                      <a:r>
+                        <a:rPr lang="en-US" sz="1800" b="0" i="0" kern="1200" dirty="0" smtClean="0">
+                          <a:solidFill>
+                            <a:schemeClr val="dk1"/>
+                          </a:solidFill>
+                          <a:effectLst/>
+                          <a:latin typeface="+mn-lt"/>
+                          <a:ea typeface="+mn-ea"/>
+                          <a:cs typeface="+mn-cs"/>
+                        </a:rPr>
+                        <a:t>LSODA</a:t>
+                      </a:r>
                       <a:endParaRPr lang="en-US" dirty="0"/>
                     </a:p>
                   </a:txBody>
@@ -5235,11 +6553,47 @@
                     <a:p>
                       <a:r>
                         <a:rPr lang="ru-RU" dirty="0" smtClean="0"/>
-                        <a:t>Много</a:t>
+                        <a:t>Метод</a:t>
                       </a:r>
                       <a:r>
                         <a:rPr lang="ru-RU" baseline="0" dirty="0" smtClean="0"/>
-                        <a:t> разных</a:t>
+                        <a:t> Адамса</a:t>
+                      </a:r>
+                      <a:r>
+                        <a:rPr lang="en-US" baseline="0" dirty="0" smtClean="0"/>
+                        <a:t>/BDF</a:t>
+                      </a:r>
+                      <a:endParaRPr lang="en-US" dirty="0"/>
+                    </a:p>
+                  </a:txBody>
+                  <a:tcPr/>
+                </a:tc>
+                <a:tc>
+                  <a:txBody>
+                    <a:bodyPr/>
+                    <a:lstStyle/>
+                    <a:p>
+                      <a:r>
+                        <a:rPr lang="en-US" dirty="0" smtClean="0"/>
+                        <a:t>1-5/12</a:t>
+                      </a:r>
+                      <a:endParaRPr lang="en-US" dirty="0"/>
+                    </a:p>
+                  </a:txBody>
+                  <a:tcPr/>
+                </a:tc>
+                <a:tc>
+                  <a:txBody>
+                    <a:bodyPr/>
+                    <a:lstStyle/>
+                    <a:p>
+                      <a:r>
+                        <a:rPr lang="ru-RU" dirty="0" smtClean="0"/>
+                        <a:t>Переменный</a:t>
+                      </a:r>
+                      <a:r>
+                        <a:rPr lang="ru-RU" baseline="0" dirty="0" smtClean="0"/>
+                        <a:t> порядок и выбор метода</a:t>
                       </a:r>
                       <a:endParaRPr lang="en-US" dirty="0"/>
                     </a:p>
@@ -5254,7 +6608,7 @@
     </p:spTree>
     <p:extLst>
       <p:ext uri="{BB962C8B-B14F-4D97-AF65-F5344CB8AC3E}">
-        <p14:creationId xmlns:p14="http://schemas.microsoft.com/office/powerpoint/2010/main" val="412866480"/>
+        <p14:creationId xmlns:p14="http://schemas.microsoft.com/office/powerpoint/2010/main" val="1636097865"/>
       </p:ext>
     </p:extLst>
   </p:cSld>
@@ -5298,6 +6652,790 @@
           <a:p>
             <a:r>
               <a:rPr lang="en-US" dirty="0" smtClean="0"/>
+              <a:t>Maple</a:t>
+            </a:r>
+            <a:endParaRPr lang="en-US" dirty="0"/>
+          </a:p>
+        </p:txBody>
+      </p:sp>
+      <p:sp>
+        <p:nvSpPr>
+          <p:cNvPr id="3" name="Content Placeholder 2"/>
+          <p:cNvSpPr>
+            <a:spLocks noGrp="1"/>
+          </p:cNvSpPr>
+          <p:nvPr>
+            <p:ph idx="1"/>
+          </p:nvPr>
+        </p:nvSpPr>
+        <p:spPr>
+          <a:xfrm>
+            <a:off x="838200" y="5923052"/>
+            <a:ext cx="10459948" cy="500490"/>
+          </a:xfrm>
+        </p:spPr>
+        <p:txBody>
+          <a:bodyPr>
+            <a:normAutofit/>
+          </a:bodyPr>
+          <a:lstStyle/>
+          <a:p>
+            <a:pPr marL="0" indent="0">
+              <a:buNone/>
+            </a:pPr>
+            <a:r>
+              <a:rPr lang="ru-RU" sz="2000" dirty="0" smtClean="0"/>
+              <a:t>Источник:  </a:t>
+            </a:r>
+            <a:r>
+              <a:rPr lang="en-US" sz="2000" dirty="0">
+                <a:hlinkClick r:id="rId2"/>
+              </a:rPr>
+              <a:t>https://www.maplesoft.com/support/help/Maple/view.aspx?path=dsolve/numeric</a:t>
+            </a:r>
+            <a:endParaRPr lang="en-US" sz="2000" dirty="0" smtClean="0"/>
+          </a:p>
+        </p:txBody>
+      </p:sp>
+      <p:graphicFrame>
+        <p:nvGraphicFramePr>
+          <p:cNvPr id="4" name="Table 3"/>
+          <p:cNvGraphicFramePr>
+            <a:graphicFrameLocks noGrp="1"/>
+          </p:cNvGraphicFramePr>
+          <p:nvPr>
+            <p:extLst>
+              <p:ext uri="{D42A27DB-BD31-4B8C-83A1-F6EECF244321}">
+                <p14:modId xmlns:p14="http://schemas.microsoft.com/office/powerpoint/2010/main" val="460950889"/>
+              </p:ext>
+            </p:extLst>
+          </p:nvPr>
+        </p:nvGraphicFramePr>
+        <p:xfrm>
+          <a:off x="838200" y="1459404"/>
+          <a:ext cx="10478390" cy="3566160"/>
+        </p:xfrm>
+        <a:graphic>
+          <a:graphicData uri="http://schemas.openxmlformats.org/drawingml/2006/table">
+            <a:tbl>
+              <a:tblPr firstRow="1" bandRow="1">
+                <a:tableStyleId>{5C22544A-7EE6-4342-B048-85BDC9FD1C3A}</a:tableStyleId>
+              </a:tblPr>
+              <a:tblGrid>
+                <a:gridCol w="1303782"/>
+                <a:gridCol w="4071430"/>
+                <a:gridCol w="1104583"/>
+                <a:gridCol w="3998595"/>
+              </a:tblGrid>
+              <a:tr h="195331">
+                <a:tc>
+                  <a:txBody>
+                    <a:bodyPr/>
+                    <a:lstStyle/>
+                    <a:p>
+                      <a:r>
+                        <a:rPr lang="ru-RU" dirty="0" smtClean="0"/>
+                        <a:t>Метод</a:t>
+                      </a:r>
+                      <a:endParaRPr lang="en-US" dirty="0"/>
+                    </a:p>
+                  </a:txBody>
+                  <a:tcPr/>
+                </a:tc>
+                <a:tc>
+                  <a:txBody>
+                    <a:bodyPr/>
+                    <a:lstStyle/>
+                    <a:p>
+                      <a:r>
+                        <a:rPr lang="ru-RU" dirty="0" smtClean="0"/>
+                        <a:t>Суть</a:t>
+                      </a:r>
+                      <a:endParaRPr lang="en-US" dirty="0"/>
+                    </a:p>
+                  </a:txBody>
+                  <a:tcPr/>
+                </a:tc>
+                <a:tc>
+                  <a:txBody>
+                    <a:bodyPr/>
+                    <a:lstStyle/>
+                    <a:p>
+                      <a:r>
+                        <a:rPr lang="ru-RU" dirty="0" smtClean="0"/>
+                        <a:t>Порядок</a:t>
+                      </a:r>
+                      <a:endParaRPr lang="en-US" dirty="0"/>
+                    </a:p>
+                  </a:txBody>
+                  <a:tcPr/>
+                </a:tc>
+                <a:tc>
+                  <a:txBody>
+                    <a:bodyPr/>
+                    <a:lstStyle/>
+                    <a:p>
+                      <a:r>
+                        <a:rPr lang="ru-RU" dirty="0" smtClean="0"/>
+                        <a:t>Примечание</a:t>
+                      </a:r>
+                      <a:endParaRPr lang="en-US" dirty="0"/>
+                    </a:p>
+                  </a:txBody>
+                  <a:tcPr/>
+                </a:tc>
+              </a:tr>
+              <a:tr h="341830">
+                <a:tc>
+                  <a:txBody>
+                    <a:bodyPr/>
+                    <a:lstStyle/>
+                    <a:p>
+                      <a:pPr marL="0" indent="0">
+                        <a:buNone/>
+                      </a:pPr>
+                      <a:r>
+                        <a:rPr lang="en-US" sz="1800" dirty="0" smtClean="0"/>
+                        <a:t>rkf45</a:t>
+                      </a:r>
+                    </a:p>
+                  </a:txBody>
+                  <a:tcPr/>
+                </a:tc>
+                <a:tc>
+                  <a:txBody>
+                    <a:bodyPr/>
+                    <a:lstStyle/>
+                    <a:p>
+                      <a:r>
+                        <a:rPr lang="ru-RU" dirty="0" smtClean="0"/>
+                        <a:t>Явный метод Рунге-Кутты</a:t>
+                      </a:r>
+                      <a:r>
+                        <a:rPr lang="ru-RU" baseline="0" dirty="0" smtClean="0"/>
+                        <a:t> (Фельберга)</a:t>
+                      </a:r>
+                      <a:endParaRPr lang="en-US" dirty="0"/>
+                    </a:p>
+                  </a:txBody>
+                  <a:tcPr/>
+                </a:tc>
+                <a:tc>
+                  <a:txBody>
+                    <a:bodyPr/>
+                    <a:lstStyle/>
+                    <a:p>
+                      <a:r>
+                        <a:rPr lang="ru-RU" baseline="0" dirty="0" smtClean="0"/>
+                        <a:t>4(5)</a:t>
+                      </a:r>
+                      <a:endParaRPr lang="en-US" dirty="0"/>
+                    </a:p>
+                  </a:txBody>
+                  <a:tcPr/>
+                </a:tc>
+                <a:tc>
+                  <a:txBody>
+                    <a:bodyPr/>
+                    <a:lstStyle/>
+                    <a:p>
+                      <a:r>
+                        <a:rPr lang="en-US" sz="1800" b="0" i="0" kern="1200" dirty="0" smtClean="0">
+                          <a:solidFill>
+                            <a:schemeClr val="dk1"/>
+                          </a:solidFill>
+                          <a:effectLst/>
+                          <a:latin typeface="+mn-lt"/>
+                          <a:ea typeface="+mn-ea"/>
+                          <a:cs typeface="+mn-cs"/>
+                        </a:rPr>
+                        <a:t>“This is the default method of </a:t>
+                      </a:r>
+                      <a:r>
+                        <a:rPr lang="en-US" sz="1800" b="0" i="0" kern="1200" dirty="0" smtClean="0">
+                          <a:solidFill>
+                            <a:schemeClr val="dk1"/>
+                          </a:solidFill>
+                          <a:effectLst/>
+                          <a:latin typeface="+mn-lt"/>
+                          <a:ea typeface="+mn-ea"/>
+                          <a:cs typeface="+mn-cs"/>
+                        </a:rPr>
+                        <a:t>the</a:t>
+                      </a:r>
+                      <a:r>
+                        <a:rPr lang="ru-RU" sz="1800" b="0" i="0" kern="1200" dirty="0" smtClean="0">
+                          <a:solidFill>
+                            <a:schemeClr val="dk1"/>
+                          </a:solidFill>
+                          <a:effectLst/>
+                          <a:latin typeface="+mn-lt"/>
+                          <a:ea typeface="+mn-ea"/>
+                          <a:cs typeface="+mn-cs"/>
+                        </a:rPr>
+                        <a:t> </a:t>
+                      </a:r>
+                      <a:r>
+                        <a:rPr lang="en-US" sz="1800" b="0" i="0" kern="1200" dirty="0" smtClean="0">
+                          <a:solidFill>
+                            <a:schemeClr val="dk1"/>
+                          </a:solidFill>
+                          <a:effectLst/>
+                          <a:latin typeface="+mn-lt"/>
+                          <a:ea typeface="+mn-ea"/>
+                          <a:cs typeface="+mn-cs"/>
+                        </a:rPr>
+                        <a:t>type=numeric </a:t>
+                      </a:r>
+                      <a:r>
+                        <a:rPr lang="en-US" sz="1800" b="0" i="0" kern="1200" dirty="0" smtClean="0">
+                          <a:solidFill>
+                            <a:schemeClr val="dk1"/>
+                          </a:solidFill>
+                          <a:effectLst/>
+                          <a:latin typeface="+mn-lt"/>
+                          <a:ea typeface="+mn-ea"/>
+                          <a:cs typeface="+mn-cs"/>
+                        </a:rPr>
+                        <a:t>solution ”</a:t>
+                      </a:r>
+                      <a:endParaRPr lang="en-US" dirty="0"/>
+                    </a:p>
+                  </a:txBody>
+                  <a:tcPr/>
+                </a:tc>
+              </a:tr>
+              <a:tr h="275226">
+                <a:tc>
+                  <a:txBody>
+                    <a:bodyPr/>
+                    <a:lstStyle/>
+                    <a:p>
+                      <a:pPr marL="0" indent="0">
+                        <a:buNone/>
+                      </a:pPr>
+                      <a:r>
+                        <a:rPr lang="en-US" sz="1800" dirty="0" smtClean="0"/>
+                        <a:t>ck45</a:t>
+                      </a:r>
+                    </a:p>
+                  </a:txBody>
+                  <a:tcPr/>
+                </a:tc>
+                <a:tc>
+                  <a:txBody>
+                    <a:bodyPr/>
+                    <a:lstStyle/>
+                    <a:p>
+                      <a:r>
+                        <a:rPr lang="ru-RU" dirty="0" smtClean="0"/>
+                        <a:t>Явный</a:t>
+                      </a:r>
+                      <a:r>
+                        <a:rPr lang="ru-RU" baseline="0" dirty="0" smtClean="0"/>
+                        <a:t> метод Рунге-Кутты (Кэша-Карпа)</a:t>
+                      </a:r>
+                      <a:endParaRPr lang="en-US" dirty="0"/>
+                    </a:p>
+                  </a:txBody>
+                  <a:tcPr/>
+                </a:tc>
+                <a:tc>
+                  <a:txBody>
+                    <a:bodyPr/>
+                    <a:lstStyle/>
+                    <a:p>
+                      <a:r>
+                        <a:rPr lang="en-US" baseline="0" dirty="0" smtClean="0"/>
+                        <a:t>5(4)</a:t>
+                      </a:r>
+                      <a:r>
+                        <a:rPr lang="ru-RU" baseline="0" dirty="0" smtClean="0"/>
+                        <a:t> </a:t>
+                      </a:r>
+                      <a:endParaRPr lang="en-US" dirty="0"/>
+                    </a:p>
+                  </a:txBody>
+                  <a:tcPr/>
+                </a:tc>
+                <a:tc>
+                  <a:txBody>
+                    <a:bodyPr/>
+                    <a:lstStyle/>
+                    <a:p>
+                      <a:endParaRPr lang="en-US"/>
+                    </a:p>
+                  </a:txBody>
+                  <a:tcPr/>
+                </a:tc>
+              </a:tr>
+              <a:tr h="275226">
+                <a:tc>
+                  <a:txBody>
+                    <a:bodyPr/>
+                    <a:lstStyle/>
+                    <a:p>
+                      <a:pPr marL="0" indent="0">
+                        <a:buNone/>
+                      </a:pPr>
+                      <a:r>
+                        <a:rPr lang="en-US" sz="1800" dirty="0" err="1" smtClean="0"/>
+                        <a:t>rosenbrock</a:t>
+                      </a:r>
+                      <a:endParaRPr lang="en-US" sz="1800" dirty="0" smtClean="0"/>
+                    </a:p>
+                  </a:txBody>
+                  <a:tcPr/>
+                </a:tc>
+                <a:tc>
+                  <a:txBody>
+                    <a:bodyPr/>
+                    <a:lstStyle/>
+                    <a:p>
+                      <a:r>
+                        <a:rPr lang="ru-RU" dirty="0" smtClean="0"/>
+                        <a:t>Метод</a:t>
+                      </a:r>
+                      <a:r>
+                        <a:rPr lang="ru-RU" baseline="0" dirty="0" smtClean="0"/>
+                        <a:t> Розенброка</a:t>
+                      </a:r>
+                      <a:endParaRPr lang="en-US" dirty="0"/>
+                    </a:p>
+                  </a:txBody>
+                  <a:tcPr/>
+                </a:tc>
+                <a:tc>
+                  <a:txBody>
+                    <a:bodyPr/>
+                    <a:lstStyle/>
+                    <a:p>
+                      <a:pPr marL="0" marR="0" lvl="0" indent="0" algn="l" defTabSz="914400" rtl="0" eaLnBrk="1" fontAlgn="auto" latinLnBrk="0" hangingPunct="1">
+                        <a:lnSpc>
+                          <a:spcPct val="100000"/>
+                        </a:lnSpc>
+                        <a:spcBef>
+                          <a:spcPts val="0"/>
+                        </a:spcBef>
+                        <a:spcAft>
+                          <a:spcPts val="0"/>
+                        </a:spcAft>
+                        <a:buClrTx/>
+                        <a:buSzTx/>
+                        <a:buFontTx/>
+                        <a:buNone/>
+                        <a:tabLst/>
+                        <a:defRPr/>
+                      </a:pPr>
+                      <a:r>
+                        <a:rPr lang="en-US" baseline="0" dirty="0" smtClean="0"/>
+                        <a:t>3(4)</a:t>
+                      </a:r>
+                      <a:endParaRPr lang="en-US" dirty="0"/>
+                    </a:p>
+                  </a:txBody>
+                  <a:tcPr/>
+                </a:tc>
+                <a:tc>
+                  <a:txBody>
+                    <a:bodyPr/>
+                    <a:lstStyle/>
+                    <a:p>
+                      <a:r>
+                        <a:rPr lang="ru-RU" dirty="0" smtClean="0"/>
+                        <a:t>Как неявный,</a:t>
+                      </a:r>
+                      <a:r>
+                        <a:rPr lang="ru-RU" baseline="0" dirty="0" smtClean="0"/>
+                        <a:t> только явный</a:t>
+                      </a:r>
+                      <a:endParaRPr lang="en-US" dirty="0"/>
+                    </a:p>
+                  </a:txBody>
+                  <a:tcPr/>
+                </a:tc>
+              </a:tr>
+              <a:tr h="195331">
+                <a:tc>
+                  <a:txBody>
+                    <a:bodyPr/>
+                    <a:lstStyle/>
+                    <a:p>
+                      <a:pPr marL="0" indent="0">
+                        <a:buNone/>
+                      </a:pPr>
+                      <a:r>
+                        <a:rPr lang="en-US" sz="1800" dirty="0" smtClean="0"/>
+                        <a:t>dverk78</a:t>
+                      </a:r>
+                    </a:p>
+                  </a:txBody>
+                  <a:tcPr/>
+                </a:tc>
+                <a:tc>
+                  <a:txBody>
+                    <a:bodyPr/>
+                    <a:lstStyle/>
+                    <a:p>
+                      <a:r>
+                        <a:rPr lang="ru-RU" dirty="0" smtClean="0"/>
+                        <a:t>Явный метод Рунге-Кутты</a:t>
+                      </a:r>
+                      <a:r>
+                        <a:rPr lang="ru-RU" baseline="0" dirty="0" smtClean="0"/>
+                        <a:t> (Вернера)</a:t>
+                      </a:r>
+                      <a:endParaRPr lang="en-US" dirty="0"/>
+                    </a:p>
+                  </a:txBody>
+                  <a:tcPr/>
+                </a:tc>
+                <a:tc>
+                  <a:txBody>
+                    <a:bodyPr/>
+                    <a:lstStyle/>
+                    <a:p>
+                      <a:r>
+                        <a:rPr lang="ru-RU" dirty="0" smtClean="0"/>
+                        <a:t>7(8)</a:t>
+                      </a:r>
+                      <a:endParaRPr lang="en-US" dirty="0"/>
+                    </a:p>
+                  </a:txBody>
+                  <a:tcPr/>
+                </a:tc>
+                <a:tc>
+                  <a:txBody>
+                    <a:bodyPr/>
+                    <a:lstStyle/>
+                    <a:p>
+                      <a:endParaRPr lang="en-US" dirty="0"/>
+                    </a:p>
+                  </a:txBody>
+                  <a:tcPr/>
+                </a:tc>
+              </a:tr>
+              <a:tr h="341830">
+                <a:tc>
+                  <a:txBody>
+                    <a:bodyPr/>
+                    <a:lstStyle/>
+                    <a:p>
+                      <a:pPr marL="0" indent="0">
+                        <a:buNone/>
+                      </a:pPr>
+                      <a:r>
+                        <a:rPr lang="en-US" sz="1800" dirty="0" err="1" smtClean="0"/>
+                        <a:t>lsode</a:t>
+                      </a:r>
+                      <a:endParaRPr lang="en-US" dirty="0"/>
+                    </a:p>
+                  </a:txBody>
+                  <a:tcPr/>
+                </a:tc>
+                <a:tc>
+                  <a:txBody>
+                    <a:bodyPr/>
+                    <a:lstStyle/>
+                    <a:p>
+                      <a:r>
+                        <a:rPr lang="ru-RU" dirty="0" smtClean="0"/>
+                        <a:t>Метод</a:t>
+                      </a:r>
+                      <a:r>
+                        <a:rPr lang="ru-RU" baseline="0" dirty="0" smtClean="0"/>
+                        <a:t> Адамса</a:t>
+                      </a:r>
+                      <a:r>
+                        <a:rPr lang="en-US" baseline="0" dirty="0" smtClean="0"/>
+                        <a:t>/BDF</a:t>
+                      </a:r>
+                      <a:endParaRPr lang="en-US" dirty="0"/>
+                    </a:p>
+                  </a:txBody>
+                  <a:tcPr/>
+                </a:tc>
+                <a:tc>
+                  <a:txBody>
+                    <a:bodyPr/>
+                    <a:lstStyle/>
+                    <a:p>
+                      <a:r>
+                        <a:rPr lang="en-US" dirty="0" smtClean="0"/>
+                        <a:t>1-5/12</a:t>
+                      </a:r>
+                      <a:endParaRPr lang="en-US" dirty="0"/>
+                    </a:p>
+                  </a:txBody>
+                  <a:tcPr/>
+                </a:tc>
+                <a:tc>
+                  <a:txBody>
+                    <a:bodyPr/>
+                    <a:lstStyle/>
+                    <a:p>
+                      <a:r>
+                        <a:rPr lang="ru-RU" dirty="0" smtClean="0"/>
+                        <a:t>Переменный</a:t>
+                      </a:r>
+                      <a:r>
+                        <a:rPr lang="ru-RU" baseline="0" dirty="0" smtClean="0"/>
+                        <a:t> порядок и выбор метода</a:t>
+                      </a:r>
+                      <a:endParaRPr lang="en-US" dirty="0"/>
+                    </a:p>
+                  </a:txBody>
+                  <a:tcPr/>
+                </a:tc>
+              </a:tr>
+              <a:tr h="275226">
+                <a:tc>
+                  <a:txBody>
+                    <a:bodyPr/>
+                    <a:lstStyle/>
+                    <a:p>
+                      <a:pPr marL="0" indent="0">
+                        <a:buNone/>
+                      </a:pPr>
+                      <a:r>
+                        <a:rPr lang="en-US" sz="1800" dirty="0" smtClean="0"/>
+                        <a:t>gear</a:t>
+                      </a:r>
+                    </a:p>
+                  </a:txBody>
+                  <a:tcPr/>
+                </a:tc>
+                <a:tc>
+                  <a:txBody>
+                    <a:bodyPr/>
+                    <a:lstStyle/>
+                    <a:p>
+                      <a:r>
+                        <a:rPr lang="ru-RU" dirty="0" smtClean="0"/>
+                        <a:t>Метод Гира</a:t>
+                      </a:r>
+                      <a:endParaRPr lang="en-US" dirty="0"/>
+                    </a:p>
+                  </a:txBody>
+                  <a:tcPr/>
+                </a:tc>
+                <a:tc>
+                  <a:txBody>
+                    <a:bodyPr/>
+                    <a:lstStyle/>
+                    <a:p>
+                      <a:r>
+                        <a:rPr lang="en-US" dirty="0" smtClean="0"/>
+                        <a:t>4</a:t>
+                      </a:r>
+                      <a:endParaRPr lang="en-US" dirty="0"/>
+                    </a:p>
+                  </a:txBody>
+                  <a:tcPr/>
+                </a:tc>
+                <a:tc>
+                  <a:txBody>
+                    <a:bodyPr/>
+                    <a:lstStyle/>
+                    <a:p>
+                      <a:r>
+                        <a:rPr lang="ru-RU" dirty="0" smtClean="0"/>
+                        <a:t>ЯМРК+экстраполяция</a:t>
+                      </a:r>
+                      <a:endParaRPr lang="en-US" dirty="0"/>
+                    </a:p>
+                  </a:txBody>
+                  <a:tcPr/>
+                </a:tc>
+              </a:tr>
+              <a:tr h="195331">
+                <a:tc>
+                  <a:txBody>
+                    <a:bodyPr/>
+                    <a:lstStyle/>
+                    <a:p>
+                      <a:pPr marL="0" indent="0">
+                        <a:buNone/>
+                      </a:pPr>
+                      <a:r>
+                        <a:rPr lang="en-US" sz="1800" dirty="0" err="1" smtClean="0"/>
+                        <a:t>taylorseries</a:t>
+                      </a:r>
+                      <a:endParaRPr lang="en-US" sz="1800" dirty="0" smtClean="0"/>
+                    </a:p>
+                  </a:txBody>
+                  <a:tcPr/>
+                </a:tc>
+                <a:tc>
+                  <a:txBody>
+                    <a:bodyPr/>
+                    <a:lstStyle/>
+                    <a:p>
+                      <a:r>
+                        <a:rPr lang="ru-RU" sz="1800" b="0" i="0" kern="1200" dirty="0" smtClean="0">
+                          <a:solidFill>
+                            <a:schemeClr val="dk1"/>
+                          </a:solidFill>
+                          <a:effectLst/>
+                          <a:latin typeface="+mn-lt"/>
+                          <a:ea typeface="+mn-ea"/>
+                          <a:cs typeface="+mn-cs"/>
+                        </a:rPr>
+                        <a:t>Метод рядов Тейлора</a:t>
+                      </a:r>
+                      <a:endParaRPr lang="en-US" dirty="0"/>
+                    </a:p>
+                  </a:txBody>
+                  <a:tcPr/>
+                </a:tc>
+                <a:tc>
+                  <a:txBody>
+                    <a:bodyPr/>
+                    <a:lstStyle/>
+                    <a:p>
+                      <a:r>
+                        <a:rPr lang="ru-RU" dirty="0" smtClean="0"/>
+                        <a:t>до 22</a:t>
+                      </a:r>
+                      <a:endParaRPr lang="en-US" dirty="0"/>
+                    </a:p>
+                  </a:txBody>
+                  <a:tcPr/>
+                </a:tc>
+                <a:tc>
+                  <a:txBody>
+                    <a:bodyPr/>
+                    <a:lstStyle/>
+                    <a:p>
+                      <a:r>
+                        <a:rPr lang="ru-RU" dirty="0" smtClean="0"/>
+                        <a:t>Считает</a:t>
+                      </a:r>
+                      <a:r>
+                        <a:rPr lang="ru-RU" baseline="0" dirty="0" smtClean="0"/>
+                        <a:t> производные</a:t>
+                      </a:r>
+                      <a:endParaRPr lang="en-US" dirty="0"/>
+                    </a:p>
+                  </a:txBody>
+                  <a:tcPr/>
+                </a:tc>
+              </a:tr>
+              <a:tr h="195331">
+                <a:tc>
+                  <a:txBody>
+                    <a:bodyPr/>
+                    <a:lstStyle/>
+                    <a:p>
+                      <a:pPr marL="0" indent="0">
+                        <a:buNone/>
+                      </a:pPr>
+                      <a:r>
+                        <a:rPr lang="en-US" sz="1800" dirty="0" smtClean="0"/>
+                        <a:t>classical</a:t>
+                      </a:r>
+                    </a:p>
+                  </a:txBody>
+                  <a:tcPr/>
+                </a:tc>
+                <a:tc>
+                  <a:txBody>
+                    <a:bodyPr/>
+                    <a:lstStyle/>
+                    <a:p>
+                      <a:r>
+                        <a:rPr lang="ru-RU" dirty="0" smtClean="0"/>
+                        <a:t>ЯМРК,</a:t>
+                      </a:r>
+                      <a:r>
+                        <a:rPr lang="ru-RU" baseline="0" dirty="0" smtClean="0"/>
+                        <a:t> НМРК, Адамс</a:t>
+                      </a:r>
+                      <a:endParaRPr lang="en-US" dirty="0"/>
+                    </a:p>
+                  </a:txBody>
+                  <a:tcPr/>
+                </a:tc>
+                <a:tc>
+                  <a:txBody>
+                    <a:bodyPr/>
+                    <a:lstStyle/>
+                    <a:p>
+                      <a:endParaRPr lang="en-US" dirty="0"/>
+                    </a:p>
+                  </a:txBody>
+                  <a:tcPr/>
+                </a:tc>
+                <a:tc>
+                  <a:txBody>
+                    <a:bodyPr/>
+                    <a:lstStyle/>
+                    <a:p>
+                      <a:r>
+                        <a:rPr lang="ru-RU" dirty="0" smtClean="0"/>
+                        <a:t>Много</a:t>
+                      </a:r>
+                      <a:r>
+                        <a:rPr lang="ru-RU" baseline="0" dirty="0" smtClean="0"/>
+                        <a:t> разных</a:t>
+                      </a:r>
+                      <a:endParaRPr lang="en-US" dirty="0"/>
+                    </a:p>
+                  </a:txBody>
+                  <a:tcPr/>
+                </a:tc>
+              </a:tr>
+            </a:tbl>
+          </a:graphicData>
+        </a:graphic>
+      </p:graphicFrame>
+    </p:spTree>
+    <p:extLst>
+      <p:ext uri="{BB962C8B-B14F-4D97-AF65-F5344CB8AC3E}">
+        <p14:creationId xmlns:p14="http://schemas.microsoft.com/office/powerpoint/2010/main" val="412866480"/>
+      </p:ext>
+    </p:extLst>
+  </p:cSld>
+  <p:clrMapOvr>
+    <a:masterClrMapping/>
+  </p:clrMapOvr>
+</p:sld>
+</file>
+
+<file path=ppt/slides/slide6.xml><?xml version="1.0" encoding="utf-8"?>
+<p:sld xmlns:a="http://schemas.openxmlformats.org/drawingml/2006/main" xmlns:r="http://schemas.openxmlformats.org/officeDocument/2006/relationships" xmlns:p="http://schemas.openxmlformats.org/presentationml/2006/main">
+  <p:cSld>
+    <p:spTree>
+      <p:nvGrpSpPr>
+        <p:cNvPr id="1" name=""/>
+        <p:cNvGrpSpPr/>
+        <p:nvPr/>
+      </p:nvGrpSpPr>
+      <p:grpSpPr>
+        <a:xfrm>
+          <a:off x="0" y="0"/>
+          <a:ext cx="0" cy="0"/>
+          <a:chOff x="0" y="0"/>
+          <a:chExt cx="0" cy="0"/>
+        </a:xfrm>
+      </p:grpSpPr>
+      <p:sp>
+        <p:nvSpPr>
+          <p:cNvPr id="2" name="Title 1"/>
+          <p:cNvSpPr>
+            <a:spLocks noGrp="1"/>
+          </p:cNvSpPr>
+          <p:nvPr>
+            <p:ph type="title"/>
+          </p:nvPr>
+        </p:nvSpPr>
+        <p:spPr/>
+        <p:txBody>
+          <a:bodyPr/>
+          <a:lstStyle/>
+          <a:p>
+            <a:r>
+              <a:rPr lang="en-US" dirty="0" smtClean="0"/>
               <a:t>Wolfram</a:t>
             </a:r>
             <a:endParaRPr lang="en-US" dirty="0"/>
@@ -5352,14 +7490,14 @@
           <p:nvPr>
             <p:extLst>
               <p:ext uri="{D42A27DB-BD31-4B8C-83A1-F6EECF244321}">
-                <p14:modId xmlns:p14="http://schemas.microsoft.com/office/powerpoint/2010/main" val="300198656"/>
+                <p14:modId xmlns:p14="http://schemas.microsoft.com/office/powerpoint/2010/main" val="3908390618"/>
               </p:ext>
             </p:extLst>
           </p:nvPr>
         </p:nvGraphicFramePr>
         <p:xfrm>
-          <a:off x="838200" y="1464541"/>
-          <a:ext cx="10066465" cy="2643375"/>
+          <a:off x="838200" y="1464542"/>
+          <a:ext cx="10066465" cy="2194560"/>
         </p:xfrm>
         <a:graphic>
           <a:graphicData uri="http://schemas.openxmlformats.org/drawingml/2006/table">
@@ -5372,7 +7510,7 @@
                 <a:gridCol w="4010216"/>
                 <a:gridCol w="2711196"/>
               </a:tblGrid>
-              <a:tr h="298585">
+              <a:tr h="228511">
                 <a:tc>
                   <a:txBody>
                     <a:bodyPr/>
@@ -5416,7 +7554,7 @@
                   <a:tcPr/>
                 </a:tc>
               </a:tr>
-              <a:tr h="515365">
+              <a:tr h="237093">
                 <a:tc>
                   <a:txBody>
                     <a:bodyPr/>
@@ -5504,7 +7642,7 @@
                   <a:tcPr/>
                 </a:tc>
               </a:tr>
-              <a:tr h="515365">
+              <a:tr h="237093">
                 <a:tc>
                   <a:txBody>
                     <a:bodyPr/>
@@ -5546,7 +7684,7 @@
                   <a:tcPr/>
                 </a:tc>
               </a:tr>
-              <a:tr h="515365">
+              <a:tr h="237093">
                 <a:tc>
                   <a:txBody>
                     <a:bodyPr/>
@@ -5618,7 +7756,7 @@
                   <a:tcPr/>
                 </a:tc>
               </a:tr>
-              <a:tr h="298585">
+              <a:tr h="228511">
                 <a:tc>
                   <a:txBody>
                     <a:bodyPr/>
@@ -5673,7 +7811,7 @@
                   <a:tcPr/>
                 </a:tc>
               </a:tr>
-              <a:tr h="298585">
+              <a:tr h="228511">
                 <a:tc>
                   <a:txBody>
                     <a:bodyPr/>
@@ -5736,6 +7874,117 @@
     <p:extLst>
       <p:ext uri="{BB962C8B-B14F-4D97-AF65-F5344CB8AC3E}">
         <p14:creationId xmlns:p14="http://schemas.microsoft.com/office/powerpoint/2010/main" val="1356153919"/>
+      </p:ext>
+    </p:extLst>
+  </p:cSld>
+  <p:clrMapOvr>
+    <a:masterClrMapping/>
+  </p:clrMapOvr>
+</p:sld>
+</file>
+
+<file path=ppt/slides/slide7.xml><?xml version="1.0" encoding="utf-8"?>
+<p:sld xmlns:a="http://schemas.openxmlformats.org/drawingml/2006/main" xmlns:r="http://schemas.openxmlformats.org/officeDocument/2006/relationships" xmlns:p="http://schemas.openxmlformats.org/presentationml/2006/main">
+  <p:cSld>
+    <p:spTree>
+      <p:nvGrpSpPr>
+        <p:cNvPr id="1" name=""/>
+        <p:cNvGrpSpPr/>
+        <p:nvPr/>
+      </p:nvGrpSpPr>
+      <p:grpSpPr>
+        <a:xfrm>
+          <a:off x="0" y="0"/>
+          <a:ext cx="0" cy="0"/>
+          <a:chOff x="0" y="0"/>
+          <a:chExt cx="0" cy="0"/>
+        </a:xfrm>
+      </p:grpSpPr>
+      <p:sp>
+        <p:nvSpPr>
+          <p:cNvPr id="2" name="Title 1"/>
+          <p:cNvSpPr>
+            <a:spLocks noGrp="1"/>
+          </p:cNvSpPr>
+          <p:nvPr>
+            <p:ph type="title"/>
+          </p:nvPr>
+        </p:nvSpPr>
+        <p:spPr/>
+        <p:txBody>
+          <a:bodyPr/>
+          <a:lstStyle/>
+          <a:p>
+            <a:r>
+              <a:rPr lang="ru-RU" dirty="0" smtClean="0"/>
+              <a:t>Заключение</a:t>
+            </a:r>
+            <a:endParaRPr lang="en-US" dirty="0"/>
+          </a:p>
+        </p:txBody>
+      </p:sp>
+      <p:sp>
+        <p:nvSpPr>
+          <p:cNvPr id="3" name="Content Placeholder 2"/>
+          <p:cNvSpPr>
+            <a:spLocks noGrp="1"/>
+          </p:cNvSpPr>
+          <p:nvPr>
+            <p:ph idx="1"/>
+          </p:nvPr>
+        </p:nvSpPr>
+        <p:spPr/>
+        <p:txBody>
+          <a:bodyPr/>
+          <a:lstStyle/>
+          <a:p>
+            <a:r>
+              <a:rPr lang="ru-RU" dirty="0"/>
+              <a:t>Каждый класс методов служит для решения своего </a:t>
+            </a:r>
+            <a:r>
+              <a:rPr lang="ru-RU" dirty="0" smtClean="0"/>
+              <a:t>типа задач</a:t>
+            </a:r>
+          </a:p>
+          <a:p>
+            <a:r>
+              <a:rPr lang="ru-RU" dirty="0" smtClean="0"/>
+              <a:t>Не знаешь, с чего начать, – начинай с ЯМРК 4-5-го порядков</a:t>
+            </a:r>
+            <a:endParaRPr lang="ru-RU" dirty="0"/>
+          </a:p>
+          <a:p>
+            <a:r>
+              <a:rPr lang="ru-RU" dirty="0" smtClean="0"/>
+              <a:t>Существует масса гибридных методов и модификаций, не включённых в эту классификацию</a:t>
+            </a:r>
+          </a:p>
+          <a:p>
+            <a:r>
+              <a:rPr lang="ru-RU" dirty="0" smtClean="0"/>
+              <a:t>При этом большинство используемых в жизни методов принадлежат одному из 5 классов</a:t>
+            </a:r>
+          </a:p>
+          <a:p>
+            <a:r>
+              <a:rPr lang="ru-RU" dirty="0" smtClean="0"/>
+              <a:t>Методы Эйлера (явный и неявный) – базовые для каждого класса</a:t>
+            </a:r>
+          </a:p>
+          <a:p>
+            <a:r>
+              <a:rPr lang="ru-RU" dirty="0" smtClean="0"/>
+              <a:t>И это всё ещё только задача Коши!</a:t>
+            </a:r>
+            <a:endParaRPr lang="en-US" dirty="0"/>
+          </a:p>
+        </p:txBody>
+      </p:sp>
+    </p:spTree>
+    <p:extLst>
+      <p:ext uri="{BB962C8B-B14F-4D97-AF65-F5344CB8AC3E}">
+        <p14:creationId xmlns:p14="http://schemas.microsoft.com/office/powerpoint/2010/main" val="3433106229"/>
       </p:ext>
     </p:extLst>
   </p:cSld>
